--- a/Unit 3/Capstone/Unit 3 Capstone Car MSRP.pptx
+++ b/Unit 3/Capstone/Unit 3 Capstone Car MSRP.pptx
@@ -5,7 +5,7 @@
     <p:sldMasterId id="2147483648" r:id="rId1"/>
   </p:sldMasterIdLst>
   <p:handoutMasterIdLst>
-    <p:handoutMasterId r:id="rId30"/>
+    <p:handoutMasterId r:id="rId31"/>
   </p:handoutMasterIdLst>
   <p:sldIdLst>
     <p:sldId id="256" r:id="rId2"/>
@@ -17,25 +17,26 @@
     <p:sldId id="277" r:id="rId8"/>
     <p:sldId id="278" r:id="rId9"/>
     <p:sldId id="279" r:id="rId10"/>
-    <p:sldId id="280" r:id="rId11"/>
-    <p:sldId id="273" r:id="rId12"/>
-    <p:sldId id="274" r:id="rId13"/>
-    <p:sldId id="281" r:id="rId14"/>
-    <p:sldId id="261" r:id="rId15"/>
-    <p:sldId id="283" r:id="rId16"/>
-    <p:sldId id="284" r:id="rId17"/>
-    <p:sldId id="285" r:id="rId18"/>
-    <p:sldId id="286" r:id="rId19"/>
-    <p:sldId id="287" r:id="rId20"/>
-    <p:sldId id="288" r:id="rId21"/>
-    <p:sldId id="289" r:id="rId22"/>
-    <p:sldId id="290" r:id="rId23"/>
-    <p:sldId id="291" r:id="rId24"/>
-    <p:sldId id="270" r:id="rId25"/>
-    <p:sldId id="271" r:id="rId26"/>
-    <p:sldId id="272" r:id="rId27"/>
-    <p:sldId id="269" r:id="rId28"/>
-    <p:sldId id="282" r:id="rId29"/>
+    <p:sldId id="292" r:id="rId11"/>
+    <p:sldId id="280" r:id="rId12"/>
+    <p:sldId id="273" r:id="rId13"/>
+    <p:sldId id="274" r:id="rId14"/>
+    <p:sldId id="281" r:id="rId15"/>
+    <p:sldId id="261" r:id="rId16"/>
+    <p:sldId id="283" r:id="rId17"/>
+    <p:sldId id="284" r:id="rId18"/>
+    <p:sldId id="285" r:id="rId19"/>
+    <p:sldId id="286" r:id="rId20"/>
+    <p:sldId id="287" r:id="rId21"/>
+    <p:sldId id="288" r:id="rId22"/>
+    <p:sldId id="289" r:id="rId23"/>
+    <p:sldId id="290" r:id="rId24"/>
+    <p:sldId id="291" r:id="rId25"/>
+    <p:sldId id="270" r:id="rId26"/>
+    <p:sldId id="271" r:id="rId27"/>
+    <p:sldId id="272" r:id="rId28"/>
+    <p:sldId id="269" r:id="rId29"/>
+    <p:sldId id="282" r:id="rId30"/>
   </p:sldIdLst>
   <p:sldSz cx="9144000" cy="6858000" type="screen4x3"/>
   <p:notesSz cx="6858000" cy="9144000"/>
@@ -2527,7 +2528,13 @@
               <a:rPr lang="en-US" altLang="en-US" sz="3200" b="1" dirty="0" smtClean="0">
                 <a:latin typeface="Tahoma" panose="020B0604030504040204" pitchFamily="34" charset="0"/>
               </a:rPr>
-              <a:t>Data Cleaning</a:t>
+              <a:t>Correlation </a:t>
+            </a:r>
+            <a:r>
+              <a:rPr lang="en-US" altLang="en-US" sz="3200" b="1" dirty="0" err="1" smtClean="0">
+                <a:latin typeface="Tahoma" panose="020B0604030504040204" pitchFamily="34" charset="0"/>
+              </a:rPr>
+              <a:t>Heatmap</a:t>
             </a:r>
             <a:endParaRPr lang="uk-UA" altLang="en-US" sz="3200" b="1" dirty="0">
               <a:latin typeface="Tahoma" panose="020B0604030504040204" pitchFamily="34" charset="0"/>
@@ -2561,70 +2568,21 @@
               </a:lnSpc>
             </a:pPr>
             <a:r>
-              <a:rPr lang="en-US" altLang="ko-KR" sz="1800" dirty="0" smtClean="0">
-                <a:solidFill>
-                  <a:schemeClr val="tx2"/>
-                </a:solidFill>
-                <a:latin typeface="Verdana" panose="020B0604030504040204" pitchFamily="34" charset="0"/>
-                <a:ea typeface="굴림" charset="-127"/>
-              </a:rPr>
-              <a:t>All rows containing missing data were removed.  Without a thorough classification of each vehicle, it would be difficult to properly impute many of these features.</a:t>
-            </a:r>
-          </a:p>
-          <a:p>
-            <a:pPr>
-              <a:lnSpc>
-                <a:spcPct val="80000"/>
-              </a:lnSpc>
-            </a:pPr>
-            <a:endParaRPr lang="en-US" altLang="en-US" sz="1800" dirty="0" smtClean="0">
+              <a:rPr lang="en-US" altLang="ko-KR" sz="1600" dirty="0" smtClean="0">
+                <a:solidFill>
+                  <a:schemeClr val="tx2"/>
+                </a:solidFill>
+                <a:latin typeface="Verdana" panose="020B0604030504040204" pitchFamily="34" charset="0"/>
+                <a:ea typeface="굴림" charset="-127"/>
+              </a:rPr>
+              <a:t>There are some significant correlations so these will need to be dealt with later.</a:t>
+            </a:r>
+            <a:endParaRPr lang="en-US" altLang="en-US" sz="1600" dirty="0" smtClean="0">
               <a:solidFill>
                 <a:schemeClr val="tx2"/>
               </a:solidFill>
               <a:latin typeface="Verdana" panose="020B0604030504040204" pitchFamily="34" charset="0"/>
               <a:ea typeface="굴림" charset="-127"/>
-            </a:endParaRPr>
-          </a:p>
-          <a:p>
-            <a:pPr>
-              <a:lnSpc>
-                <a:spcPct val="80000"/>
-              </a:lnSpc>
-            </a:pPr>
-            <a:r>
-              <a:rPr lang="en-US" altLang="en-US" sz="1800" dirty="0" smtClean="0">
-                <a:solidFill>
-                  <a:schemeClr val="tx2"/>
-                </a:solidFill>
-                <a:latin typeface="Verdana" panose="020B0604030504040204" pitchFamily="34" charset="0"/>
-                <a:ea typeface="굴림" charset="-127"/>
-              </a:rPr>
-              <a:t>The top 5% of vehicles by MSRP </a:t>
-            </a:r>
-            <a:r>
-              <a:rPr lang="en-US" altLang="en-US" sz="1800" dirty="0">
-                <a:solidFill>
-                  <a:schemeClr val="tx2"/>
-                </a:solidFill>
-                <a:latin typeface="Verdana" panose="020B0604030504040204" pitchFamily="34" charset="0"/>
-                <a:ea typeface="굴림" charset="-127"/>
-              </a:rPr>
-              <a:t>(&gt;$77k</a:t>
-            </a:r>
-            <a:r>
-              <a:rPr lang="en-US" altLang="en-US" sz="1800" dirty="0" smtClean="0">
-                <a:solidFill>
-                  <a:schemeClr val="tx2"/>
-                </a:solidFill>
-                <a:latin typeface="Verdana" panose="020B0604030504040204" pitchFamily="34" charset="0"/>
-                <a:ea typeface="굴림" charset="-127"/>
-              </a:rPr>
-              <a:t>) were removed.  Most of these are top end brands or limited edition vehicles.  As such, there may be some built in ‘premium’ not encompassed in other variables.  A logarithmic conversion might be able to smooth the curve but not account for such a premium.</a:t>
-            </a:r>
-            <a:endParaRPr lang="uk-UA" altLang="en-US" sz="1800" dirty="0">
-              <a:solidFill>
-                <a:schemeClr val="tx2"/>
-              </a:solidFill>
             </a:endParaRPr>
           </a:p>
         </p:txBody>
@@ -2645,8 +2603,8 @@
         </p:blipFill>
         <p:spPr>
           <a:xfrm>
-            <a:off x="3171307" y="4659164"/>
-            <a:ext cx="3025402" cy="1912786"/>
+            <a:off x="1979712" y="2924944"/>
+            <a:ext cx="5417165" cy="3801422"/>
           </a:xfrm>
           <a:prstGeom prst="rect">
             <a:avLst/>
@@ -2656,13 +2614,20 @@
     </p:spTree>
     <p:extLst>
       <p:ext uri="{BB962C8B-B14F-4D97-AF65-F5344CB8AC3E}">
-        <p14:creationId xmlns:p14="http://schemas.microsoft.com/office/powerpoint/2010/main" val="2075402865"/>
+        <p14:creationId xmlns:p14="http://schemas.microsoft.com/office/powerpoint/2010/main" val="3000604207"/>
       </p:ext>
     </p:extLst>
   </p:cSld>
   <p:clrMapOvr>
     <a:masterClrMapping/>
   </p:clrMapOvr>
+  <p:timing>
+    <p:tnLst>
+      <p:par>
+        <p:cTn id="1" dur="indefinite" restart="never" nodeType="tmRoot"/>
+      </p:par>
+    </p:tnLst>
+  </p:timing>
 </p:sld>
 </file>
 
@@ -2696,7 +2661,7 @@
         <p:spPr>
           <a:xfrm>
             <a:off x="1547813" y="1700213"/>
-            <a:ext cx="3096195" cy="649287"/>
+            <a:ext cx="4680371" cy="649287"/>
           </a:xfrm>
         </p:spPr>
         <p:txBody>
@@ -2707,7 +2672,7 @@
               <a:rPr lang="en-US" altLang="en-US" sz="3200" b="1" dirty="0" smtClean="0">
                 <a:latin typeface="Tahoma" panose="020B0604030504040204" pitchFamily="34" charset="0"/>
               </a:rPr>
-              <a:t>Models Used</a:t>
+              <a:t>Data Cleaning</a:t>
             </a:r>
             <a:endParaRPr lang="uk-UA" altLang="en-US" sz="3200" b="1" dirty="0">
               <a:latin typeface="Tahoma" panose="020B0604030504040204" pitchFamily="34" charset="0"/>
@@ -2748,138 +2713,16 @@
                 <a:latin typeface="Verdana" panose="020B0604030504040204" pitchFamily="34" charset="0"/>
                 <a:ea typeface="굴림" charset="-127"/>
               </a:rPr>
-              <a:t>The following supervised learning models were used:</a:t>
-            </a:r>
-          </a:p>
-          <a:p>
-            <a:pPr lvl="1">
-              <a:lnSpc>
-                <a:spcPct val="80000"/>
-              </a:lnSpc>
-            </a:pPr>
-            <a:r>
-              <a:rPr lang="en-US" altLang="ko-KR" sz="1800" b="0" dirty="0" smtClean="0">
-                <a:solidFill>
-                  <a:schemeClr val="tx2"/>
-                </a:solidFill>
-                <a:latin typeface="Verdana" panose="020B0604030504040204" pitchFamily="34" charset="0"/>
-                <a:ea typeface="굴림" charset="-127"/>
-              </a:rPr>
-              <a:t>K-Nearest Neighbor</a:t>
-            </a:r>
-          </a:p>
-          <a:p>
-            <a:pPr lvl="1">
-              <a:lnSpc>
-                <a:spcPct val="80000"/>
-              </a:lnSpc>
-            </a:pPr>
-            <a:r>
-              <a:rPr lang="en-US" altLang="ko-KR" sz="1800" b="0" dirty="0" smtClean="0">
-                <a:solidFill>
-                  <a:schemeClr val="tx2"/>
-                </a:solidFill>
-                <a:latin typeface="Verdana" panose="020B0604030504040204" pitchFamily="34" charset="0"/>
-                <a:ea typeface="굴림" charset="-127"/>
-              </a:rPr>
-              <a:t>Decision Tree</a:t>
-            </a:r>
-          </a:p>
-          <a:p>
-            <a:pPr lvl="1">
-              <a:lnSpc>
-                <a:spcPct val="80000"/>
-              </a:lnSpc>
-            </a:pPr>
-            <a:r>
-              <a:rPr lang="en-US" altLang="ko-KR" sz="1800" b="0" dirty="0" smtClean="0">
-                <a:solidFill>
-                  <a:schemeClr val="tx2"/>
-                </a:solidFill>
-                <a:latin typeface="Verdana" panose="020B0604030504040204" pitchFamily="34" charset="0"/>
-                <a:ea typeface="굴림" charset="-127"/>
-              </a:rPr>
-              <a:t>Random Forest</a:t>
-            </a:r>
-          </a:p>
-          <a:p>
-            <a:pPr lvl="1">
-              <a:lnSpc>
-                <a:spcPct val="80000"/>
-              </a:lnSpc>
-            </a:pPr>
-            <a:r>
-              <a:rPr lang="en-US" altLang="ko-KR" sz="1800" b="0" dirty="0" smtClean="0">
-                <a:solidFill>
-                  <a:schemeClr val="tx2"/>
-                </a:solidFill>
-                <a:latin typeface="Verdana" panose="020B0604030504040204" pitchFamily="34" charset="0"/>
-                <a:ea typeface="굴림" charset="-127"/>
-              </a:rPr>
-              <a:t>Ordinary Least Squares Regression</a:t>
-            </a:r>
-          </a:p>
-          <a:p>
-            <a:pPr lvl="1">
-              <a:lnSpc>
-                <a:spcPct val="80000"/>
-              </a:lnSpc>
-            </a:pPr>
-            <a:r>
-              <a:rPr lang="en-US" altLang="ko-KR" sz="1800" b="0" dirty="0" smtClean="0">
-                <a:solidFill>
-                  <a:schemeClr val="tx2"/>
-                </a:solidFill>
-                <a:latin typeface="Verdana" panose="020B0604030504040204" pitchFamily="34" charset="0"/>
-                <a:ea typeface="굴림" charset="-127"/>
-              </a:rPr>
-              <a:t>Ridge Regression</a:t>
-            </a:r>
-          </a:p>
-          <a:p>
-            <a:pPr lvl="1">
-              <a:lnSpc>
-                <a:spcPct val="80000"/>
-              </a:lnSpc>
-            </a:pPr>
-            <a:r>
-              <a:rPr lang="en-US" altLang="ko-KR" sz="1800" b="0" dirty="0" smtClean="0">
-                <a:solidFill>
-                  <a:schemeClr val="tx2"/>
-                </a:solidFill>
-                <a:latin typeface="Verdana" panose="020B0604030504040204" pitchFamily="34" charset="0"/>
-                <a:ea typeface="굴림" charset="-127"/>
-              </a:rPr>
-              <a:t>Lasso </a:t>
-            </a:r>
-            <a:r>
-              <a:rPr lang="en-US" altLang="ko-KR" sz="1800" b="0" dirty="0" smtClean="0">
-                <a:solidFill>
-                  <a:schemeClr val="tx2"/>
-                </a:solidFill>
-                <a:latin typeface="Verdana" panose="020B0604030504040204" pitchFamily="34" charset="0"/>
-                <a:ea typeface="굴림" charset="-127"/>
-              </a:rPr>
-              <a:t>Regression</a:t>
-            </a:r>
-          </a:p>
-          <a:p>
-            <a:pPr lvl="1">
-              <a:lnSpc>
-                <a:spcPct val="80000"/>
-              </a:lnSpc>
-            </a:pPr>
-            <a:r>
-              <a:rPr lang="en-US" altLang="ko-KR" sz="1800" b="0" dirty="0" smtClean="0">
-                <a:solidFill>
-                  <a:schemeClr val="tx2"/>
-                </a:solidFill>
-                <a:latin typeface="Verdana" panose="020B0604030504040204" pitchFamily="34" charset="0"/>
-                <a:ea typeface="굴림" charset="-127"/>
-              </a:rPr>
-              <a:t>Linear Support Vector Regression</a:t>
-            </a:r>
-            <a:endParaRPr lang="en-US" altLang="ko-KR" sz="1800" b="0" dirty="0" smtClean="0">
+              <a:t>All rows containing missing data were removed.  Without a thorough classification of each vehicle, it would be difficult to properly impute many of these features.</a:t>
+            </a:r>
+          </a:p>
+          <a:p>
+            <a:pPr>
+              <a:lnSpc>
+                <a:spcPct val="80000"/>
+              </a:lnSpc>
+            </a:pPr>
+            <a:endParaRPr lang="en-US" altLang="en-US" sz="1800" dirty="0" smtClean="0">
               <a:solidFill>
                 <a:schemeClr val="tx2"/>
               </a:solidFill>
@@ -2888,101 +2731,90 @@
             </a:endParaRPr>
           </a:p>
           <a:p>
-            <a:pPr lvl="1">
-              <a:lnSpc>
-                <a:spcPct val="80000"/>
-              </a:lnSpc>
-            </a:pPr>
-            <a:r>
-              <a:rPr lang="en-US" altLang="ko-KR" sz="1800" b="0" dirty="0" smtClean="0">
-                <a:solidFill>
-                  <a:schemeClr val="tx2"/>
-                </a:solidFill>
-                <a:latin typeface="Verdana" panose="020B0604030504040204" pitchFamily="34" charset="0"/>
-                <a:ea typeface="굴림" charset="-127"/>
-              </a:rPr>
-              <a:t>Radial </a:t>
-            </a:r>
-            <a:r>
-              <a:rPr lang="en-US" altLang="ko-KR" sz="1800" b="0" dirty="0" smtClean="0">
-                <a:solidFill>
-                  <a:schemeClr val="tx2"/>
-                </a:solidFill>
-                <a:latin typeface="Verdana" panose="020B0604030504040204" pitchFamily="34" charset="0"/>
-                <a:ea typeface="굴림" charset="-127"/>
-              </a:rPr>
-              <a:t>Basis Function </a:t>
-            </a:r>
-            <a:r>
-              <a:rPr lang="en-US" altLang="ko-KR" sz="1800" b="0" dirty="0" smtClean="0">
-                <a:solidFill>
-                  <a:schemeClr val="tx2"/>
-                </a:solidFill>
-                <a:latin typeface="Verdana" panose="020B0604030504040204" pitchFamily="34" charset="0"/>
-                <a:ea typeface="굴림" charset="-127"/>
-              </a:rPr>
-              <a:t>Support </a:t>
-            </a:r>
-            <a:r>
-              <a:rPr lang="en-US" altLang="ko-KR" sz="1800" b="0" dirty="0" smtClean="0">
-                <a:solidFill>
-                  <a:schemeClr val="tx2"/>
-                </a:solidFill>
-                <a:latin typeface="Verdana" panose="020B0604030504040204" pitchFamily="34" charset="0"/>
-                <a:ea typeface="굴림" charset="-127"/>
-              </a:rPr>
-              <a:t>Vector Regression</a:t>
-            </a:r>
-          </a:p>
-          <a:p>
-            <a:pPr lvl="1">
-              <a:lnSpc>
-                <a:spcPct val="80000"/>
-              </a:lnSpc>
-            </a:pPr>
-            <a:r>
-              <a:rPr lang="en-US" altLang="ko-KR" sz="1800" b="0" dirty="0" smtClean="0">
-                <a:solidFill>
-                  <a:schemeClr val="tx2"/>
-                </a:solidFill>
-                <a:latin typeface="Verdana" panose="020B0604030504040204" pitchFamily="34" charset="0"/>
-                <a:ea typeface="굴림" charset="-127"/>
-              </a:rPr>
-              <a:t>Gradient </a:t>
-            </a:r>
-            <a:r>
-              <a:rPr lang="en-US" altLang="ko-KR" sz="1800" b="0" dirty="0" smtClean="0">
-                <a:solidFill>
-                  <a:schemeClr val="tx2"/>
-                </a:solidFill>
-                <a:latin typeface="Verdana" panose="020B0604030504040204" pitchFamily="34" charset="0"/>
-                <a:ea typeface="굴림" charset="-127"/>
-              </a:rPr>
-              <a:t>Boosting </a:t>
-            </a:r>
-            <a:r>
-              <a:rPr lang="en-US" altLang="ko-KR" sz="1800" b="0" dirty="0" smtClean="0">
-                <a:solidFill>
-                  <a:schemeClr val="tx2"/>
-                </a:solidFill>
-                <a:latin typeface="Verdana" panose="020B0604030504040204" pitchFamily="34" charset="0"/>
-                <a:ea typeface="굴림" charset="-127"/>
-              </a:rPr>
-              <a:t>Regression</a:t>
-            </a:r>
+            <a:pPr>
+              <a:lnSpc>
+                <a:spcPct val="80000"/>
+              </a:lnSpc>
+            </a:pPr>
+            <a:r>
+              <a:rPr lang="en-US" altLang="en-US" sz="1800" dirty="0" smtClean="0">
+                <a:solidFill>
+                  <a:schemeClr val="tx2"/>
+                </a:solidFill>
+                <a:latin typeface="Verdana" panose="020B0604030504040204" pitchFamily="34" charset="0"/>
+                <a:ea typeface="굴림" charset="-127"/>
+              </a:rPr>
+              <a:t>The top 5% of vehicles by MSRP </a:t>
+            </a:r>
+            <a:r>
+              <a:rPr lang="en-US" altLang="en-US" sz="1800" dirty="0">
+                <a:solidFill>
+                  <a:schemeClr val="tx2"/>
+                </a:solidFill>
+                <a:latin typeface="Verdana" panose="020B0604030504040204" pitchFamily="34" charset="0"/>
+                <a:ea typeface="굴림" charset="-127"/>
+              </a:rPr>
+              <a:t>(&gt;$77k</a:t>
+            </a:r>
+            <a:r>
+              <a:rPr lang="en-US" altLang="en-US" sz="1800" dirty="0" smtClean="0">
+                <a:solidFill>
+                  <a:schemeClr val="tx2"/>
+                </a:solidFill>
+                <a:latin typeface="Verdana" panose="020B0604030504040204" pitchFamily="34" charset="0"/>
+                <a:ea typeface="굴림" charset="-127"/>
+              </a:rPr>
+              <a:t>) were removed.  Most of these are top end brands or limited edition vehicles.  As such, there may be some built in ‘premium’ not encompassed in other variables.  A logarithmic conversion might be able to smooth the curve but not account for such a premium.</a:t>
+            </a:r>
+            <a:endParaRPr lang="uk-UA" altLang="en-US" sz="1800" dirty="0">
+              <a:solidFill>
+                <a:schemeClr val="tx2"/>
+              </a:solidFill>
+            </a:endParaRPr>
           </a:p>
         </p:txBody>
       </p:sp>
+      <p:pic>
+        <p:nvPicPr>
+          <p:cNvPr id="2" name="Picture 1"/>
+          <p:cNvPicPr>
+            <a:picLocks noChangeAspect="1"/>
+          </p:cNvPicPr>
+          <p:nvPr/>
+        </p:nvPicPr>
+        <p:blipFill>
+          <a:blip r:embed="rId2"/>
+          <a:stretch>
+            <a:fillRect/>
+          </a:stretch>
+        </p:blipFill>
+        <p:spPr>
+          <a:xfrm>
+            <a:off x="3171307" y="4659164"/>
+            <a:ext cx="3025402" cy="1912786"/>
+          </a:xfrm>
+          <a:prstGeom prst="rect">
+            <a:avLst/>
+          </a:prstGeom>
+        </p:spPr>
+      </p:pic>
     </p:spTree>
     <p:extLst>
       <p:ext uri="{BB962C8B-B14F-4D97-AF65-F5344CB8AC3E}">
-        <p14:creationId xmlns:p14="http://schemas.microsoft.com/office/powerpoint/2010/main" val="2067049593"/>
+        <p14:creationId xmlns:p14="http://schemas.microsoft.com/office/powerpoint/2010/main" val="2075402865"/>
       </p:ext>
     </p:extLst>
   </p:cSld>
   <p:clrMapOvr>
     <a:masterClrMapping/>
   </p:clrMapOvr>
+  <p:timing>
+    <p:tnLst>
+      <p:par>
+        <p:cTn id="1" dur="indefinite" restart="never" nodeType="tmRoot"/>
+      </p:par>
+    </p:tnLst>
+  </p:timing>
 </p:sld>
 </file>
 
@@ -3016,7 +2848,7 @@
         <p:spPr>
           <a:xfrm>
             <a:off x="1547813" y="1700213"/>
-            <a:ext cx="6336555" cy="649287"/>
+            <a:ext cx="3096195" cy="649287"/>
           </a:xfrm>
         </p:spPr>
         <p:txBody>
@@ -3027,7 +2859,7 @@
               <a:rPr lang="en-US" altLang="en-US" sz="3200" b="1" dirty="0" smtClean="0">
                 <a:latin typeface="Tahoma" panose="020B0604030504040204" pitchFamily="34" charset="0"/>
               </a:rPr>
-              <a:t>Principal Component Analysis</a:t>
+              <a:t>Models Used</a:t>
             </a:r>
             <a:endParaRPr lang="uk-UA" altLang="en-US" sz="3200" b="1" dirty="0">
               <a:latin typeface="Tahoma" panose="020B0604030504040204" pitchFamily="34" charset="0"/>
@@ -3068,179 +2900,168 @@
                 <a:latin typeface="Verdana" panose="020B0604030504040204" pitchFamily="34" charset="0"/>
                 <a:ea typeface="굴림" charset="-127"/>
               </a:rPr>
-              <a:t>Principal Component Analysis was applied to the data to reduce dimensionality from the initial 42 features.</a:t>
-            </a:r>
-          </a:p>
-          <a:p>
-            <a:pPr>
-              <a:lnSpc>
-                <a:spcPct val="80000"/>
-              </a:lnSpc>
-            </a:pPr>
-            <a:endParaRPr lang="en-US" altLang="en-US" sz="1800" dirty="0" smtClean="0">
-              <a:solidFill>
-                <a:schemeClr val="tx2"/>
-              </a:solidFill>
-            </a:endParaRPr>
-          </a:p>
-          <a:p>
-            <a:pPr>
-              <a:lnSpc>
-                <a:spcPct val="80000"/>
-              </a:lnSpc>
-            </a:pPr>
-            <a:endParaRPr lang="en-US" altLang="en-US" sz="1800" dirty="0">
-              <a:solidFill>
-                <a:schemeClr val="tx2"/>
-              </a:solidFill>
-            </a:endParaRPr>
-          </a:p>
-          <a:p>
-            <a:pPr>
-              <a:lnSpc>
-                <a:spcPct val="80000"/>
-              </a:lnSpc>
-            </a:pPr>
-            <a:endParaRPr lang="en-US" altLang="en-US" sz="1800" dirty="0" smtClean="0">
-              <a:solidFill>
-                <a:schemeClr val="tx2"/>
-              </a:solidFill>
-            </a:endParaRPr>
-          </a:p>
-          <a:p>
-            <a:pPr>
-              <a:lnSpc>
-                <a:spcPct val="80000"/>
-              </a:lnSpc>
-            </a:pPr>
-            <a:endParaRPr lang="en-US" altLang="en-US" sz="1800" dirty="0">
-              <a:solidFill>
-                <a:schemeClr val="tx2"/>
-              </a:solidFill>
-            </a:endParaRPr>
-          </a:p>
-          <a:p>
-            <a:pPr>
-              <a:lnSpc>
-                <a:spcPct val="80000"/>
-              </a:lnSpc>
-            </a:pPr>
-            <a:endParaRPr lang="en-US" altLang="en-US" sz="1800" dirty="0" smtClean="0">
-              <a:solidFill>
-                <a:schemeClr val="tx2"/>
-              </a:solidFill>
-            </a:endParaRPr>
-          </a:p>
-          <a:p>
-            <a:pPr>
-              <a:lnSpc>
-                <a:spcPct val="80000"/>
-              </a:lnSpc>
-            </a:pPr>
-            <a:endParaRPr lang="en-US" altLang="en-US" sz="1800" dirty="0">
-              <a:solidFill>
-                <a:schemeClr val="tx2"/>
-              </a:solidFill>
-            </a:endParaRPr>
-          </a:p>
-          <a:p>
-            <a:pPr>
-              <a:lnSpc>
-                <a:spcPct val="80000"/>
-              </a:lnSpc>
-            </a:pPr>
-            <a:endParaRPr lang="en-US" altLang="en-US" sz="1800" dirty="0" smtClean="0">
-              <a:solidFill>
-                <a:schemeClr val="tx2"/>
-              </a:solidFill>
-            </a:endParaRPr>
-          </a:p>
-          <a:p>
-            <a:pPr>
-              <a:lnSpc>
-                <a:spcPct val="80000"/>
-              </a:lnSpc>
-            </a:pPr>
-            <a:endParaRPr lang="en-US" altLang="en-US" sz="1800" dirty="0">
-              <a:solidFill>
-                <a:schemeClr val="tx2"/>
-              </a:solidFill>
-            </a:endParaRPr>
-          </a:p>
-          <a:p>
-            <a:pPr>
-              <a:lnSpc>
-                <a:spcPct val="80000"/>
-              </a:lnSpc>
-            </a:pPr>
-            <a:endParaRPr lang="en-US" altLang="en-US" sz="1800" dirty="0" smtClean="0">
-              <a:solidFill>
-                <a:schemeClr val="tx2"/>
-              </a:solidFill>
-            </a:endParaRPr>
-          </a:p>
-          <a:p>
-            <a:pPr>
-              <a:lnSpc>
-                <a:spcPct val="80000"/>
-              </a:lnSpc>
-            </a:pPr>
-            <a:endParaRPr lang="en-US" altLang="en-US" sz="1800" dirty="0">
-              <a:solidFill>
-                <a:schemeClr val="tx2"/>
-              </a:solidFill>
-            </a:endParaRPr>
-          </a:p>
-          <a:p>
-            <a:pPr>
-              <a:lnSpc>
-                <a:spcPct val="80000"/>
-              </a:lnSpc>
-            </a:pPr>
-            <a:r>
-              <a:rPr lang="en-US" altLang="en-US" sz="1800" dirty="0" smtClean="0">
-                <a:solidFill>
-                  <a:schemeClr val="tx2"/>
-                </a:solidFill>
-              </a:rPr>
-              <a:t>The amount of variance explained by the first two components is about 45% with small incremental increases for each additional component.  Using the first ten components accounts for about 70% of variance, with all components explaining at least 2.5% of variance.</a:t>
-            </a:r>
-            <a:endParaRPr lang="uk-UA" altLang="en-US" sz="1800" dirty="0">
-              <a:solidFill>
-                <a:schemeClr val="tx2"/>
-              </a:solidFill>
-            </a:endParaRPr>
+              <a:t>The following supervised learning models were used:</a:t>
+            </a:r>
+          </a:p>
+          <a:p>
+            <a:pPr lvl="1">
+              <a:lnSpc>
+                <a:spcPct val="80000"/>
+              </a:lnSpc>
+            </a:pPr>
+            <a:r>
+              <a:rPr lang="en-US" altLang="ko-KR" sz="1800" b="0" dirty="0" smtClean="0">
+                <a:solidFill>
+                  <a:schemeClr val="tx2"/>
+                </a:solidFill>
+                <a:latin typeface="Verdana" panose="020B0604030504040204" pitchFamily="34" charset="0"/>
+                <a:ea typeface="굴림" charset="-127"/>
+              </a:rPr>
+              <a:t>K-Nearest Neighbor</a:t>
+            </a:r>
+          </a:p>
+          <a:p>
+            <a:pPr lvl="1">
+              <a:lnSpc>
+                <a:spcPct val="80000"/>
+              </a:lnSpc>
+            </a:pPr>
+            <a:r>
+              <a:rPr lang="en-US" altLang="ko-KR" sz="1800" b="0" dirty="0" smtClean="0">
+                <a:solidFill>
+                  <a:schemeClr val="tx2"/>
+                </a:solidFill>
+                <a:latin typeface="Verdana" panose="020B0604030504040204" pitchFamily="34" charset="0"/>
+                <a:ea typeface="굴림" charset="-127"/>
+              </a:rPr>
+              <a:t>Decision Tree</a:t>
+            </a:r>
+          </a:p>
+          <a:p>
+            <a:pPr lvl="1">
+              <a:lnSpc>
+                <a:spcPct val="80000"/>
+              </a:lnSpc>
+            </a:pPr>
+            <a:r>
+              <a:rPr lang="en-US" altLang="ko-KR" sz="1800" b="0" dirty="0" smtClean="0">
+                <a:solidFill>
+                  <a:schemeClr val="tx2"/>
+                </a:solidFill>
+                <a:latin typeface="Verdana" panose="020B0604030504040204" pitchFamily="34" charset="0"/>
+                <a:ea typeface="굴림" charset="-127"/>
+              </a:rPr>
+              <a:t>Random Forest</a:t>
+            </a:r>
+          </a:p>
+          <a:p>
+            <a:pPr lvl="1">
+              <a:lnSpc>
+                <a:spcPct val="80000"/>
+              </a:lnSpc>
+            </a:pPr>
+            <a:r>
+              <a:rPr lang="en-US" altLang="ko-KR" sz="1800" b="0" dirty="0" smtClean="0">
+                <a:solidFill>
+                  <a:schemeClr val="tx2"/>
+                </a:solidFill>
+                <a:latin typeface="Verdana" panose="020B0604030504040204" pitchFamily="34" charset="0"/>
+                <a:ea typeface="굴림" charset="-127"/>
+              </a:rPr>
+              <a:t>Ordinary Least Squares Regression</a:t>
+            </a:r>
+          </a:p>
+          <a:p>
+            <a:pPr lvl="1">
+              <a:lnSpc>
+                <a:spcPct val="80000"/>
+              </a:lnSpc>
+            </a:pPr>
+            <a:r>
+              <a:rPr lang="en-US" altLang="ko-KR" sz="1800" b="0" dirty="0" smtClean="0">
+                <a:solidFill>
+                  <a:schemeClr val="tx2"/>
+                </a:solidFill>
+                <a:latin typeface="Verdana" panose="020B0604030504040204" pitchFamily="34" charset="0"/>
+                <a:ea typeface="굴림" charset="-127"/>
+              </a:rPr>
+              <a:t>Ridge Regression</a:t>
+            </a:r>
+          </a:p>
+          <a:p>
+            <a:pPr lvl="1">
+              <a:lnSpc>
+                <a:spcPct val="80000"/>
+              </a:lnSpc>
+            </a:pPr>
+            <a:r>
+              <a:rPr lang="en-US" altLang="ko-KR" sz="1800" b="0" dirty="0" smtClean="0">
+                <a:solidFill>
+                  <a:schemeClr val="tx2"/>
+                </a:solidFill>
+                <a:latin typeface="Verdana" panose="020B0604030504040204" pitchFamily="34" charset="0"/>
+                <a:ea typeface="굴림" charset="-127"/>
+              </a:rPr>
+              <a:t>Lasso Regression</a:t>
+            </a:r>
+          </a:p>
+          <a:p>
+            <a:pPr lvl="1">
+              <a:lnSpc>
+                <a:spcPct val="80000"/>
+              </a:lnSpc>
+            </a:pPr>
+            <a:r>
+              <a:rPr lang="en-US" altLang="ko-KR" sz="1800" b="0" dirty="0" smtClean="0">
+                <a:solidFill>
+                  <a:schemeClr val="tx2"/>
+                </a:solidFill>
+                <a:latin typeface="Verdana" panose="020B0604030504040204" pitchFamily="34" charset="0"/>
+                <a:ea typeface="굴림" charset="-127"/>
+              </a:rPr>
+              <a:t>Linear Support Vector Regression</a:t>
+            </a:r>
+          </a:p>
+          <a:p>
+            <a:pPr lvl="1">
+              <a:lnSpc>
+                <a:spcPct val="80000"/>
+              </a:lnSpc>
+            </a:pPr>
+            <a:r>
+              <a:rPr lang="en-US" altLang="ko-KR" sz="1800" b="0" dirty="0" smtClean="0">
+                <a:solidFill>
+                  <a:schemeClr val="tx2"/>
+                </a:solidFill>
+                <a:latin typeface="Verdana" panose="020B0604030504040204" pitchFamily="34" charset="0"/>
+                <a:ea typeface="굴림" charset="-127"/>
+              </a:rPr>
+              <a:t>Radial Basis Function Support Vector Regression</a:t>
+            </a:r>
+          </a:p>
+          <a:p>
+            <a:pPr lvl="1">
+              <a:lnSpc>
+                <a:spcPct val="80000"/>
+              </a:lnSpc>
+            </a:pPr>
+            <a:r>
+              <a:rPr lang="en-US" altLang="ko-KR" sz="1800" b="0" dirty="0" smtClean="0">
+                <a:solidFill>
+                  <a:schemeClr val="tx2"/>
+                </a:solidFill>
+                <a:latin typeface="Verdana" panose="020B0604030504040204" pitchFamily="34" charset="0"/>
+                <a:ea typeface="굴림" charset="-127"/>
+              </a:rPr>
+              <a:t>Gradient Boosting Regression</a:t>
+            </a:r>
           </a:p>
         </p:txBody>
       </p:sp>
-      <p:pic>
-        <p:nvPicPr>
-          <p:cNvPr id="2" name="Picture 1"/>
-          <p:cNvPicPr>
-            <a:picLocks noChangeAspect="1"/>
-          </p:cNvPicPr>
-          <p:nvPr/>
-        </p:nvPicPr>
-        <p:blipFill>
-          <a:blip r:embed="rId2"/>
-          <a:stretch>
-            <a:fillRect/>
-          </a:stretch>
-        </p:blipFill>
-        <p:spPr>
-          <a:xfrm>
-            <a:off x="2144819" y="3068960"/>
-            <a:ext cx="4854361" cy="2514818"/>
-          </a:xfrm>
-          <a:prstGeom prst="rect">
-            <a:avLst/>
-          </a:prstGeom>
-        </p:spPr>
-      </p:pic>
     </p:spTree>
     <p:extLst>
       <p:ext uri="{BB962C8B-B14F-4D97-AF65-F5344CB8AC3E}">
-        <p14:creationId xmlns:p14="http://schemas.microsoft.com/office/powerpoint/2010/main" val="3968060617"/>
+        <p14:creationId xmlns:p14="http://schemas.microsoft.com/office/powerpoint/2010/main" val="2067049593"/>
       </p:ext>
     </p:extLst>
   </p:cSld>
@@ -3325,172 +3146,149 @@
               </a:lnSpc>
             </a:pPr>
             <a:r>
+              <a:rPr lang="en-US" altLang="ko-KR" sz="1800" dirty="0" smtClean="0">
+                <a:solidFill>
+                  <a:schemeClr val="tx2"/>
+                </a:solidFill>
+                <a:latin typeface="Verdana" panose="020B0604030504040204" pitchFamily="34" charset="0"/>
+                <a:ea typeface="굴림" charset="-127"/>
+              </a:rPr>
+              <a:t>Principal Component Analysis was applied to the data to reduce dimensionality from the initial 42 features.</a:t>
+            </a:r>
+          </a:p>
+          <a:p>
+            <a:pPr>
+              <a:lnSpc>
+                <a:spcPct val="80000"/>
+              </a:lnSpc>
+            </a:pPr>
+            <a:endParaRPr lang="en-US" altLang="en-US" sz="1800" dirty="0" smtClean="0">
+              <a:solidFill>
+                <a:schemeClr val="tx2"/>
+              </a:solidFill>
+            </a:endParaRPr>
+          </a:p>
+          <a:p>
+            <a:pPr>
+              <a:lnSpc>
+                <a:spcPct val="80000"/>
+              </a:lnSpc>
+            </a:pPr>
+            <a:endParaRPr lang="en-US" altLang="en-US" sz="1800" dirty="0">
+              <a:solidFill>
+                <a:schemeClr val="tx2"/>
+              </a:solidFill>
+            </a:endParaRPr>
+          </a:p>
+          <a:p>
+            <a:pPr>
+              <a:lnSpc>
+                <a:spcPct val="80000"/>
+              </a:lnSpc>
+            </a:pPr>
+            <a:endParaRPr lang="en-US" altLang="en-US" sz="1800" dirty="0" smtClean="0">
+              <a:solidFill>
+                <a:schemeClr val="tx2"/>
+              </a:solidFill>
+            </a:endParaRPr>
+          </a:p>
+          <a:p>
+            <a:pPr>
+              <a:lnSpc>
+                <a:spcPct val="80000"/>
+              </a:lnSpc>
+            </a:pPr>
+            <a:endParaRPr lang="en-US" altLang="en-US" sz="1800" dirty="0">
+              <a:solidFill>
+                <a:schemeClr val="tx2"/>
+              </a:solidFill>
+            </a:endParaRPr>
+          </a:p>
+          <a:p>
+            <a:pPr>
+              <a:lnSpc>
+                <a:spcPct val="80000"/>
+              </a:lnSpc>
+            </a:pPr>
+            <a:endParaRPr lang="en-US" altLang="en-US" sz="1800" dirty="0" smtClean="0">
+              <a:solidFill>
+                <a:schemeClr val="tx2"/>
+              </a:solidFill>
+            </a:endParaRPr>
+          </a:p>
+          <a:p>
+            <a:pPr>
+              <a:lnSpc>
+                <a:spcPct val="80000"/>
+              </a:lnSpc>
+            </a:pPr>
+            <a:endParaRPr lang="en-US" altLang="en-US" sz="1800" dirty="0">
+              <a:solidFill>
+                <a:schemeClr val="tx2"/>
+              </a:solidFill>
+            </a:endParaRPr>
+          </a:p>
+          <a:p>
+            <a:pPr>
+              <a:lnSpc>
+                <a:spcPct val="80000"/>
+              </a:lnSpc>
+            </a:pPr>
+            <a:endParaRPr lang="en-US" altLang="en-US" sz="1800" dirty="0" smtClean="0">
+              <a:solidFill>
+                <a:schemeClr val="tx2"/>
+              </a:solidFill>
+            </a:endParaRPr>
+          </a:p>
+          <a:p>
+            <a:pPr>
+              <a:lnSpc>
+                <a:spcPct val="80000"/>
+              </a:lnSpc>
+            </a:pPr>
+            <a:endParaRPr lang="en-US" altLang="en-US" sz="1800" dirty="0">
+              <a:solidFill>
+                <a:schemeClr val="tx2"/>
+              </a:solidFill>
+            </a:endParaRPr>
+          </a:p>
+          <a:p>
+            <a:pPr>
+              <a:lnSpc>
+                <a:spcPct val="80000"/>
+              </a:lnSpc>
+            </a:pPr>
+            <a:endParaRPr lang="en-US" altLang="en-US" sz="1800" dirty="0" smtClean="0">
+              <a:solidFill>
+                <a:schemeClr val="tx2"/>
+              </a:solidFill>
+            </a:endParaRPr>
+          </a:p>
+          <a:p>
+            <a:pPr>
+              <a:lnSpc>
+                <a:spcPct val="80000"/>
+              </a:lnSpc>
+            </a:pPr>
+            <a:endParaRPr lang="en-US" altLang="en-US" sz="1800" dirty="0">
+              <a:solidFill>
+                <a:schemeClr val="tx2"/>
+              </a:solidFill>
+            </a:endParaRPr>
+          </a:p>
+          <a:p>
+            <a:pPr>
+              <a:lnSpc>
+                <a:spcPct val="80000"/>
+              </a:lnSpc>
+            </a:pPr>
+            <a:r>
               <a:rPr lang="en-US" altLang="en-US" sz="1800" dirty="0" smtClean="0">
                 <a:solidFill>
                   <a:schemeClr val="tx2"/>
                 </a:solidFill>
               </a:rPr>
-              <a:t>To verify using a ten-component PCA was sufficient, a K-Nearest Neighbors model was run using first the full data set and then the transformed data set.</a:t>
-            </a:r>
-          </a:p>
-          <a:p>
-            <a:pPr>
-              <a:lnSpc>
-                <a:spcPct val="80000"/>
-              </a:lnSpc>
-            </a:pPr>
-            <a:endParaRPr lang="en-US" altLang="en-US" sz="1800" dirty="0">
-              <a:solidFill>
-                <a:schemeClr val="tx2"/>
-              </a:solidFill>
-            </a:endParaRPr>
-          </a:p>
-          <a:p>
-            <a:pPr>
-              <a:lnSpc>
-                <a:spcPct val="80000"/>
-              </a:lnSpc>
-            </a:pPr>
-            <a:r>
-              <a:rPr lang="en-US" altLang="en-US" sz="1800" dirty="0" smtClean="0">
-                <a:solidFill>
-                  <a:schemeClr val="tx2"/>
-                </a:solidFill>
-              </a:rPr>
-              <a:t>KNN hyper-parameters were optimized by </a:t>
-            </a:r>
-            <a:r>
-              <a:rPr lang="en-US" altLang="en-US" sz="1800" dirty="0" err="1" smtClean="0">
-                <a:solidFill>
-                  <a:schemeClr val="tx2"/>
-                </a:solidFill>
-              </a:rPr>
-              <a:t>GridSearchCV</a:t>
-            </a:r>
-            <a:r>
-              <a:rPr lang="en-US" altLang="en-US" sz="1800" dirty="0" smtClean="0">
-                <a:solidFill>
-                  <a:schemeClr val="tx2"/>
-                </a:solidFill>
-              </a:rPr>
-              <a:t>.</a:t>
-            </a:r>
-          </a:p>
-          <a:p>
-            <a:pPr>
-              <a:lnSpc>
-                <a:spcPct val="80000"/>
-              </a:lnSpc>
-            </a:pPr>
-            <a:endParaRPr lang="en-US" altLang="en-US" sz="1800" dirty="0">
-              <a:solidFill>
-                <a:schemeClr val="tx2"/>
-              </a:solidFill>
-            </a:endParaRPr>
-          </a:p>
-          <a:p>
-            <a:pPr>
-              <a:lnSpc>
-                <a:spcPct val="80000"/>
-              </a:lnSpc>
-            </a:pPr>
-            <a:r>
-              <a:rPr lang="en-US" altLang="en-US" sz="1800" dirty="0" smtClean="0">
-                <a:solidFill>
-                  <a:schemeClr val="tx2"/>
-                </a:solidFill>
-              </a:rPr>
-              <a:t>The R</a:t>
-            </a:r>
-            <a:r>
-              <a:rPr lang="en-US" altLang="en-US" sz="1800" baseline="30000" dirty="0" smtClean="0">
-                <a:solidFill>
-                  <a:schemeClr val="tx2"/>
-                </a:solidFill>
-              </a:rPr>
-              <a:t>2</a:t>
-            </a:r>
-            <a:r>
-              <a:rPr lang="en-US" altLang="en-US" sz="1800" dirty="0" smtClean="0">
-                <a:solidFill>
-                  <a:schemeClr val="tx2"/>
-                </a:solidFill>
-              </a:rPr>
-              <a:t> scores values were computed:</a:t>
-            </a:r>
-          </a:p>
-          <a:p>
-            <a:pPr lvl="1">
-              <a:lnSpc>
-                <a:spcPct val="80000"/>
-              </a:lnSpc>
-            </a:pPr>
-            <a:r>
-              <a:rPr lang="en-US" altLang="en-US" sz="1400" dirty="0" smtClean="0">
-                <a:solidFill>
-                  <a:schemeClr val="tx2"/>
-                </a:solidFill>
-              </a:rPr>
-              <a:t>Full set: 	0.94114</a:t>
-            </a:r>
-          </a:p>
-          <a:p>
-            <a:pPr lvl="1">
-              <a:lnSpc>
-                <a:spcPct val="80000"/>
-              </a:lnSpc>
-            </a:pPr>
-            <a:r>
-              <a:rPr lang="en-US" altLang="en-US" sz="1400" dirty="0" smtClean="0">
-                <a:solidFill>
-                  <a:schemeClr val="tx2"/>
-                </a:solidFill>
-              </a:rPr>
-              <a:t>PCA: 	0.94442</a:t>
-            </a:r>
-          </a:p>
-          <a:p>
-            <a:pPr marL="457200" lvl="1" indent="0">
-              <a:lnSpc>
-                <a:spcPct val="80000"/>
-              </a:lnSpc>
-              <a:buNone/>
-            </a:pPr>
-            <a:endParaRPr lang="en-US" altLang="en-US" sz="1400" dirty="0" smtClean="0">
-              <a:solidFill>
-                <a:schemeClr val="tx2"/>
-              </a:solidFill>
-            </a:endParaRPr>
-          </a:p>
-          <a:p>
-            <a:pPr>
-              <a:lnSpc>
-                <a:spcPct val="80000"/>
-              </a:lnSpc>
-            </a:pPr>
-            <a:r>
-              <a:rPr lang="en-US" altLang="en-US" sz="1800" dirty="0" smtClean="0">
-                <a:solidFill>
-                  <a:schemeClr val="tx2"/>
-                </a:solidFill>
-              </a:rPr>
-              <a:t>Since the R</a:t>
-            </a:r>
-            <a:r>
-              <a:rPr lang="en-US" altLang="en-US" sz="1800" baseline="30000" dirty="0" smtClean="0">
-                <a:solidFill>
-                  <a:schemeClr val="tx2"/>
-                </a:solidFill>
-              </a:rPr>
-              <a:t>2</a:t>
-            </a:r>
-            <a:r>
-              <a:rPr lang="en-US" altLang="en-US" sz="1800" dirty="0" smtClean="0">
-                <a:solidFill>
-                  <a:schemeClr val="tx2"/>
-                </a:solidFill>
-              </a:rPr>
-              <a:t> scores were consistent, PCA was deemed viable.</a:t>
+              <a:t>The amount of variance explained by the first two components is about 45% with small incremental increases for each additional component.  Using the first ten components accounts for about 70% of variance, with all components explaining at least 2.5% of variance.</a:t>
             </a:r>
             <a:endParaRPr lang="uk-UA" altLang="en-US" sz="1800" dirty="0">
               <a:solidFill>
@@ -3500,10 +3298,34 @@
           </a:p>
         </p:txBody>
       </p:sp>
+      <p:pic>
+        <p:nvPicPr>
+          <p:cNvPr id="2" name="Picture 1"/>
+          <p:cNvPicPr>
+            <a:picLocks noChangeAspect="1"/>
+          </p:cNvPicPr>
+          <p:nvPr/>
+        </p:nvPicPr>
+        <p:blipFill>
+          <a:blip r:embed="rId2"/>
+          <a:stretch>
+            <a:fillRect/>
+          </a:stretch>
+        </p:blipFill>
+        <p:spPr>
+          <a:xfrm>
+            <a:off x="2144819" y="3068960"/>
+            <a:ext cx="4854361" cy="2514818"/>
+          </a:xfrm>
+          <a:prstGeom prst="rect">
+            <a:avLst/>
+          </a:prstGeom>
+        </p:spPr>
+      </p:pic>
     </p:spTree>
     <p:extLst>
       <p:ext uri="{BB962C8B-B14F-4D97-AF65-F5344CB8AC3E}">
-        <p14:creationId xmlns:p14="http://schemas.microsoft.com/office/powerpoint/2010/main" val="559647338"/>
+        <p14:creationId xmlns:p14="http://schemas.microsoft.com/office/powerpoint/2010/main" val="3968060617"/>
       </p:ext>
     </p:extLst>
   </p:cSld>
@@ -3542,8 +3364,8 @@
         </p:nvSpPr>
         <p:spPr>
           <a:xfrm>
-            <a:off x="838002" y="1700213"/>
-            <a:ext cx="5040411" cy="649287"/>
+            <a:off x="1547813" y="1700213"/>
+            <a:ext cx="6336555" cy="649287"/>
           </a:xfrm>
         </p:spPr>
         <p:txBody>
@@ -3554,7 +3376,7 @@
               <a:rPr lang="en-US" altLang="en-US" sz="3200" b="1" dirty="0" smtClean="0">
                 <a:latin typeface="Tahoma" panose="020B0604030504040204" pitchFamily="34" charset="0"/>
               </a:rPr>
-              <a:t>K-Nearest Neighbors</a:t>
+              <a:t>Principal Component Analysis</a:t>
             </a:r>
             <a:endParaRPr lang="uk-UA" altLang="en-US" sz="3200" b="1" dirty="0">
               <a:latin typeface="Tahoma" panose="020B0604030504040204" pitchFamily="34" charset="0"/>
@@ -3574,8 +3396,8 @@
         </p:nvSpPr>
         <p:spPr>
           <a:xfrm>
-            <a:off x="539552" y="2492375"/>
-            <a:ext cx="5472608" cy="3959225"/>
+            <a:off x="1249363" y="2492375"/>
+            <a:ext cx="7499350" cy="3959225"/>
           </a:xfrm>
         </p:spPr>
         <p:txBody>
@@ -3592,38 +3414,84 @@
                 <a:solidFill>
                   <a:schemeClr val="tx2"/>
                 </a:solidFill>
-                <a:latin typeface="Verdana" panose="020B0604030504040204" pitchFamily="34" charset="0"/>
-                <a:ea typeface="굴림" charset="-127"/>
-              </a:rPr>
-              <a:t>Both </a:t>
-            </a:r>
-            <a:r>
-              <a:rPr lang="en-US" altLang="en-US" sz="1800" dirty="0">
-                <a:solidFill>
-                  <a:schemeClr val="tx2"/>
-                </a:solidFill>
-                <a:latin typeface="Verdana" panose="020B0604030504040204" pitchFamily="34" charset="0"/>
-                <a:ea typeface="굴림" charset="-127"/>
-              </a:rPr>
-              <a:t>the training and full sets have relatively high </a:t>
-            </a:r>
+              </a:rPr>
+              <a:t>To verify using a ten-component PCA was sufficient, a K-Nearest Neighbors model was run using first the full data set and then the transformed data set.</a:t>
+            </a:r>
+          </a:p>
+          <a:p>
+            <a:pPr>
+              <a:lnSpc>
+                <a:spcPct val="80000"/>
+              </a:lnSpc>
+            </a:pPr>
+            <a:endParaRPr lang="en-US" altLang="en-US" sz="1800" dirty="0">
+              <a:solidFill>
+                <a:schemeClr val="tx2"/>
+              </a:solidFill>
+            </a:endParaRPr>
+          </a:p>
+          <a:p>
+            <a:pPr>
+              <a:lnSpc>
+                <a:spcPct val="80000"/>
+              </a:lnSpc>
+            </a:pPr>
             <a:r>
               <a:rPr lang="en-US" altLang="en-US" sz="1800" dirty="0" smtClean="0">
                 <a:solidFill>
                   <a:schemeClr val="tx2"/>
                 </a:solidFill>
-                <a:latin typeface="Verdana" panose="020B0604030504040204" pitchFamily="34" charset="0"/>
-                <a:ea typeface="굴림" charset="-127"/>
-              </a:rPr>
-              <a:t>R</a:t>
+              </a:rPr>
+              <a:t>KNN hyper-parameters were optimized by </a:t>
+            </a:r>
+            <a:r>
+              <a:rPr lang="en-US" altLang="en-US" sz="1800" dirty="0" err="1" smtClean="0">
+                <a:solidFill>
+                  <a:schemeClr val="tx2"/>
+                </a:solidFill>
+              </a:rPr>
+              <a:t>GridSearchCV</a:t>
+            </a:r>
+            <a:r>
+              <a:rPr lang="en-US" altLang="en-US" sz="1800" dirty="0" smtClean="0">
+                <a:solidFill>
+                  <a:schemeClr val="tx2"/>
+                </a:solidFill>
+              </a:rPr>
+              <a:t>.</a:t>
+            </a:r>
+          </a:p>
+          <a:p>
+            <a:pPr>
+              <a:lnSpc>
+                <a:spcPct val="80000"/>
+              </a:lnSpc>
+            </a:pPr>
+            <a:endParaRPr lang="en-US" altLang="en-US" sz="1800" dirty="0">
+              <a:solidFill>
+                <a:schemeClr val="tx2"/>
+              </a:solidFill>
+            </a:endParaRPr>
+          </a:p>
+          <a:p>
+            <a:pPr>
+              <a:lnSpc>
+                <a:spcPct val="80000"/>
+              </a:lnSpc>
+            </a:pPr>
+            <a:r>
+              <a:rPr lang="en-US" altLang="en-US" sz="1800" dirty="0" smtClean="0">
+                <a:solidFill>
+                  <a:schemeClr val="tx2"/>
+                </a:solidFill>
+              </a:rPr>
+              <a:t>The R</a:t>
             </a:r>
             <a:r>
               <a:rPr lang="en-US" altLang="en-US" sz="1800" baseline="30000" dirty="0" smtClean="0">
                 <a:solidFill>
                   <a:schemeClr val="tx2"/>
                 </a:solidFill>
-                <a:latin typeface="Verdana" panose="020B0604030504040204" pitchFamily="34" charset="0"/>
-                <a:ea typeface="굴림" charset="-127"/>
               </a:rPr>
               <a:t>2</a:t>
             </a:r>
@@ -3632,264 +3500,95 @@
                 <a:solidFill>
                   <a:schemeClr val="tx2"/>
                 </a:solidFill>
-                <a:latin typeface="Verdana" panose="020B0604030504040204" pitchFamily="34" charset="0"/>
-                <a:ea typeface="굴림" charset="-127"/>
-              </a:rPr>
-              <a:t> </a:t>
-            </a:r>
-            <a:r>
-              <a:rPr lang="en-US" altLang="en-US" sz="1800" dirty="0">
-                <a:solidFill>
-                  <a:schemeClr val="tx2"/>
-                </a:solidFill>
-                <a:latin typeface="Verdana" panose="020B0604030504040204" pitchFamily="34" charset="0"/>
-                <a:ea typeface="굴림" charset="-127"/>
-              </a:rPr>
-              <a:t>values with a tight range among </a:t>
-            </a:r>
+              </a:rPr>
+              <a:t> scores values were computed:</a:t>
+            </a:r>
+          </a:p>
+          <a:p>
+            <a:pPr lvl="1">
+              <a:lnSpc>
+                <a:spcPct val="80000"/>
+              </a:lnSpc>
+            </a:pPr>
+            <a:r>
+              <a:rPr lang="en-US" altLang="en-US" sz="1400" dirty="0" smtClean="0">
+                <a:solidFill>
+                  <a:schemeClr val="tx2"/>
+                </a:solidFill>
+              </a:rPr>
+              <a:t>Full set: 	0.94114</a:t>
+            </a:r>
+          </a:p>
+          <a:p>
+            <a:pPr lvl="1">
+              <a:lnSpc>
+                <a:spcPct val="80000"/>
+              </a:lnSpc>
+            </a:pPr>
+            <a:r>
+              <a:rPr lang="en-US" altLang="en-US" sz="1400" dirty="0" smtClean="0">
+                <a:solidFill>
+                  <a:schemeClr val="tx2"/>
+                </a:solidFill>
+              </a:rPr>
+              <a:t>PCA: 	0.94442</a:t>
+            </a:r>
+          </a:p>
+          <a:p>
+            <a:pPr marL="457200" lvl="1" indent="0">
+              <a:lnSpc>
+                <a:spcPct val="80000"/>
+              </a:lnSpc>
+              <a:buNone/>
+            </a:pPr>
+            <a:endParaRPr lang="en-US" altLang="en-US" sz="1400" dirty="0" smtClean="0">
+              <a:solidFill>
+                <a:schemeClr val="tx2"/>
+              </a:solidFill>
+            </a:endParaRPr>
+          </a:p>
+          <a:p>
+            <a:pPr>
+              <a:lnSpc>
+                <a:spcPct val="80000"/>
+              </a:lnSpc>
+            </a:pPr>
             <a:r>
               <a:rPr lang="en-US" altLang="en-US" sz="1800" dirty="0" smtClean="0">
                 <a:solidFill>
                   <a:schemeClr val="tx2"/>
                 </a:solidFill>
-                <a:latin typeface="Verdana" panose="020B0604030504040204" pitchFamily="34" charset="0"/>
-                <a:ea typeface="굴림" charset="-127"/>
-              </a:rPr>
-              <a:t>folds.</a:t>
-            </a:r>
-          </a:p>
-          <a:p>
-            <a:pPr>
-              <a:lnSpc>
-                <a:spcPct val="80000"/>
-              </a:lnSpc>
-            </a:pPr>
+              </a:rPr>
+              <a:t>Since the R</a:t>
+            </a:r>
+            <a:r>
+              <a:rPr lang="en-US" altLang="en-US" sz="1800" baseline="30000" dirty="0" smtClean="0">
+                <a:solidFill>
+                  <a:schemeClr val="tx2"/>
+                </a:solidFill>
+              </a:rPr>
+              <a:t>2</a:t>
+            </a:r>
             <a:r>
               <a:rPr lang="en-US" altLang="en-US" sz="1800" dirty="0" smtClean="0">
                 <a:solidFill>
                   <a:schemeClr val="tx2"/>
                 </a:solidFill>
-                <a:latin typeface="Verdana" panose="020B0604030504040204" pitchFamily="34" charset="0"/>
-                <a:ea typeface="굴림" charset="-127"/>
-              </a:rPr>
-              <a:t>The R</a:t>
-            </a:r>
-            <a:r>
-              <a:rPr lang="en-US" altLang="en-US" sz="1800" baseline="30000" dirty="0" smtClean="0">
-                <a:solidFill>
-                  <a:schemeClr val="tx2"/>
-                </a:solidFill>
-                <a:latin typeface="Verdana" panose="020B0604030504040204" pitchFamily="34" charset="0"/>
-                <a:ea typeface="굴림" charset="-127"/>
-              </a:rPr>
-              <a:t>2</a:t>
-            </a:r>
-            <a:r>
-              <a:rPr lang="en-US" altLang="en-US" sz="1800" dirty="0" smtClean="0">
-                <a:solidFill>
-                  <a:schemeClr val="tx2"/>
-                </a:solidFill>
-                <a:latin typeface="Verdana" panose="020B0604030504040204" pitchFamily="34" charset="0"/>
-                <a:ea typeface="굴림" charset="-127"/>
-              </a:rPr>
-              <a:t> of the test set remains high but is lower, </a:t>
-            </a:r>
-            <a:r>
-              <a:rPr lang="en-US" altLang="en-US" sz="1800" dirty="0">
-                <a:solidFill>
-                  <a:schemeClr val="tx2"/>
-                </a:solidFill>
-                <a:latin typeface="Verdana" panose="020B0604030504040204" pitchFamily="34" charset="0"/>
-                <a:ea typeface="굴림" charset="-127"/>
-              </a:rPr>
-              <a:t>suggesting possible overfitting</a:t>
-            </a:r>
-            <a:r>
-              <a:rPr lang="en-US" altLang="en-US" sz="1800" dirty="0" smtClean="0">
-                <a:solidFill>
-                  <a:schemeClr val="tx2"/>
-                </a:solidFill>
-                <a:latin typeface="Verdana" panose="020B0604030504040204" pitchFamily="34" charset="0"/>
-                <a:ea typeface="굴림" charset="-127"/>
-              </a:rPr>
-              <a:t>.</a:t>
-            </a:r>
-          </a:p>
-          <a:p>
-            <a:pPr>
-              <a:lnSpc>
-                <a:spcPct val="80000"/>
-              </a:lnSpc>
-            </a:pPr>
-            <a:endParaRPr lang="en-US" altLang="en-US" sz="1800" dirty="0">
-              <a:solidFill>
-                <a:schemeClr val="tx2"/>
-              </a:solidFill>
-              <a:latin typeface="Verdana" panose="020B0604030504040204" pitchFamily="34" charset="0"/>
-              <a:ea typeface="굴림" charset="-127"/>
-            </a:endParaRPr>
-          </a:p>
-          <a:p>
-            <a:pPr>
-              <a:lnSpc>
-                <a:spcPct val="80000"/>
-              </a:lnSpc>
-            </a:pPr>
-            <a:endParaRPr lang="en-US" altLang="en-US" sz="1800" dirty="0" smtClean="0">
-              <a:solidFill>
-                <a:schemeClr val="tx2"/>
-              </a:solidFill>
-              <a:latin typeface="Verdana" panose="020B0604030504040204" pitchFamily="34" charset="0"/>
-              <a:ea typeface="굴림" charset="-127"/>
-            </a:endParaRPr>
-          </a:p>
-          <a:p>
-            <a:pPr>
-              <a:lnSpc>
-                <a:spcPct val="80000"/>
-              </a:lnSpc>
-            </a:pPr>
-            <a:endParaRPr lang="en-US" altLang="en-US" sz="1800" dirty="0" smtClean="0">
-              <a:solidFill>
-                <a:schemeClr val="tx2"/>
-              </a:solidFill>
-              <a:latin typeface="Verdana" panose="020B0604030504040204" pitchFamily="34" charset="0"/>
-              <a:ea typeface="굴림" charset="-127"/>
-            </a:endParaRPr>
-          </a:p>
-          <a:p>
-            <a:pPr>
-              <a:lnSpc>
-                <a:spcPct val="80000"/>
-              </a:lnSpc>
-            </a:pPr>
-            <a:endParaRPr lang="en-US" altLang="en-US" sz="1800" dirty="0" smtClean="0">
-              <a:solidFill>
-                <a:schemeClr val="tx2"/>
-              </a:solidFill>
-              <a:latin typeface="Verdana" panose="020B0604030504040204" pitchFamily="34" charset="0"/>
-              <a:ea typeface="굴림" charset="-127"/>
-            </a:endParaRPr>
-          </a:p>
-          <a:p>
-            <a:pPr>
-              <a:lnSpc>
-                <a:spcPct val="80000"/>
-              </a:lnSpc>
-            </a:pPr>
-            <a:endParaRPr lang="en-US" altLang="en-US" sz="1800" dirty="0" smtClean="0">
-              <a:solidFill>
-                <a:schemeClr val="tx2"/>
-              </a:solidFill>
-              <a:latin typeface="Verdana" panose="020B0604030504040204" pitchFamily="34" charset="0"/>
-              <a:ea typeface="굴림" charset="-127"/>
-            </a:endParaRPr>
-          </a:p>
-          <a:p>
-            <a:pPr>
-              <a:lnSpc>
-                <a:spcPct val="80000"/>
-              </a:lnSpc>
-            </a:pPr>
-            <a:r>
-              <a:rPr lang="en-US" altLang="en-US" sz="1800" dirty="0" smtClean="0">
-                <a:solidFill>
-                  <a:schemeClr val="tx2"/>
-                </a:solidFill>
-                <a:latin typeface="Verdana" panose="020B0604030504040204" pitchFamily="34" charset="0"/>
-                <a:ea typeface="굴림" charset="-127"/>
-              </a:rPr>
-              <a:t>The </a:t>
-            </a:r>
-            <a:r>
-              <a:rPr lang="en-US" altLang="en-US" sz="1800" dirty="0">
-                <a:solidFill>
-                  <a:schemeClr val="tx2"/>
-                </a:solidFill>
-                <a:latin typeface="Verdana" panose="020B0604030504040204" pitchFamily="34" charset="0"/>
-                <a:ea typeface="굴림" charset="-127"/>
-              </a:rPr>
-              <a:t>residuals appear tight and normally distributed around 0.</a:t>
-            </a:r>
+              </a:rPr>
+              <a:t> scores were consistent, PCA was deemed viable.</a:t>
+            </a:r>
+            <a:endParaRPr lang="uk-UA" altLang="en-US" sz="1800" dirty="0">
+              <a:solidFill>
+                <a:schemeClr val="tx2"/>
+              </a:solidFill>
+            </a:endParaRPr>
           </a:p>
         </p:txBody>
       </p:sp>
-      <p:pic>
-        <p:nvPicPr>
-          <p:cNvPr id="4" name="Picture 3"/>
-          <p:cNvPicPr>
-            <a:picLocks noChangeAspect="1"/>
-          </p:cNvPicPr>
-          <p:nvPr/>
-        </p:nvPicPr>
-        <p:blipFill>
-          <a:blip r:embed="rId2"/>
-          <a:stretch>
-            <a:fillRect/>
-          </a:stretch>
-        </p:blipFill>
-        <p:spPr>
-          <a:xfrm>
-            <a:off x="6361336" y="1901825"/>
-            <a:ext cx="2533650" cy="895350"/>
-          </a:xfrm>
-          <a:prstGeom prst="rect">
-            <a:avLst/>
-          </a:prstGeom>
-        </p:spPr>
-      </p:pic>
-      <p:pic>
-        <p:nvPicPr>
-          <p:cNvPr id="5" name="Picture 4"/>
-          <p:cNvPicPr>
-            <a:picLocks noChangeAspect="1"/>
-          </p:cNvPicPr>
-          <p:nvPr/>
-        </p:nvPicPr>
-        <p:blipFill>
-          <a:blip r:embed="rId3"/>
-          <a:stretch>
-            <a:fillRect/>
-          </a:stretch>
-        </p:blipFill>
-        <p:spPr>
-          <a:xfrm>
-            <a:off x="6678864" y="2931976"/>
-            <a:ext cx="1828800" cy="1085850"/>
-          </a:xfrm>
-          <a:prstGeom prst="rect">
-            <a:avLst/>
-          </a:prstGeom>
-        </p:spPr>
-      </p:pic>
-      <p:pic>
-        <p:nvPicPr>
-          <p:cNvPr id="6" name="Picture 5"/>
-          <p:cNvPicPr>
-            <a:picLocks noChangeAspect="1"/>
-          </p:cNvPicPr>
-          <p:nvPr/>
-        </p:nvPicPr>
-        <p:blipFill>
-          <a:blip r:embed="rId4"/>
-          <a:stretch>
-            <a:fillRect/>
-          </a:stretch>
-        </p:blipFill>
-        <p:spPr>
-          <a:xfrm>
-            <a:off x="6407632" y="4152627"/>
-            <a:ext cx="2441058" cy="2441058"/>
-          </a:xfrm>
-          <a:prstGeom prst="rect">
-            <a:avLst/>
-          </a:prstGeom>
-        </p:spPr>
-      </p:pic>
     </p:spTree>
     <p:extLst>
       <p:ext uri="{BB962C8B-B14F-4D97-AF65-F5344CB8AC3E}">
-        <p14:creationId xmlns:p14="http://schemas.microsoft.com/office/powerpoint/2010/main" val="941225138"/>
+        <p14:creationId xmlns:p14="http://schemas.microsoft.com/office/powerpoint/2010/main" val="559647338"/>
       </p:ext>
     </p:extLst>
   </p:cSld>
@@ -3940,7 +3639,7 @@
               <a:rPr lang="en-US" altLang="en-US" sz="3200" b="1" dirty="0" smtClean="0">
                 <a:latin typeface="Tahoma" panose="020B0604030504040204" pitchFamily="34" charset="0"/>
               </a:rPr>
-              <a:t>Decision Tree</a:t>
+              <a:t>K-Nearest Neighbors</a:t>
             </a:r>
             <a:endParaRPr lang="uk-UA" altLang="en-US" sz="3200" b="1" dirty="0">
               <a:latin typeface="Tahoma" panose="020B0604030504040204" pitchFamily="34" charset="0"/>
@@ -3974,6 +3673,16 @@
               </a:lnSpc>
             </a:pPr>
             <a:r>
+              <a:rPr lang="en-US" altLang="en-US" sz="1800" dirty="0" smtClean="0">
+                <a:solidFill>
+                  <a:schemeClr val="tx2"/>
+                </a:solidFill>
+                <a:latin typeface="Verdana" panose="020B0604030504040204" pitchFamily="34" charset="0"/>
+                <a:ea typeface="굴림" charset="-127"/>
+              </a:rPr>
+              <a:t>Both </a:t>
+            </a:r>
+            <a:r>
               <a:rPr lang="en-US" altLang="en-US" sz="1800" dirty="0">
                 <a:solidFill>
                   <a:schemeClr val="tx2"/>
@@ -3981,7 +3690,7 @@
                 <a:latin typeface="Verdana" panose="020B0604030504040204" pitchFamily="34" charset="0"/>
                 <a:ea typeface="굴림" charset="-127"/>
               </a:rPr>
-              <a:t>The Decision Tree model performs worse than the K-Nearest Neighbors model</a:t>
+              <a:t>the training and full sets have relatively high </a:t>
             </a:r>
             <a:r>
               <a:rPr lang="en-US" altLang="en-US" sz="1800" dirty="0" smtClean="0">
@@ -3991,6 +3700,103 @@
                 <a:latin typeface="Verdana" panose="020B0604030504040204" pitchFamily="34" charset="0"/>
                 <a:ea typeface="굴림" charset="-127"/>
               </a:rPr>
+              <a:t>R</a:t>
+            </a:r>
+            <a:r>
+              <a:rPr lang="en-US" altLang="en-US" sz="1800" baseline="30000" dirty="0" smtClean="0">
+                <a:solidFill>
+                  <a:schemeClr val="tx2"/>
+                </a:solidFill>
+                <a:latin typeface="Verdana" panose="020B0604030504040204" pitchFamily="34" charset="0"/>
+                <a:ea typeface="굴림" charset="-127"/>
+              </a:rPr>
+              <a:t>2</a:t>
+            </a:r>
+            <a:r>
+              <a:rPr lang="en-US" altLang="en-US" sz="1800" dirty="0" smtClean="0">
+                <a:solidFill>
+                  <a:schemeClr val="tx2"/>
+                </a:solidFill>
+                <a:latin typeface="Verdana" panose="020B0604030504040204" pitchFamily="34" charset="0"/>
+                <a:ea typeface="굴림" charset="-127"/>
+              </a:rPr>
+              <a:t> </a:t>
+            </a:r>
+            <a:r>
+              <a:rPr lang="en-US" altLang="en-US" sz="1800" dirty="0">
+                <a:solidFill>
+                  <a:schemeClr val="tx2"/>
+                </a:solidFill>
+                <a:latin typeface="Verdana" panose="020B0604030504040204" pitchFamily="34" charset="0"/>
+                <a:ea typeface="굴림" charset="-127"/>
+              </a:rPr>
+              <a:t>values with a tight range among </a:t>
+            </a:r>
+            <a:r>
+              <a:rPr lang="en-US" altLang="en-US" sz="1800" dirty="0" smtClean="0">
+                <a:solidFill>
+                  <a:schemeClr val="tx2"/>
+                </a:solidFill>
+                <a:latin typeface="Verdana" panose="020B0604030504040204" pitchFamily="34" charset="0"/>
+                <a:ea typeface="굴림" charset="-127"/>
+              </a:rPr>
+              <a:t>folds.</a:t>
+            </a:r>
+          </a:p>
+          <a:p>
+            <a:pPr>
+              <a:lnSpc>
+                <a:spcPct val="80000"/>
+              </a:lnSpc>
+            </a:pPr>
+            <a:r>
+              <a:rPr lang="en-US" altLang="en-US" sz="1800" dirty="0" smtClean="0">
+                <a:solidFill>
+                  <a:schemeClr val="tx2"/>
+                </a:solidFill>
+                <a:latin typeface="Verdana" panose="020B0604030504040204" pitchFamily="34" charset="0"/>
+                <a:ea typeface="굴림" charset="-127"/>
+              </a:rPr>
+              <a:t>The R</a:t>
+            </a:r>
+            <a:r>
+              <a:rPr lang="en-US" altLang="en-US" sz="1800" baseline="30000" dirty="0" smtClean="0">
+                <a:solidFill>
+                  <a:schemeClr val="tx2"/>
+                </a:solidFill>
+                <a:latin typeface="Verdana" panose="020B0604030504040204" pitchFamily="34" charset="0"/>
+                <a:ea typeface="굴림" charset="-127"/>
+              </a:rPr>
+              <a:t>2</a:t>
+            </a:r>
+            <a:r>
+              <a:rPr lang="en-US" altLang="en-US" sz="1800" dirty="0" smtClean="0">
+                <a:solidFill>
+                  <a:schemeClr val="tx2"/>
+                </a:solidFill>
+                <a:latin typeface="Verdana" panose="020B0604030504040204" pitchFamily="34" charset="0"/>
+                <a:ea typeface="굴림" charset="-127"/>
+              </a:rPr>
+              <a:t> of the test set remains high but is lower, </a:t>
+            </a:r>
+            <a:r>
+              <a:rPr lang="en-US" altLang="en-US" sz="1800" dirty="0">
+                <a:solidFill>
+                  <a:schemeClr val="tx2"/>
+                </a:solidFill>
+                <a:latin typeface="Verdana" panose="020B0604030504040204" pitchFamily="34" charset="0"/>
+                <a:ea typeface="굴림" charset="-127"/>
+              </a:rPr>
+              <a:t>suggesting possible overfitting</a:t>
+            </a:r>
+            <a:r>
+              <a:rPr lang="en-US" altLang="en-US" sz="1800" dirty="0" smtClean="0">
+                <a:solidFill>
+                  <a:schemeClr val="tx2"/>
+                </a:solidFill>
+                <a:latin typeface="Verdana" panose="020B0604030504040204" pitchFamily="34" charset="0"/>
+                <a:ea typeface="굴림" charset="-127"/>
+              </a:rPr>
               <a:t>.</a:t>
             </a:r>
           </a:p>
@@ -4000,64 +3806,7 @@
                 <a:spcPct val="80000"/>
               </a:lnSpc>
             </a:pPr>
-            <a:r>
-              <a:rPr lang="en-US" altLang="en-US" sz="1800" dirty="0">
-                <a:solidFill>
-                  <a:schemeClr val="tx2"/>
-                </a:solidFill>
-                <a:latin typeface="Verdana" panose="020B0604030504040204" pitchFamily="34" charset="0"/>
-                <a:ea typeface="굴림" charset="-127"/>
-              </a:rPr>
-              <a:t>There may be some overfitting as the </a:t>
-            </a:r>
-            <a:r>
-              <a:rPr lang="en-US" altLang="en-US" sz="1800" dirty="0" smtClean="0">
-                <a:solidFill>
-                  <a:schemeClr val="tx2"/>
-                </a:solidFill>
-                <a:latin typeface="Verdana" panose="020B0604030504040204" pitchFamily="34" charset="0"/>
-                <a:ea typeface="굴림" charset="-127"/>
-              </a:rPr>
-              <a:t>R</a:t>
-            </a:r>
-            <a:r>
-              <a:rPr lang="en-US" altLang="en-US" sz="1800" baseline="30000" dirty="0" smtClean="0">
-                <a:solidFill>
-                  <a:schemeClr val="tx2"/>
-                </a:solidFill>
-                <a:latin typeface="Verdana" panose="020B0604030504040204" pitchFamily="34" charset="0"/>
-                <a:ea typeface="굴림" charset="-127"/>
-              </a:rPr>
-              <a:t>2</a:t>
-            </a:r>
-            <a:r>
-              <a:rPr lang="en-US" altLang="en-US" sz="1800" dirty="0" smtClean="0">
-                <a:solidFill>
-                  <a:schemeClr val="tx2"/>
-                </a:solidFill>
-                <a:latin typeface="Verdana" panose="020B0604030504040204" pitchFamily="34" charset="0"/>
-                <a:ea typeface="굴림" charset="-127"/>
-              </a:rPr>
-              <a:t> </a:t>
-            </a:r>
-            <a:r>
-              <a:rPr lang="en-US" altLang="en-US" sz="1800" dirty="0">
-                <a:solidFill>
-                  <a:schemeClr val="tx2"/>
-                </a:solidFill>
-                <a:latin typeface="Verdana" panose="020B0604030504040204" pitchFamily="34" charset="0"/>
-                <a:ea typeface="굴림" charset="-127"/>
-              </a:rPr>
-              <a:t>for the test set is a little lower than the training set with a wider range as well.</a:t>
-            </a:r>
-          </a:p>
-          <a:p>
-            <a:pPr>
-              <a:lnSpc>
-                <a:spcPct val="80000"/>
-              </a:lnSpc>
-            </a:pPr>
-            <a:endParaRPr lang="en-US" altLang="en-US" sz="1800" dirty="0" smtClean="0">
+            <a:endParaRPr lang="en-US" altLang="en-US" sz="1800" dirty="0">
               <a:solidFill>
                 <a:schemeClr val="tx2"/>
               </a:solidFill>
@@ -4085,6 +3834,58 @@
                 <a:spcPct val="80000"/>
               </a:lnSpc>
             </a:pPr>
+            <a:endParaRPr lang="en-US" altLang="en-US" sz="1800" dirty="0" smtClean="0">
+              <a:solidFill>
+                <a:schemeClr val="tx2"/>
+              </a:solidFill>
+              <a:latin typeface="Verdana" panose="020B0604030504040204" pitchFamily="34" charset="0"/>
+              <a:ea typeface="굴림" charset="-127"/>
+            </a:endParaRPr>
+          </a:p>
+          <a:p>
+            <a:pPr>
+              <a:lnSpc>
+                <a:spcPct val="80000"/>
+              </a:lnSpc>
+            </a:pPr>
+            <a:endParaRPr lang="en-US" altLang="en-US" sz="1800" dirty="0" smtClean="0">
+              <a:solidFill>
+                <a:schemeClr val="tx2"/>
+              </a:solidFill>
+              <a:latin typeface="Verdana" panose="020B0604030504040204" pitchFamily="34" charset="0"/>
+              <a:ea typeface="굴림" charset="-127"/>
+            </a:endParaRPr>
+          </a:p>
+          <a:p>
+            <a:pPr>
+              <a:lnSpc>
+                <a:spcPct val="80000"/>
+              </a:lnSpc>
+            </a:pPr>
+            <a:endParaRPr lang="en-US" altLang="en-US" sz="1800" dirty="0" smtClean="0">
+              <a:solidFill>
+                <a:schemeClr val="tx2"/>
+              </a:solidFill>
+              <a:latin typeface="Verdana" panose="020B0604030504040204" pitchFamily="34" charset="0"/>
+              <a:ea typeface="굴림" charset="-127"/>
+            </a:endParaRPr>
+          </a:p>
+          <a:p>
+            <a:pPr>
+              <a:lnSpc>
+                <a:spcPct val="80000"/>
+              </a:lnSpc>
+            </a:pPr>
+            <a:r>
+              <a:rPr lang="en-US" altLang="en-US" sz="1800" dirty="0" smtClean="0">
+                <a:solidFill>
+                  <a:schemeClr val="tx2"/>
+                </a:solidFill>
+                <a:latin typeface="Verdana" panose="020B0604030504040204" pitchFamily="34" charset="0"/>
+                <a:ea typeface="굴림" charset="-127"/>
+              </a:rPr>
+              <a:t>The </a:t>
+            </a:r>
             <a:r>
               <a:rPr lang="en-US" altLang="en-US" sz="1800" dirty="0">
                 <a:solidFill>
@@ -4093,41 +3894,14 @@
                 <a:latin typeface="Verdana" panose="020B0604030504040204" pitchFamily="34" charset="0"/>
                 <a:ea typeface="굴림" charset="-127"/>
               </a:rPr>
-              <a:t>Residuals are wider than K-Nearest Neighbors but still appear to be normal around 0</a:t>
-            </a:r>
-            <a:r>
-              <a:rPr lang="en-US" altLang="en-US" sz="1800" dirty="0" smtClean="0">
-                <a:solidFill>
-                  <a:schemeClr val="tx2"/>
-                </a:solidFill>
-                <a:latin typeface="Verdana" panose="020B0604030504040204" pitchFamily="34" charset="0"/>
-                <a:ea typeface="굴림" charset="-127"/>
-              </a:rPr>
-              <a:t>.</a:t>
-            </a:r>
-          </a:p>
-          <a:p>
-            <a:pPr>
-              <a:lnSpc>
-                <a:spcPct val="80000"/>
-              </a:lnSpc>
-            </a:pPr>
-            <a:r>
-              <a:rPr lang="en-US" altLang="en-US" sz="1800" dirty="0">
-                <a:solidFill>
-                  <a:schemeClr val="tx2"/>
-                </a:solidFill>
-                <a:latin typeface="Verdana" panose="020B0604030504040204" pitchFamily="34" charset="0"/>
-                <a:ea typeface="굴림" charset="-127"/>
-              </a:rPr>
-              <a:t>There is some 'choppiness' in predicted values but due to the nature of the model this is not surprising since predictions are limited by the original data set.</a:t>
+              <a:t>residuals appear tight and normally distributed around 0.</a:t>
             </a:r>
           </a:p>
         </p:txBody>
       </p:sp>
       <p:pic>
         <p:nvPicPr>
-          <p:cNvPr id="2" name="Picture 1"/>
+          <p:cNvPr id="4" name="Picture 3"/>
           <p:cNvPicPr>
             <a:picLocks noChangeAspect="1"/>
           </p:cNvPicPr>
@@ -4141,8 +3915,8 @@
         </p:blipFill>
         <p:spPr>
           <a:xfrm>
-            <a:off x="6374064" y="1935162"/>
-            <a:ext cx="2438400" cy="828675"/>
+            <a:off x="6361336" y="1901825"/>
+            <a:ext cx="2533650" cy="895350"/>
           </a:xfrm>
           <a:prstGeom prst="rect">
             <a:avLst/>
@@ -4151,7 +3925,7 @@
       </p:pic>
       <p:pic>
         <p:nvPicPr>
-          <p:cNvPr id="3" name="Picture 2"/>
+          <p:cNvPr id="5" name="Picture 4"/>
           <p:cNvPicPr>
             <a:picLocks noChangeAspect="1"/>
           </p:cNvPicPr>
@@ -4165,8 +3939,8 @@
         </p:blipFill>
         <p:spPr>
           <a:xfrm>
-            <a:off x="6770911" y="2901019"/>
-            <a:ext cx="1714500" cy="1114425"/>
+            <a:off x="6678864" y="2931976"/>
+            <a:ext cx="1828800" cy="1085850"/>
           </a:xfrm>
           <a:prstGeom prst="rect">
             <a:avLst/>
@@ -4175,7 +3949,7 @@
       </p:pic>
       <p:pic>
         <p:nvPicPr>
-          <p:cNvPr id="7" name="Picture 6"/>
+          <p:cNvPr id="6" name="Picture 5"/>
           <p:cNvPicPr>
             <a:picLocks noChangeAspect="1"/>
           </p:cNvPicPr>
@@ -4189,8 +3963,8 @@
         </p:blipFill>
         <p:spPr>
           <a:xfrm>
-            <a:off x="6374064" y="4152626"/>
-            <a:ext cx="2438400" cy="2460926"/>
+            <a:off x="6407632" y="4152627"/>
+            <a:ext cx="2441058" cy="2441058"/>
           </a:xfrm>
           <a:prstGeom prst="rect">
             <a:avLst/>
@@ -4200,7 +3974,7 @@
     </p:spTree>
     <p:extLst>
       <p:ext uri="{BB962C8B-B14F-4D97-AF65-F5344CB8AC3E}">
-        <p14:creationId xmlns:p14="http://schemas.microsoft.com/office/powerpoint/2010/main" val="1577276942"/>
+        <p14:creationId xmlns:p14="http://schemas.microsoft.com/office/powerpoint/2010/main" val="941225138"/>
       </p:ext>
     </p:extLst>
   </p:cSld>
@@ -4251,7 +4025,7 @@
               <a:rPr lang="en-US" altLang="en-US" sz="3200" b="1" dirty="0" smtClean="0">
                 <a:latin typeface="Tahoma" panose="020B0604030504040204" pitchFamily="34" charset="0"/>
               </a:rPr>
-              <a:t>Random Forest</a:t>
+              <a:t>Decision Tree</a:t>
             </a:r>
             <a:endParaRPr lang="uk-UA" altLang="en-US" sz="3200" b="1" dirty="0">
               <a:latin typeface="Tahoma" panose="020B0604030504040204" pitchFamily="34" charset="0"/>
@@ -4292,7 +4066,7 @@
                 <a:latin typeface="Verdana" panose="020B0604030504040204" pitchFamily="34" charset="0"/>
                 <a:ea typeface="굴림" charset="-127"/>
               </a:rPr>
-              <a:t>The Random Forest model performs worse than either of the two previous models</a:t>
+              <a:t>The Decision Tree model performs worse than the K-Nearest Neighbors model</a:t>
             </a:r>
             <a:r>
               <a:rPr lang="en-US" altLang="en-US" sz="1800" dirty="0" smtClean="0">
@@ -4319,17 +4093,37 @@
                 <a:latin typeface="Verdana" panose="020B0604030504040204" pitchFamily="34" charset="0"/>
                 <a:ea typeface="굴림" charset="-127"/>
               </a:rPr>
-              <a:t>Considering its similarity to the Decision Tree model, this is a bit surprising. However, comparing the optimal </a:t>
-            </a:r>
-            <a:r>
-              <a:rPr lang="en-US" altLang="en-US" sz="1800" dirty="0" err="1">
-                <a:solidFill>
-                  <a:schemeClr val="tx2"/>
-                </a:solidFill>
-                <a:latin typeface="Verdana" panose="020B0604030504040204" pitchFamily="34" charset="0"/>
-                <a:ea typeface="굴림" charset="-127"/>
-              </a:rPr>
-              <a:t>hyperparameters</a:t>
+              <a:t>There may be some overfitting as the </a:t>
+            </a:r>
+            <a:r>
+              <a:rPr lang="en-US" altLang="en-US" sz="1800" dirty="0" smtClean="0">
+                <a:solidFill>
+                  <a:schemeClr val="tx2"/>
+                </a:solidFill>
+                <a:latin typeface="Verdana" panose="020B0604030504040204" pitchFamily="34" charset="0"/>
+                <a:ea typeface="굴림" charset="-127"/>
+              </a:rPr>
+              <a:t>R</a:t>
+            </a:r>
+            <a:r>
+              <a:rPr lang="en-US" altLang="en-US" sz="1800" baseline="30000" dirty="0" smtClean="0">
+                <a:solidFill>
+                  <a:schemeClr val="tx2"/>
+                </a:solidFill>
+                <a:latin typeface="Verdana" panose="020B0604030504040204" pitchFamily="34" charset="0"/>
+                <a:ea typeface="굴림" charset="-127"/>
+              </a:rPr>
+              <a:t>2</a:t>
+            </a:r>
+            <a:r>
+              <a:rPr lang="en-US" altLang="en-US" sz="1800" dirty="0" smtClean="0">
+                <a:solidFill>
+                  <a:schemeClr val="tx2"/>
+                </a:solidFill>
+                <a:latin typeface="Verdana" panose="020B0604030504040204" pitchFamily="34" charset="0"/>
+                <a:ea typeface="굴림" charset="-127"/>
+              </a:rPr>
+              <a:t> </a:t>
             </a:r>
             <a:r>
               <a:rPr lang="en-US" altLang="en-US" sz="1800" dirty="0">
@@ -4339,18 +4133,43 @@
                 <a:latin typeface="Verdana" panose="020B0604030504040204" pitchFamily="34" charset="0"/>
                 <a:ea typeface="굴림" charset="-127"/>
               </a:rPr>
-              <a:t> chosen by </a:t>
-            </a:r>
-            <a:r>
-              <a:rPr lang="en-US" altLang="en-US" sz="1800" dirty="0" err="1">
-                <a:solidFill>
-                  <a:schemeClr val="tx2"/>
-                </a:solidFill>
-                <a:latin typeface="Verdana" panose="020B0604030504040204" pitchFamily="34" charset="0"/>
-                <a:ea typeface="굴림" charset="-127"/>
-              </a:rPr>
-              <a:t>GridSearchCV</a:t>
-            </a:r>
+              <a:t>for the test set is a little lower than the training set with a wider range as well.</a:t>
+            </a:r>
+          </a:p>
+          <a:p>
+            <a:pPr>
+              <a:lnSpc>
+                <a:spcPct val="80000"/>
+              </a:lnSpc>
+            </a:pPr>
+            <a:endParaRPr lang="en-US" altLang="en-US" sz="1800" dirty="0" smtClean="0">
+              <a:solidFill>
+                <a:schemeClr val="tx2"/>
+              </a:solidFill>
+              <a:latin typeface="Verdana" panose="020B0604030504040204" pitchFamily="34" charset="0"/>
+              <a:ea typeface="굴림" charset="-127"/>
+            </a:endParaRPr>
+          </a:p>
+          <a:p>
+            <a:pPr>
+              <a:lnSpc>
+                <a:spcPct val="80000"/>
+              </a:lnSpc>
+            </a:pPr>
+            <a:endParaRPr lang="en-US" altLang="en-US" sz="1800" dirty="0" smtClean="0">
+              <a:solidFill>
+                <a:schemeClr val="tx2"/>
+              </a:solidFill>
+              <a:latin typeface="Verdana" panose="020B0604030504040204" pitchFamily="34" charset="0"/>
+              <a:ea typeface="굴림" charset="-127"/>
+            </a:endParaRPr>
+          </a:p>
+          <a:p>
+            <a:pPr>
+              <a:lnSpc>
+                <a:spcPct val="80000"/>
+              </a:lnSpc>
+            </a:pPr>
             <a:r>
               <a:rPr lang="en-US" altLang="en-US" sz="1800" dirty="0">
                 <a:solidFill>
@@ -4359,18 +4178,25 @@
                 <a:latin typeface="Verdana" panose="020B0604030504040204" pitchFamily="34" charset="0"/>
                 <a:ea typeface="굴림" charset="-127"/>
               </a:rPr>
-              <a:t> and looking at the training vs. test results, this may be partly due to overfitting in the Decision Tree model. The Decision Tree model used </a:t>
-            </a:r>
-            <a:r>
-              <a:rPr lang="en-US" altLang="en-US" sz="1800" dirty="0" err="1">
-                <a:solidFill>
-                  <a:schemeClr val="tx2"/>
-                </a:solidFill>
-                <a:latin typeface="Verdana" panose="020B0604030504040204" pitchFamily="34" charset="0"/>
-                <a:ea typeface="굴림" charset="-127"/>
-              </a:rPr>
-              <a:t>max_depth</a:t>
-            </a:r>
+              <a:t>Residuals are wider than K-Nearest Neighbors but still appear to be normal around 0</a:t>
+            </a:r>
+            <a:r>
+              <a:rPr lang="en-US" altLang="en-US" sz="1800" dirty="0" smtClean="0">
+                <a:solidFill>
+                  <a:schemeClr val="tx2"/>
+                </a:solidFill>
+                <a:latin typeface="Verdana" panose="020B0604030504040204" pitchFamily="34" charset="0"/>
+                <a:ea typeface="굴림" charset="-127"/>
+              </a:rPr>
+              <a:t>.</a:t>
+            </a:r>
+          </a:p>
+          <a:p>
+            <a:pPr>
+              <a:lnSpc>
+                <a:spcPct val="80000"/>
+              </a:lnSpc>
+            </a:pPr>
             <a:r>
               <a:rPr lang="en-US" altLang="en-US" sz="1800" dirty="0">
                 <a:solidFill>
@@ -4379,61 +4205,38 @@
                 <a:latin typeface="Verdana" panose="020B0604030504040204" pitchFamily="34" charset="0"/>
                 <a:ea typeface="굴림" charset="-127"/>
               </a:rPr>
-              <a:t> = 7 and </a:t>
-            </a:r>
-            <a:r>
-              <a:rPr lang="en-US" altLang="en-US" sz="1800" dirty="0" err="1">
-                <a:solidFill>
-                  <a:schemeClr val="tx2"/>
-                </a:solidFill>
-                <a:latin typeface="Verdana" panose="020B0604030504040204" pitchFamily="34" charset="0"/>
-                <a:ea typeface="굴림" charset="-127"/>
-              </a:rPr>
-              <a:t>max_features</a:t>
-            </a:r>
-            <a:r>
-              <a:rPr lang="en-US" altLang="en-US" sz="1800" dirty="0">
-                <a:solidFill>
-                  <a:schemeClr val="tx2"/>
-                </a:solidFill>
-                <a:latin typeface="Verdana" panose="020B0604030504040204" pitchFamily="34" charset="0"/>
-                <a:ea typeface="굴림" charset="-127"/>
-              </a:rPr>
-              <a:t> = 9 compared to only 4 and 6 respectively for the Random Forest model</a:t>
-            </a:r>
-            <a:r>
-              <a:rPr lang="en-US" altLang="en-US" sz="1800" dirty="0" smtClean="0">
-                <a:solidFill>
-                  <a:schemeClr val="tx2"/>
-                </a:solidFill>
-                <a:latin typeface="Verdana" panose="020B0604030504040204" pitchFamily="34" charset="0"/>
-                <a:ea typeface="굴림" charset="-127"/>
-              </a:rPr>
-              <a:t>.</a:t>
-            </a:r>
-          </a:p>
-          <a:p>
-            <a:pPr>
-              <a:lnSpc>
-                <a:spcPct val="80000"/>
-              </a:lnSpc>
-            </a:pPr>
-            <a:r>
-              <a:rPr lang="en-US" altLang="en-US" sz="1800" dirty="0">
-                <a:solidFill>
-                  <a:schemeClr val="tx2"/>
-                </a:solidFill>
-                <a:latin typeface="Verdana" panose="020B0604030504040204" pitchFamily="34" charset="0"/>
-                <a:ea typeface="굴림" charset="-127"/>
-              </a:rPr>
-              <a:t>There does appear to be a slight positive skew in the residual distribution but this is relatively small.</a:t>
+              <a:t>There is some 'choppiness' in predicted values but due to the nature of the model this is not surprising since predictions are limited by the original data set.</a:t>
             </a:r>
           </a:p>
         </p:txBody>
       </p:sp>
       <p:pic>
         <p:nvPicPr>
-          <p:cNvPr id="4" name="Picture 3"/>
+          <p:cNvPr id="2" name="Picture 1"/>
+          <p:cNvPicPr>
+            <a:picLocks noChangeAspect="1"/>
+          </p:cNvPicPr>
+          <p:nvPr/>
+        </p:nvPicPr>
+        <p:blipFill>
+          <a:blip r:embed="rId2"/>
+          <a:stretch>
+            <a:fillRect/>
+          </a:stretch>
+        </p:blipFill>
+        <p:spPr>
+          <a:xfrm>
+            <a:off x="6374064" y="1935162"/>
+            <a:ext cx="2438400" cy="828675"/>
+          </a:xfrm>
+          <a:prstGeom prst="rect">
+            <a:avLst/>
+          </a:prstGeom>
+        </p:spPr>
+      </p:pic>
+      <p:pic>
+        <p:nvPicPr>
+          <p:cNvPr id="3" name="Picture 2"/>
           <p:cNvPicPr>
             <a:picLocks noChangeAspect="1"/>
           </p:cNvPicPr>
@@ -4447,8 +4250,8 @@
         </p:blipFill>
         <p:spPr>
           <a:xfrm>
-            <a:off x="6345489" y="1949450"/>
-            <a:ext cx="2495550" cy="800100"/>
+            <a:off x="6770911" y="2901019"/>
+            <a:ext cx="1714500" cy="1114425"/>
           </a:xfrm>
           <a:prstGeom prst="rect">
             <a:avLst/>
@@ -4457,7 +4260,7 @@
       </p:pic>
       <p:pic>
         <p:nvPicPr>
-          <p:cNvPr id="5" name="Picture 4"/>
+          <p:cNvPr id="7" name="Picture 6"/>
           <p:cNvPicPr>
             <a:picLocks noChangeAspect="1"/>
           </p:cNvPicPr>
@@ -4471,32 +4274,8 @@
         </p:blipFill>
         <p:spPr>
           <a:xfrm>
-            <a:off x="6693151" y="2888652"/>
-            <a:ext cx="1800225" cy="1114425"/>
-          </a:xfrm>
-          <a:prstGeom prst="rect">
-            <a:avLst/>
-          </a:prstGeom>
-        </p:spPr>
-      </p:pic>
-      <p:pic>
-        <p:nvPicPr>
-          <p:cNvPr id="9" name="Picture 8"/>
-          <p:cNvPicPr>
-            <a:picLocks noChangeAspect="1"/>
-          </p:cNvPicPr>
-          <p:nvPr/>
-        </p:nvPicPr>
-        <p:blipFill>
-          <a:blip r:embed="rId5"/>
-          <a:stretch>
-            <a:fillRect/>
-          </a:stretch>
-        </p:blipFill>
-        <p:spPr>
-          <a:xfrm>
-            <a:off x="6345489" y="4142179"/>
-            <a:ext cx="2495550" cy="2449336"/>
+            <a:off x="6374064" y="4152626"/>
+            <a:ext cx="2438400" cy="2460926"/>
           </a:xfrm>
           <a:prstGeom prst="rect">
             <a:avLst/>
@@ -4506,7 +4285,7 @@
     </p:spTree>
     <p:extLst>
       <p:ext uri="{BB962C8B-B14F-4D97-AF65-F5344CB8AC3E}">
-        <p14:creationId xmlns:p14="http://schemas.microsoft.com/office/powerpoint/2010/main" val="4112987725"/>
+        <p14:creationId xmlns:p14="http://schemas.microsoft.com/office/powerpoint/2010/main" val="1577276942"/>
       </p:ext>
     </p:extLst>
   </p:cSld>
@@ -4557,7 +4336,7 @@
               <a:rPr lang="en-US" altLang="en-US" sz="3200" b="1" dirty="0" smtClean="0">
                 <a:latin typeface="Tahoma" panose="020B0604030504040204" pitchFamily="34" charset="0"/>
               </a:rPr>
-              <a:t>OLS Regression</a:t>
+              <a:t>Random Forest</a:t>
             </a:r>
             <a:endParaRPr lang="uk-UA" altLang="en-US" sz="3200" b="1" dirty="0">
               <a:latin typeface="Tahoma" panose="020B0604030504040204" pitchFamily="34" charset="0"/>
@@ -4598,7 +4377,7 @@
                 <a:latin typeface="Verdana" panose="020B0604030504040204" pitchFamily="34" charset="0"/>
                 <a:ea typeface="굴림" charset="-127"/>
               </a:rPr>
-              <a:t>The OLS model performs slightly better than Random Forest but has a slightly wider range of cross-validation </a:t>
+              <a:t>The Random Forest model performs worse than either of the two previous models</a:t>
             </a:r>
             <a:r>
               <a:rPr lang="en-US" altLang="en-US" sz="1800" dirty="0" smtClean="0">
@@ -4608,17 +4387,104 @@
                 <a:latin typeface="Verdana" panose="020B0604030504040204" pitchFamily="34" charset="0"/>
                 <a:ea typeface="굴림" charset="-127"/>
               </a:rPr>
-              <a:t>R</a:t>
-            </a:r>
-            <a:r>
-              <a:rPr lang="en-US" altLang="en-US" sz="1800" baseline="30000" dirty="0" smtClean="0">
-                <a:solidFill>
-                  <a:schemeClr val="tx2"/>
-                </a:solidFill>
-                <a:latin typeface="Verdana" panose="020B0604030504040204" pitchFamily="34" charset="0"/>
-                <a:ea typeface="굴림" charset="-127"/>
-              </a:rPr>
-              <a:t>2</a:t>
+              <a:t>.</a:t>
+            </a:r>
+          </a:p>
+          <a:p>
+            <a:pPr>
+              <a:lnSpc>
+                <a:spcPct val="80000"/>
+              </a:lnSpc>
+            </a:pPr>
+            <a:r>
+              <a:rPr lang="en-US" altLang="en-US" sz="1800" dirty="0">
+                <a:solidFill>
+                  <a:schemeClr val="tx2"/>
+                </a:solidFill>
+                <a:latin typeface="Verdana" panose="020B0604030504040204" pitchFamily="34" charset="0"/>
+                <a:ea typeface="굴림" charset="-127"/>
+              </a:rPr>
+              <a:t>Considering its similarity to the Decision Tree model, this is a bit surprising. However, comparing the optimal </a:t>
+            </a:r>
+            <a:r>
+              <a:rPr lang="en-US" altLang="en-US" sz="1800" dirty="0" err="1">
+                <a:solidFill>
+                  <a:schemeClr val="tx2"/>
+                </a:solidFill>
+                <a:latin typeface="Verdana" panose="020B0604030504040204" pitchFamily="34" charset="0"/>
+                <a:ea typeface="굴림" charset="-127"/>
+              </a:rPr>
+              <a:t>hyperparameters</a:t>
+            </a:r>
+            <a:r>
+              <a:rPr lang="en-US" altLang="en-US" sz="1800" dirty="0">
+                <a:solidFill>
+                  <a:schemeClr val="tx2"/>
+                </a:solidFill>
+                <a:latin typeface="Verdana" panose="020B0604030504040204" pitchFamily="34" charset="0"/>
+                <a:ea typeface="굴림" charset="-127"/>
+              </a:rPr>
+              <a:t> chosen by </a:t>
+            </a:r>
+            <a:r>
+              <a:rPr lang="en-US" altLang="en-US" sz="1800" dirty="0" err="1">
+                <a:solidFill>
+                  <a:schemeClr val="tx2"/>
+                </a:solidFill>
+                <a:latin typeface="Verdana" panose="020B0604030504040204" pitchFamily="34" charset="0"/>
+                <a:ea typeface="굴림" charset="-127"/>
+              </a:rPr>
+              <a:t>GridSearchCV</a:t>
+            </a:r>
+            <a:r>
+              <a:rPr lang="en-US" altLang="en-US" sz="1800" dirty="0">
+                <a:solidFill>
+                  <a:schemeClr val="tx2"/>
+                </a:solidFill>
+                <a:latin typeface="Verdana" panose="020B0604030504040204" pitchFamily="34" charset="0"/>
+                <a:ea typeface="굴림" charset="-127"/>
+              </a:rPr>
+              <a:t> and looking at the training vs. test results, this may be partly due to overfitting in the Decision Tree model. The Decision Tree model used </a:t>
+            </a:r>
+            <a:r>
+              <a:rPr lang="en-US" altLang="en-US" sz="1800" dirty="0" err="1">
+                <a:solidFill>
+                  <a:schemeClr val="tx2"/>
+                </a:solidFill>
+                <a:latin typeface="Verdana" panose="020B0604030504040204" pitchFamily="34" charset="0"/>
+                <a:ea typeface="굴림" charset="-127"/>
+              </a:rPr>
+              <a:t>max_depth</a:t>
+            </a:r>
+            <a:r>
+              <a:rPr lang="en-US" altLang="en-US" sz="1800" dirty="0">
+                <a:solidFill>
+                  <a:schemeClr val="tx2"/>
+                </a:solidFill>
+                <a:latin typeface="Verdana" panose="020B0604030504040204" pitchFamily="34" charset="0"/>
+                <a:ea typeface="굴림" charset="-127"/>
+              </a:rPr>
+              <a:t> = 7 and </a:t>
+            </a:r>
+            <a:r>
+              <a:rPr lang="en-US" altLang="en-US" sz="1800" dirty="0" err="1">
+                <a:solidFill>
+                  <a:schemeClr val="tx2"/>
+                </a:solidFill>
+                <a:latin typeface="Verdana" panose="020B0604030504040204" pitchFamily="34" charset="0"/>
+                <a:ea typeface="굴림" charset="-127"/>
+              </a:rPr>
+              <a:t>max_features</a:t>
+            </a:r>
+            <a:r>
+              <a:rPr lang="en-US" altLang="en-US" sz="1800" dirty="0">
+                <a:solidFill>
+                  <a:schemeClr val="tx2"/>
+                </a:solidFill>
+                <a:latin typeface="Verdana" panose="020B0604030504040204" pitchFamily="34" charset="0"/>
+                <a:ea typeface="굴림" charset="-127"/>
+              </a:rPr>
+              <a:t> = 9 compared to only 4 and 6 respectively for the Random Forest model</a:t>
             </a:r>
             <a:r>
               <a:rPr lang="en-US" altLang="en-US" sz="1800" dirty="0" smtClean="0">
@@ -4628,8 +4494,15 @@
                 <a:latin typeface="Verdana" panose="020B0604030504040204" pitchFamily="34" charset="0"/>
                 <a:ea typeface="굴림" charset="-127"/>
               </a:rPr>
-              <a:t> </a:t>
-            </a:r>
+              <a:t>.</a:t>
+            </a:r>
+          </a:p>
+          <a:p>
+            <a:pPr>
+              <a:lnSpc>
+                <a:spcPct val="80000"/>
+              </a:lnSpc>
+            </a:pPr>
             <a:r>
               <a:rPr lang="en-US" altLang="en-US" sz="1800" dirty="0">
                 <a:solidFill>
@@ -4638,93 +4511,7 @@
                 <a:latin typeface="Verdana" panose="020B0604030504040204" pitchFamily="34" charset="0"/>
                 <a:ea typeface="굴림" charset="-127"/>
               </a:rPr>
-              <a:t>scores.</a:t>
-            </a:r>
-            <a:endParaRPr lang="en-US" altLang="en-US" sz="1800" dirty="0" smtClean="0">
-              <a:solidFill>
-                <a:schemeClr val="tx2"/>
-              </a:solidFill>
-              <a:latin typeface="Verdana" panose="020B0604030504040204" pitchFamily="34" charset="0"/>
-              <a:ea typeface="굴림" charset="-127"/>
-            </a:endParaRPr>
-          </a:p>
-          <a:p>
-            <a:pPr>
-              <a:lnSpc>
-                <a:spcPct val="80000"/>
-              </a:lnSpc>
-            </a:pPr>
-            <a:endParaRPr lang="en-US" altLang="en-US" sz="1800" dirty="0" smtClean="0">
-              <a:solidFill>
-                <a:schemeClr val="tx2"/>
-              </a:solidFill>
-              <a:latin typeface="Verdana" panose="020B0604030504040204" pitchFamily="34" charset="0"/>
-              <a:ea typeface="굴림" charset="-127"/>
-            </a:endParaRPr>
-          </a:p>
-          <a:p>
-            <a:pPr>
-              <a:lnSpc>
-                <a:spcPct val="80000"/>
-              </a:lnSpc>
-            </a:pPr>
-            <a:endParaRPr lang="en-US" altLang="en-US" sz="1800" dirty="0" smtClean="0">
-              <a:solidFill>
-                <a:schemeClr val="tx2"/>
-              </a:solidFill>
-              <a:latin typeface="Verdana" panose="020B0604030504040204" pitchFamily="34" charset="0"/>
-              <a:ea typeface="굴림" charset="-127"/>
-            </a:endParaRPr>
-          </a:p>
-          <a:p>
-            <a:pPr>
-              <a:lnSpc>
-                <a:spcPct val="80000"/>
-              </a:lnSpc>
-            </a:pPr>
-            <a:endParaRPr lang="en-US" altLang="en-US" sz="1800" dirty="0">
-              <a:solidFill>
-                <a:schemeClr val="tx2"/>
-              </a:solidFill>
-              <a:latin typeface="Verdana" panose="020B0604030504040204" pitchFamily="34" charset="0"/>
-              <a:ea typeface="굴림" charset="-127"/>
-            </a:endParaRPr>
-          </a:p>
-          <a:p>
-            <a:pPr>
-              <a:lnSpc>
-                <a:spcPct val="80000"/>
-              </a:lnSpc>
-            </a:pPr>
-            <a:r>
-              <a:rPr lang="en-US" altLang="en-US" sz="1800" dirty="0" smtClean="0">
-                <a:solidFill>
-                  <a:schemeClr val="tx2"/>
-                </a:solidFill>
-                <a:latin typeface="Verdana" panose="020B0604030504040204" pitchFamily="34" charset="0"/>
-                <a:ea typeface="굴림" charset="-127"/>
-              </a:rPr>
-              <a:t>The </a:t>
-            </a:r>
-            <a:r>
-              <a:rPr lang="en-US" altLang="en-US" sz="1800" dirty="0">
-                <a:solidFill>
-                  <a:schemeClr val="tx2"/>
-                </a:solidFill>
-                <a:latin typeface="Verdana" panose="020B0604030504040204" pitchFamily="34" charset="0"/>
-                <a:ea typeface="굴림" charset="-127"/>
-              </a:rPr>
-              <a:t>training and test scores do appear consistent and residuals are normally distributed around </a:t>
-            </a:r>
-            <a:r>
-              <a:rPr lang="en-US" altLang="en-US" sz="1800" dirty="0" smtClean="0">
-                <a:solidFill>
-                  <a:schemeClr val="tx2"/>
-                </a:solidFill>
-                <a:latin typeface="Verdana" panose="020B0604030504040204" pitchFamily="34" charset="0"/>
-                <a:ea typeface="굴림" charset="-127"/>
-              </a:rPr>
-              <a:t>0.</a:t>
+              <a:t>There does appear to be a slight positive skew in the residual distribution but this is relatively small.</a:t>
             </a:r>
           </a:p>
         </p:txBody>
@@ -4745,8 +4532,8 @@
         </p:blipFill>
         <p:spPr>
           <a:xfrm>
-            <a:off x="6770910" y="2349500"/>
-            <a:ext cx="1790700" cy="1114425"/>
+            <a:off x="6345489" y="1949450"/>
+            <a:ext cx="2495550" cy="800100"/>
           </a:xfrm>
           <a:prstGeom prst="rect">
             <a:avLst/>
@@ -4769,8 +4556,32 @@
         </p:blipFill>
         <p:spPr>
           <a:xfrm>
-            <a:off x="6447061" y="3789040"/>
-            <a:ext cx="2438399" cy="2378394"/>
+            <a:off x="6693151" y="2888652"/>
+            <a:ext cx="1800225" cy="1114425"/>
+          </a:xfrm>
+          <a:prstGeom prst="rect">
+            <a:avLst/>
+          </a:prstGeom>
+        </p:spPr>
+      </p:pic>
+      <p:pic>
+        <p:nvPicPr>
+          <p:cNvPr id="9" name="Picture 8"/>
+          <p:cNvPicPr>
+            <a:picLocks noChangeAspect="1"/>
+          </p:cNvPicPr>
+          <p:nvPr/>
+        </p:nvPicPr>
+        <p:blipFill>
+          <a:blip r:embed="rId4"/>
+          <a:stretch>
+            <a:fillRect/>
+          </a:stretch>
+        </p:blipFill>
+        <p:spPr>
+          <a:xfrm>
+            <a:off x="6345489" y="4142179"/>
+            <a:ext cx="2495550" cy="2449336"/>
           </a:xfrm>
           <a:prstGeom prst="rect">
             <a:avLst/>
@@ -4780,7 +4591,7 @@
     </p:spTree>
     <p:extLst>
       <p:ext uri="{BB962C8B-B14F-4D97-AF65-F5344CB8AC3E}">
-        <p14:creationId xmlns:p14="http://schemas.microsoft.com/office/powerpoint/2010/main" val="3370632406"/>
+        <p14:creationId xmlns:p14="http://schemas.microsoft.com/office/powerpoint/2010/main" val="4112987725"/>
       </p:ext>
     </p:extLst>
   </p:cSld>
@@ -4831,7 +4642,7 @@
               <a:rPr lang="en-US" altLang="en-US" sz="3200" b="1" dirty="0" smtClean="0">
                 <a:latin typeface="Tahoma" panose="020B0604030504040204" pitchFamily="34" charset="0"/>
               </a:rPr>
-              <a:t>Ridge Regression</a:t>
+              <a:t>OLS Regression</a:t>
             </a:r>
             <a:endParaRPr lang="uk-UA" altLang="en-US" sz="3200" b="1" dirty="0">
               <a:latin typeface="Tahoma" panose="020B0604030504040204" pitchFamily="34" charset="0"/>
@@ -4872,7 +4683,7 @@
                 <a:latin typeface="Verdana" panose="020B0604030504040204" pitchFamily="34" charset="0"/>
                 <a:ea typeface="굴림" charset="-127"/>
               </a:rPr>
-              <a:t>The Ridge regression performs similarly to the OLS </a:t>
+              <a:t>The OLS model performs slightly better than Random Forest but has a slightly wider range of cross-validation </a:t>
             </a:r>
             <a:r>
               <a:rPr lang="en-US" altLang="en-US" sz="1800" dirty="0" smtClean="0">
@@ -4882,16 +4693,39 @@
                 <a:latin typeface="Verdana" panose="020B0604030504040204" pitchFamily="34" charset="0"/>
                 <a:ea typeface="굴림" charset="-127"/>
               </a:rPr>
-              <a:t>model, suggesting that the optimal linear regression has minimal L2 regularization.</a:t>
-            </a:r>
-          </a:p>
-          <a:p>
-            <a:pPr>
-              <a:lnSpc>
-                <a:spcPct val="80000"/>
-              </a:lnSpc>
-            </a:pPr>
-            <a:endParaRPr lang="en-US" altLang="en-US" sz="1800" dirty="0">
+              <a:t>R</a:t>
+            </a:r>
+            <a:r>
+              <a:rPr lang="en-US" altLang="en-US" sz="1800" baseline="30000" dirty="0" smtClean="0">
+                <a:solidFill>
+                  <a:schemeClr val="tx2"/>
+                </a:solidFill>
+                <a:latin typeface="Verdana" panose="020B0604030504040204" pitchFamily="34" charset="0"/>
+                <a:ea typeface="굴림" charset="-127"/>
+              </a:rPr>
+              <a:t>2</a:t>
+            </a:r>
+            <a:r>
+              <a:rPr lang="en-US" altLang="en-US" sz="1800" dirty="0" smtClean="0">
+                <a:solidFill>
+                  <a:schemeClr val="tx2"/>
+                </a:solidFill>
+                <a:latin typeface="Verdana" panose="020B0604030504040204" pitchFamily="34" charset="0"/>
+                <a:ea typeface="굴림" charset="-127"/>
+              </a:rPr>
+              <a:t> </a:t>
+            </a:r>
+            <a:r>
+              <a:rPr lang="en-US" altLang="en-US" sz="1800" dirty="0">
+                <a:solidFill>
+                  <a:schemeClr val="tx2"/>
+                </a:solidFill>
+                <a:latin typeface="Verdana" panose="020B0604030504040204" pitchFamily="34" charset="0"/>
+                <a:ea typeface="굴림" charset="-127"/>
+              </a:rPr>
+              <a:t>scores.</a:t>
+            </a:r>
+            <a:endParaRPr lang="en-US" altLang="en-US" sz="1800" dirty="0" smtClean="0">
               <a:solidFill>
                 <a:schemeClr val="tx2"/>
               </a:solidFill>
@@ -4933,16 +4767,6 @@
                 <a:spcPct val="80000"/>
               </a:lnSpc>
             </a:pPr>
-            <a:r>
-              <a:rPr lang="en-US" altLang="en-US" sz="1800" dirty="0" smtClean="0">
-                <a:solidFill>
-                  <a:schemeClr val="tx2"/>
-                </a:solidFill>
-                <a:latin typeface="Verdana" panose="020B0604030504040204" pitchFamily="34" charset="0"/>
-                <a:ea typeface="굴림" charset="-127"/>
-              </a:rPr>
-              <a:t>As for the OLS model, training and test scores appear consistent with residuals normal around 0.</a:t>
-            </a:r>
             <a:endParaRPr lang="en-US" altLang="en-US" sz="1800" dirty="0">
               <a:solidFill>
                 <a:schemeClr val="tx2"/>
@@ -4950,6 +4774,43 @@
               <a:latin typeface="Verdana" panose="020B0604030504040204" pitchFamily="34" charset="0"/>
               <a:ea typeface="굴림" charset="-127"/>
             </a:endParaRPr>
+          </a:p>
+          <a:p>
+            <a:pPr>
+              <a:lnSpc>
+                <a:spcPct val="80000"/>
+              </a:lnSpc>
+            </a:pPr>
+            <a:r>
+              <a:rPr lang="en-US" altLang="en-US" sz="1800" dirty="0" smtClean="0">
+                <a:solidFill>
+                  <a:schemeClr val="tx2"/>
+                </a:solidFill>
+                <a:latin typeface="Verdana" panose="020B0604030504040204" pitchFamily="34" charset="0"/>
+                <a:ea typeface="굴림" charset="-127"/>
+              </a:rPr>
+              <a:t>The </a:t>
+            </a:r>
+            <a:r>
+              <a:rPr lang="en-US" altLang="en-US" sz="1800" dirty="0">
+                <a:solidFill>
+                  <a:schemeClr val="tx2"/>
+                </a:solidFill>
+                <a:latin typeface="Verdana" panose="020B0604030504040204" pitchFamily="34" charset="0"/>
+                <a:ea typeface="굴림" charset="-127"/>
+              </a:rPr>
+              <a:t>training and test scores do appear consistent and residuals are normally distributed around </a:t>
+            </a:r>
+            <a:r>
+              <a:rPr lang="en-US" altLang="en-US" sz="1800" dirty="0" smtClean="0">
+                <a:solidFill>
+                  <a:schemeClr val="tx2"/>
+                </a:solidFill>
+                <a:latin typeface="Verdana" panose="020B0604030504040204" pitchFamily="34" charset="0"/>
+                <a:ea typeface="굴림" charset="-127"/>
+              </a:rPr>
+              <a:t>0.</a:t>
+            </a:r>
           </a:p>
         </p:txBody>
       </p:sp>
@@ -4969,8 +4830,8 @@
         </p:blipFill>
         <p:spPr>
           <a:xfrm>
-            <a:off x="6499448" y="2078037"/>
-            <a:ext cx="2257425" cy="685800"/>
+            <a:off x="6770910" y="2349500"/>
+            <a:ext cx="1790700" cy="1114425"/>
           </a:xfrm>
           <a:prstGeom prst="rect">
             <a:avLst/>
@@ -4993,32 +4854,8 @@
         </p:blipFill>
         <p:spPr>
           <a:xfrm>
-            <a:off x="6751860" y="2901019"/>
-            <a:ext cx="1752600" cy="1114425"/>
-          </a:xfrm>
-          <a:prstGeom prst="rect">
-            <a:avLst/>
-          </a:prstGeom>
-        </p:spPr>
-      </p:pic>
-      <p:pic>
-        <p:nvPicPr>
-          <p:cNvPr id="6" name="Picture 5"/>
-          <p:cNvPicPr>
-            <a:picLocks noChangeAspect="1"/>
-          </p:cNvPicPr>
-          <p:nvPr/>
-        </p:nvPicPr>
-        <p:blipFill>
-          <a:blip r:embed="rId4"/>
-          <a:stretch>
-            <a:fillRect/>
-          </a:stretch>
-        </p:blipFill>
-        <p:spPr>
-          <a:xfrm>
-            <a:off x="6408960" y="4152626"/>
-            <a:ext cx="2438400" cy="2394066"/>
+            <a:off x="6447061" y="3789040"/>
+            <a:ext cx="2438399" cy="2378394"/>
           </a:xfrm>
           <a:prstGeom prst="rect">
             <a:avLst/>
@@ -5028,7 +4865,7 @@
     </p:spTree>
     <p:extLst>
       <p:ext uri="{BB962C8B-B14F-4D97-AF65-F5344CB8AC3E}">
-        <p14:creationId xmlns:p14="http://schemas.microsoft.com/office/powerpoint/2010/main" val="1005354161"/>
+        <p14:creationId xmlns:p14="http://schemas.microsoft.com/office/powerpoint/2010/main" val="3370632406"/>
       </p:ext>
     </p:extLst>
   </p:cSld>
@@ -5079,7 +4916,7 @@
               <a:rPr lang="en-US" altLang="en-US" sz="3200" b="1" dirty="0" smtClean="0">
                 <a:latin typeface="Tahoma" panose="020B0604030504040204" pitchFamily="34" charset="0"/>
               </a:rPr>
-              <a:t>Lasso Regression</a:t>
+              <a:t>Ridge Regression</a:t>
             </a:r>
             <a:endParaRPr lang="uk-UA" altLang="en-US" sz="3200" b="1" dirty="0">
               <a:latin typeface="Tahoma" panose="020B0604030504040204" pitchFamily="34" charset="0"/>
@@ -5120,7 +4957,7 @@
                 <a:latin typeface="Verdana" panose="020B0604030504040204" pitchFamily="34" charset="0"/>
                 <a:ea typeface="굴림" charset="-127"/>
               </a:rPr>
-              <a:t>The </a:t>
+              <a:t>The Ridge regression performs similarly to the OLS </a:t>
             </a:r>
             <a:r>
               <a:rPr lang="en-US" altLang="en-US" sz="1800" dirty="0" smtClean="0">
@@ -5130,27 +4967,7 @@
                 <a:latin typeface="Verdana" panose="020B0604030504040204" pitchFamily="34" charset="0"/>
                 <a:ea typeface="굴림" charset="-127"/>
               </a:rPr>
-              <a:t>Lasso </a:t>
-            </a:r>
-            <a:r>
-              <a:rPr lang="en-US" altLang="en-US" sz="1800" dirty="0">
-                <a:solidFill>
-                  <a:schemeClr val="tx2"/>
-                </a:solidFill>
-                <a:latin typeface="Verdana" panose="020B0604030504040204" pitchFamily="34" charset="0"/>
-                <a:ea typeface="굴림" charset="-127"/>
-              </a:rPr>
-              <a:t>regression performs similarly to the OLS </a:t>
-            </a:r>
-            <a:r>
-              <a:rPr lang="en-US" altLang="en-US" sz="1800" dirty="0" smtClean="0">
-                <a:solidFill>
-                  <a:schemeClr val="tx2"/>
-                </a:solidFill>
-                <a:latin typeface="Verdana" panose="020B0604030504040204" pitchFamily="34" charset="0"/>
-                <a:ea typeface="굴림" charset="-127"/>
-              </a:rPr>
-              <a:t>model and the Ridge regression, suggesting that the optimal linear regression has minimal L1 regularization.</a:t>
+              <a:t>model, suggesting that the optimal linear regression has minimal L2 regularization.</a:t>
             </a:r>
           </a:p>
           <a:p>
@@ -5223,7 +5040,7 @@
       </p:sp>
       <p:pic>
         <p:nvPicPr>
-          <p:cNvPr id="2" name="Picture 1"/>
+          <p:cNvPr id="4" name="Picture 3"/>
           <p:cNvPicPr>
             <a:picLocks noChangeAspect="1"/>
           </p:cNvPicPr>
@@ -5237,8 +5054,8 @@
         </p:blipFill>
         <p:spPr>
           <a:xfrm>
-            <a:off x="6499447" y="2144712"/>
-            <a:ext cx="2257425" cy="619125"/>
+            <a:off x="6499448" y="2078037"/>
+            <a:ext cx="2257425" cy="685800"/>
           </a:xfrm>
           <a:prstGeom prst="rect">
             <a:avLst/>
@@ -5247,7 +5064,7 @@
       </p:pic>
       <p:pic>
         <p:nvPicPr>
-          <p:cNvPr id="3" name="Picture 2"/>
+          <p:cNvPr id="5" name="Picture 4"/>
           <p:cNvPicPr>
             <a:picLocks noChangeAspect="1"/>
           </p:cNvPicPr>
@@ -5261,8 +5078,8 @@
         </p:blipFill>
         <p:spPr>
           <a:xfrm>
-            <a:off x="6766146" y="2920069"/>
-            <a:ext cx="1724025" cy="1076325"/>
+            <a:off x="6751860" y="2901019"/>
+            <a:ext cx="1752600" cy="1114425"/>
           </a:xfrm>
           <a:prstGeom prst="rect">
             <a:avLst/>
@@ -5271,7 +5088,7 @@
       </p:pic>
       <p:pic>
         <p:nvPicPr>
-          <p:cNvPr id="7" name="Picture 6"/>
+          <p:cNvPr id="6" name="Picture 5"/>
           <p:cNvPicPr>
             <a:picLocks noChangeAspect="1"/>
           </p:cNvPicPr>
@@ -5285,8 +5102,8 @@
         </p:blipFill>
         <p:spPr>
           <a:xfrm>
-            <a:off x="6412756" y="4152626"/>
-            <a:ext cx="2430804" cy="2386608"/>
+            <a:off x="6408960" y="4152626"/>
+            <a:ext cx="2438400" cy="2394066"/>
           </a:xfrm>
           <a:prstGeom prst="rect">
             <a:avLst/>
@@ -5296,7 +5113,7 @@
     </p:spTree>
     <p:extLst>
       <p:ext uri="{BB962C8B-B14F-4D97-AF65-F5344CB8AC3E}">
-        <p14:creationId xmlns:p14="http://schemas.microsoft.com/office/powerpoint/2010/main" val="179866759"/>
+        <p14:creationId xmlns:p14="http://schemas.microsoft.com/office/powerpoint/2010/main" val="1005354161"/>
       </p:ext>
     </p:extLst>
   </p:cSld>
@@ -5419,27 +5236,7 @@
                 <a:latin typeface="Verdana" panose="020B0604030504040204" pitchFamily="34" charset="0"/>
                 <a:ea typeface="굴림" charset="-127"/>
               </a:rPr>
-              <a:t>Whether buying a car new or used, a </a:t>
-            </a:r>
-            <a:r>
-              <a:rPr lang="en-US" altLang="ko-KR" sz="1800" dirty="0" smtClean="0">
-                <a:solidFill>
-                  <a:schemeClr val="tx2"/>
-                </a:solidFill>
-                <a:latin typeface="Verdana" panose="020B0604030504040204" pitchFamily="34" charset="0"/>
-                <a:ea typeface="굴림" charset="-127"/>
-              </a:rPr>
-              <a:t>savvy </a:t>
-            </a:r>
-            <a:r>
-              <a:rPr lang="en-US" altLang="ko-KR" sz="1800" dirty="0" smtClean="0">
-                <a:solidFill>
-                  <a:schemeClr val="tx2"/>
-                </a:solidFill>
-                <a:latin typeface="Verdana" panose="020B0604030504040204" pitchFamily="34" charset="0"/>
-                <a:ea typeface="굴림" charset="-127"/>
-              </a:rPr>
-              <a:t>consumer will do some research to determine the best fit, from both a feature and value standpoint.</a:t>
+              <a:t>Whether buying a car new or used, a savvy consumer will do some research to determine the best fit, from both a feature and value standpoint.</a:t>
             </a:r>
           </a:p>
           <a:p>
@@ -5560,7 +5357,7 @@
               <a:rPr lang="en-US" altLang="en-US" sz="3200" b="1" dirty="0" smtClean="0">
                 <a:latin typeface="Tahoma" panose="020B0604030504040204" pitchFamily="34" charset="0"/>
               </a:rPr>
-              <a:t>Linear Support Vector Regression</a:t>
+              <a:t>Lasso Regression</a:t>
             </a:r>
             <a:endParaRPr lang="uk-UA" altLang="en-US" sz="3200" b="1" dirty="0">
               <a:latin typeface="Tahoma" panose="020B0604030504040204" pitchFamily="34" charset="0"/>
@@ -5593,7 +5390,54 @@
                 <a:spcPct val="80000"/>
               </a:lnSpc>
             </a:pPr>
-            <a:endParaRPr lang="en-US" altLang="en-US" sz="1800" dirty="0" smtClean="0">
+            <a:r>
+              <a:rPr lang="en-US" altLang="en-US" sz="1800" dirty="0">
+                <a:solidFill>
+                  <a:schemeClr val="tx2"/>
+                </a:solidFill>
+                <a:latin typeface="Verdana" panose="020B0604030504040204" pitchFamily="34" charset="0"/>
+                <a:ea typeface="굴림" charset="-127"/>
+              </a:rPr>
+              <a:t>The </a:t>
+            </a:r>
+            <a:r>
+              <a:rPr lang="en-US" altLang="en-US" sz="1800" dirty="0" smtClean="0">
+                <a:solidFill>
+                  <a:schemeClr val="tx2"/>
+                </a:solidFill>
+                <a:latin typeface="Verdana" panose="020B0604030504040204" pitchFamily="34" charset="0"/>
+                <a:ea typeface="굴림" charset="-127"/>
+              </a:rPr>
+              <a:t>Lasso </a:t>
+            </a:r>
+            <a:r>
+              <a:rPr lang="en-US" altLang="en-US" sz="1800" dirty="0">
+                <a:solidFill>
+                  <a:schemeClr val="tx2"/>
+                </a:solidFill>
+                <a:latin typeface="Verdana" panose="020B0604030504040204" pitchFamily="34" charset="0"/>
+                <a:ea typeface="굴림" charset="-127"/>
+              </a:rPr>
+              <a:t>regression performs similarly to the OLS </a:t>
+            </a:r>
+            <a:r>
+              <a:rPr lang="en-US" altLang="en-US" sz="1800" dirty="0" smtClean="0">
+                <a:solidFill>
+                  <a:schemeClr val="tx2"/>
+                </a:solidFill>
+                <a:latin typeface="Verdana" panose="020B0604030504040204" pitchFamily="34" charset="0"/>
+                <a:ea typeface="굴림" charset="-127"/>
+              </a:rPr>
+              <a:t>model and the Ridge regression, suggesting that the optimal linear regression has minimal L1 regularization.</a:t>
+            </a:r>
+          </a:p>
+          <a:p>
+            <a:pPr>
+              <a:lnSpc>
+                <a:spcPct val="80000"/>
+              </a:lnSpc>
+            </a:pPr>
+            <a:endParaRPr lang="en-US" altLang="en-US" sz="1800" dirty="0">
               <a:solidFill>
                 <a:schemeClr val="tx2"/>
               </a:solidFill>
@@ -5607,44 +5451,7 @@
                 <a:spcPct val="80000"/>
               </a:lnSpc>
             </a:pPr>
-            <a:r>
-              <a:rPr lang="en-US" altLang="en-US" sz="1800" dirty="0" smtClean="0">
-                <a:solidFill>
-                  <a:schemeClr val="tx2"/>
-                </a:solidFill>
-                <a:latin typeface="Verdana" panose="020B0604030504040204" pitchFamily="34" charset="0"/>
-                <a:ea typeface="굴림" charset="-127"/>
-              </a:rPr>
-              <a:t>The Linear Support Vector regression performed similarly to the OLS/Ridge/Lasso regressions as well.  However, the cross validation scores across the folds were more consistent with the mean R</a:t>
-            </a:r>
-            <a:r>
-              <a:rPr lang="en-US" altLang="en-US" sz="1800" baseline="30000" dirty="0" smtClean="0">
-                <a:solidFill>
-                  <a:schemeClr val="tx2"/>
-                </a:solidFill>
-                <a:latin typeface="Verdana" panose="020B0604030504040204" pitchFamily="34" charset="0"/>
-                <a:ea typeface="굴림" charset="-127"/>
-              </a:rPr>
-              <a:t>2</a:t>
-            </a:r>
-            <a:r>
-              <a:rPr lang="en-US" altLang="en-US" sz="1800" dirty="0" smtClean="0">
-                <a:solidFill>
-                  <a:schemeClr val="tx2"/>
-                </a:solidFill>
-                <a:latin typeface="Verdana" panose="020B0604030504040204" pitchFamily="34" charset="0"/>
-                <a:ea typeface="굴림" charset="-127"/>
-              </a:rPr>
-              <a:t> slightly higher for the test set and the 95% confidence intervals more similar.</a:t>
-            </a:r>
-          </a:p>
-          <a:p>
-            <a:pPr>
-              <a:lnSpc>
-                <a:spcPct val="80000"/>
-              </a:lnSpc>
-            </a:pPr>
-            <a:endParaRPr lang="en-US" altLang="en-US" sz="1800" dirty="0">
+            <a:endParaRPr lang="en-US" altLang="en-US" sz="1800" dirty="0" smtClean="0">
               <a:solidFill>
                 <a:schemeClr val="tx2"/>
               </a:solidFill>
@@ -5658,6 +5465,20 @@
                 <a:spcPct val="80000"/>
               </a:lnSpc>
             </a:pPr>
+            <a:endParaRPr lang="en-US" altLang="en-US" sz="1800" dirty="0" smtClean="0">
+              <a:solidFill>
+                <a:schemeClr val="tx2"/>
+              </a:solidFill>
+              <a:latin typeface="Verdana" panose="020B0604030504040204" pitchFamily="34" charset="0"/>
+              <a:ea typeface="굴림" charset="-127"/>
+            </a:endParaRPr>
+          </a:p>
+          <a:p>
+            <a:pPr>
+              <a:lnSpc>
+                <a:spcPct val="80000"/>
+              </a:lnSpc>
+            </a:pPr>
             <a:r>
               <a:rPr lang="en-US" altLang="en-US" sz="1800" dirty="0" smtClean="0">
                 <a:solidFill>
@@ -5666,7 +5487,7 @@
                 <a:latin typeface="Verdana" panose="020B0604030504040204" pitchFamily="34" charset="0"/>
                 <a:ea typeface="굴림" charset="-127"/>
               </a:rPr>
-              <a:t>Residuals appear normal around 0.</a:t>
+              <a:t>As for the OLS model, training and test scores appear consistent with residuals normal around 0.</a:t>
             </a:r>
             <a:endParaRPr lang="en-US" altLang="en-US" sz="1800" dirty="0">
               <a:solidFill>
@@ -5680,7 +5501,7 @@
       </p:sp>
       <p:pic>
         <p:nvPicPr>
-          <p:cNvPr id="4" name="Picture 3"/>
+          <p:cNvPr id="2" name="Picture 1"/>
           <p:cNvPicPr>
             <a:picLocks noChangeAspect="1"/>
           </p:cNvPicPr>
@@ -5694,8 +5515,8 @@
         </p:blipFill>
         <p:spPr>
           <a:xfrm>
-            <a:off x="6560510" y="1906587"/>
-            <a:ext cx="2257425" cy="857250"/>
+            <a:off x="6499447" y="2144712"/>
+            <a:ext cx="2257425" cy="619125"/>
           </a:xfrm>
           <a:prstGeom prst="rect">
             <a:avLst/>
@@ -5704,7 +5525,7 @@
       </p:pic>
       <p:pic>
         <p:nvPicPr>
-          <p:cNvPr id="5" name="Picture 4"/>
+          <p:cNvPr id="3" name="Picture 2"/>
           <p:cNvPicPr>
             <a:picLocks noChangeAspect="1"/>
           </p:cNvPicPr>
@@ -5718,8 +5539,8 @@
         </p:blipFill>
         <p:spPr>
           <a:xfrm>
-            <a:off x="6827209" y="2934356"/>
-            <a:ext cx="1724025" cy="1047750"/>
+            <a:off x="6766146" y="2920069"/>
+            <a:ext cx="1724025" cy="1076325"/>
           </a:xfrm>
           <a:prstGeom prst="rect">
             <a:avLst/>
@@ -5728,7 +5549,7 @@
       </p:pic>
       <p:pic>
         <p:nvPicPr>
-          <p:cNvPr id="6" name="Picture 5"/>
+          <p:cNvPr id="7" name="Picture 6"/>
           <p:cNvPicPr>
             <a:picLocks noChangeAspect="1"/>
           </p:cNvPicPr>
@@ -5742,8 +5563,8 @@
         </p:blipFill>
         <p:spPr>
           <a:xfrm>
-            <a:off x="6379535" y="4152625"/>
-            <a:ext cx="2438400" cy="2460978"/>
+            <a:off x="6412756" y="4152626"/>
+            <a:ext cx="2430804" cy="2386608"/>
           </a:xfrm>
           <a:prstGeom prst="rect">
             <a:avLst/>
@@ -5753,7 +5574,7 @@
     </p:spTree>
     <p:extLst>
       <p:ext uri="{BB962C8B-B14F-4D97-AF65-F5344CB8AC3E}">
-        <p14:creationId xmlns:p14="http://schemas.microsoft.com/office/powerpoint/2010/main" val="1167439391"/>
+        <p14:creationId xmlns:p14="http://schemas.microsoft.com/office/powerpoint/2010/main" val="179866759"/>
       </p:ext>
     </p:extLst>
   </p:cSld>
@@ -5804,7 +5625,7 @@
               <a:rPr lang="en-US" altLang="en-US" sz="3200" b="1" dirty="0" smtClean="0">
                 <a:latin typeface="Tahoma" panose="020B0604030504040204" pitchFamily="34" charset="0"/>
               </a:rPr>
-              <a:t>Radial Basis Function Kernel SVR</a:t>
+              <a:t>Linear Support Vector Regression</a:t>
             </a:r>
             <a:endParaRPr lang="uk-UA" altLang="en-US" sz="3200" b="1" dirty="0">
               <a:latin typeface="Tahoma" panose="020B0604030504040204" pitchFamily="34" charset="0"/>
@@ -5859,7 +5680,7 @@
                 <a:latin typeface="Verdana" panose="020B0604030504040204" pitchFamily="34" charset="0"/>
                 <a:ea typeface="굴림" charset="-127"/>
               </a:rPr>
-              <a:t>Although R</a:t>
+              <a:t>The Linear Support Vector regression performed similarly to the OLS/Ridge/Lasso regressions as well.  However, the cross validation scores across the folds were more consistent with the mean R</a:t>
             </a:r>
             <a:r>
               <a:rPr lang="en-US" altLang="en-US" sz="1800" baseline="30000" dirty="0" smtClean="0">
@@ -5879,77 +5700,7 @@
                 <a:latin typeface="Verdana" panose="020B0604030504040204" pitchFamily="34" charset="0"/>
                 <a:ea typeface="굴림" charset="-127"/>
               </a:rPr>
-              <a:t> </a:t>
-            </a:r>
-            <a:r>
-              <a:rPr lang="en-US" altLang="en-US" sz="1800" dirty="0">
-                <a:solidFill>
-                  <a:schemeClr val="tx2"/>
-                </a:solidFill>
-                <a:latin typeface="Verdana" panose="020B0604030504040204" pitchFamily="34" charset="0"/>
-                <a:ea typeface="굴림" charset="-127"/>
-              </a:rPr>
-              <a:t>scores for the training and full sets are in line with most of the other models, the </a:t>
-            </a:r>
-            <a:r>
-              <a:rPr lang="en-US" altLang="en-US" sz="1800" dirty="0" smtClean="0">
-                <a:solidFill>
-                  <a:schemeClr val="tx2"/>
-                </a:solidFill>
-                <a:latin typeface="Verdana" panose="020B0604030504040204" pitchFamily="34" charset="0"/>
-                <a:ea typeface="굴림" charset="-127"/>
-              </a:rPr>
-              <a:t>R</a:t>
-            </a:r>
-            <a:r>
-              <a:rPr lang="en-US" altLang="en-US" sz="1800" baseline="30000" dirty="0" smtClean="0">
-                <a:solidFill>
-                  <a:schemeClr val="tx2"/>
-                </a:solidFill>
-                <a:latin typeface="Verdana" panose="020B0604030504040204" pitchFamily="34" charset="0"/>
-                <a:ea typeface="굴림" charset="-127"/>
-              </a:rPr>
-              <a:t>2</a:t>
-            </a:r>
-            <a:r>
-              <a:rPr lang="en-US" altLang="en-US" sz="1800" dirty="0" smtClean="0">
-                <a:solidFill>
-                  <a:schemeClr val="tx2"/>
-                </a:solidFill>
-                <a:latin typeface="Verdana" panose="020B0604030504040204" pitchFamily="34" charset="0"/>
-                <a:ea typeface="굴림" charset="-127"/>
-              </a:rPr>
-              <a:t> </a:t>
-            </a:r>
-            <a:r>
-              <a:rPr lang="en-US" altLang="en-US" sz="1800" dirty="0">
-                <a:solidFill>
-                  <a:schemeClr val="tx2"/>
-                </a:solidFill>
-                <a:latin typeface="Verdana" panose="020B0604030504040204" pitchFamily="34" charset="0"/>
-                <a:ea typeface="굴림" charset="-127"/>
-              </a:rPr>
-              <a:t>for the test set is considerably lower with wider 95% confidence interval, suggesting that this model is </a:t>
-            </a:r>
-            <a:r>
-              <a:rPr lang="en-US" altLang="en-US" sz="1800" dirty="0" err="1">
-                <a:solidFill>
-                  <a:schemeClr val="tx2"/>
-                </a:solidFill>
-                <a:latin typeface="Verdana" panose="020B0604030504040204" pitchFamily="34" charset="0"/>
-                <a:ea typeface="굴림" charset="-127"/>
-              </a:rPr>
-              <a:t>overfit</a:t>
-            </a:r>
-            <a:r>
-              <a:rPr lang="en-US" altLang="en-US" sz="1800" dirty="0" smtClean="0">
-                <a:solidFill>
-                  <a:schemeClr val="tx2"/>
-                </a:solidFill>
-                <a:latin typeface="Verdana" panose="020B0604030504040204" pitchFamily="34" charset="0"/>
-                <a:ea typeface="굴림" charset="-127"/>
-              </a:rPr>
-              <a:t>.</a:t>
+              <a:t> slightly higher for the test set and the 95% confidence intervals more similar.</a:t>
             </a:r>
           </a:p>
           <a:p>
@@ -5973,16 +5724,6 @@
               </a:lnSpc>
             </a:pPr>
             <a:r>
-              <a:rPr lang="en-US" altLang="en-US" sz="1800" dirty="0">
-                <a:solidFill>
-                  <a:schemeClr val="tx2"/>
-                </a:solidFill>
-                <a:latin typeface="Verdana" panose="020B0604030504040204" pitchFamily="34" charset="0"/>
-                <a:ea typeface="굴림" charset="-127"/>
-              </a:rPr>
-              <a:t>Residuals appear normal around </a:t>
-            </a:r>
-            <a:r>
               <a:rPr lang="en-US" altLang="en-US" sz="1800" dirty="0" smtClean="0">
                 <a:solidFill>
                   <a:schemeClr val="tx2"/>
@@ -5990,51 +5731,8 @@
                 <a:latin typeface="Verdana" panose="020B0604030504040204" pitchFamily="34" charset="0"/>
                 <a:ea typeface="굴림" charset="-127"/>
               </a:rPr>
-              <a:t>0 and appear more evenly distributed.</a:t>
-            </a:r>
-            <a:endParaRPr lang="en-US" altLang="en-US" sz="1800" dirty="0">
-              <a:solidFill>
-                <a:schemeClr val="tx2"/>
-              </a:solidFill>
-              <a:latin typeface="Verdana" panose="020B0604030504040204" pitchFamily="34" charset="0"/>
-              <a:ea typeface="굴림" charset="-127"/>
-            </a:endParaRPr>
-          </a:p>
-          <a:p>
-            <a:pPr marL="0" indent="0">
-              <a:lnSpc>
-                <a:spcPct val="80000"/>
-              </a:lnSpc>
-              <a:buNone/>
-            </a:pPr>
-            <a:endParaRPr lang="en-US" altLang="en-US" sz="1800" dirty="0" smtClean="0">
-              <a:solidFill>
-                <a:schemeClr val="tx2"/>
-              </a:solidFill>
-              <a:latin typeface="Verdana" panose="020B0604030504040204" pitchFamily="34" charset="0"/>
-              <a:ea typeface="굴림" charset="-127"/>
-            </a:endParaRPr>
-          </a:p>
-          <a:p>
-            <a:pPr>
-              <a:lnSpc>
-                <a:spcPct val="80000"/>
-              </a:lnSpc>
-            </a:pPr>
-            <a:endParaRPr lang="en-US" altLang="en-US" sz="1800" dirty="0">
-              <a:solidFill>
-                <a:schemeClr val="tx2"/>
-              </a:solidFill>
-              <a:latin typeface="Verdana" panose="020B0604030504040204" pitchFamily="34" charset="0"/>
-              <a:ea typeface="굴림" charset="-127"/>
-            </a:endParaRPr>
-          </a:p>
-          <a:p>
-            <a:pPr>
-              <a:lnSpc>
-                <a:spcPct val="80000"/>
-              </a:lnSpc>
-            </a:pPr>
+              <a:t>Residuals appear normal around 0.</a:t>
+            </a:r>
             <a:endParaRPr lang="en-US" altLang="en-US" sz="1800" dirty="0">
               <a:solidFill>
                 <a:schemeClr val="tx2"/>
@@ -6047,7 +5745,7 @@
       </p:sp>
       <p:pic>
         <p:nvPicPr>
-          <p:cNvPr id="2" name="Picture 1"/>
+          <p:cNvPr id="4" name="Picture 3"/>
           <p:cNvPicPr>
             <a:picLocks noChangeAspect="1"/>
           </p:cNvPicPr>
@@ -6061,8 +5759,8 @@
         </p:blipFill>
         <p:spPr>
           <a:xfrm>
-            <a:off x="6470022" y="1830387"/>
-            <a:ext cx="2257425" cy="933450"/>
+            <a:off x="6560510" y="1906587"/>
+            <a:ext cx="2257425" cy="857250"/>
           </a:xfrm>
           <a:prstGeom prst="rect">
             <a:avLst/>
@@ -6071,7 +5769,7 @@
       </p:pic>
       <p:pic>
         <p:nvPicPr>
-          <p:cNvPr id="3" name="Picture 2"/>
+          <p:cNvPr id="5" name="Picture 4"/>
           <p:cNvPicPr>
             <a:picLocks noChangeAspect="1"/>
           </p:cNvPicPr>
@@ -6085,8 +5783,8 @@
         </p:blipFill>
         <p:spPr>
           <a:xfrm>
-            <a:off x="6698621" y="2901018"/>
-            <a:ext cx="1800225" cy="1114425"/>
+            <a:off x="6827209" y="2934356"/>
+            <a:ext cx="1724025" cy="1047750"/>
           </a:xfrm>
           <a:prstGeom prst="rect">
             <a:avLst/>
@@ -6095,7 +5793,7 @@
       </p:pic>
       <p:pic>
         <p:nvPicPr>
-          <p:cNvPr id="7" name="Picture 6"/>
+          <p:cNvPr id="6" name="Picture 5"/>
           <p:cNvPicPr>
             <a:picLocks noChangeAspect="1"/>
           </p:cNvPicPr>
@@ -6109,8 +5807,8 @@
         </p:blipFill>
         <p:spPr>
           <a:xfrm>
-            <a:off x="6379533" y="4152624"/>
-            <a:ext cx="2438400" cy="2404455"/>
+            <a:off x="6379535" y="4152625"/>
+            <a:ext cx="2438400" cy="2460978"/>
           </a:xfrm>
           <a:prstGeom prst="rect">
             <a:avLst/>
@@ -6120,7 +5818,7 @@
     </p:spTree>
     <p:extLst>
       <p:ext uri="{BB962C8B-B14F-4D97-AF65-F5344CB8AC3E}">
-        <p14:creationId xmlns:p14="http://schemas.microsoft.com/office/powerpoint/2010/main" val="3846560116"/>
+        <p14:creationId xmlns:p14="http://schemas.microsoft.com/office/powerpoint/2010/main" val="1167439391"/>
       </p:ext>
     </p:extLst>
   </p:cSld>
@@ -6171,7 +5869,7 @@
               <a:rPr lang="en-US" altLang="en-US" sz="3200" b="1" dirty="0" smtClean="0">
                 <a:latin typeface="Tahoma" panose="020B0604030504040204" pitchFamily="34" charset="0"/>
               </a:rPr>
-              <a:t>Gradient Boosting Regression</a:t>
+              <a:t>Radial Basis Function Kernel SVR</a:t>
             </a:r>
             <a:endParaRPr lang="uk-UA" altLang="en-US" sz="3200" b="1" dirty="0">
               <a:latin typeface="Tahoma" panose="020B0604030504040204" pitchFamily="34" charset="0"/>
@@ -6219,6 +5917,36 @@
               </a:lnSpc>
             </a:pPr>
             <a:r>
+              <a:rPr lang="en-US" altLang="en-US" sz="1800" dirty="0" smtClean="0">
+                <a:solidFill>
+                  <a:schemeClr val="tx2"/>
+                </a:solidFill>
+                <a:latin typeface="Verdana" panose="020B0604030504040204" pitchFamily="34" charset="0"/>
+                <a:ea typeface="굴림" charset="-127"/>
+              </a:rPr>
+              <a:t>Although R</a:t>
+            </a:r>
+            <a:r>
+              <a:rPr lang="en-US" altLang="en-US" sz="1800" baseline="30000" dirty="0" smtClean="0">
+                <a:solidFill>
+                  <a:schemeClr val="tx2"/>
+                </a:solidFill>
+                <a:latin typeface="Verdana" panose="020B0604030504040204" pitchFamily="34" charset="0"/>
+                <a:ea typeface="굴림" charset="-127"/>
+              </a:rPr>
+              <a:t>2</a:t>
+            </a:r>
+            <a:r>
+              <a:rPr lang="en-US" altLang="en-US" sz="1800" dirty="0" smtClean="0">
+                <a:solidFill>
+                  <a:schemeClr val="tx2"/>
+                </a:solidFill>
+                <a:latin typeface="Verdana" panose="020B0604030504040204" pitchFamily="34" charset="0"/>
+                <a:ea typeface="굴림" charset="-127"/>
+              </a:rPr>
+              <a:t> </a:t>
+            </a:r>
+            <a:r>
               <a:rPr lang="en-US" altLang="en-US" sz="1800" dirty="0">
                 <a:solidFill>
                   <a:schemeClr val="tx2"/>
@@ -6226,7 +5954,7 @@
                 <a:latin typeface="Verdana" panose="020B0604030504040204" pitchFamily="34" charset="0"/>
                 <a:ea typeface="굴림" charset="-127"/>
               </a:rPr>
-              <a:t>The Gradient Boosting regression performed well, in line with K-Nearest Neighbors for the best model</a:t>
+              <a:t>scores for the training and full sets are in line with most of the other models, the </a:t>
             </a:r>
             <a:r>
               <a:rPr lang="en-US" altLang="en-US" sz="1800" dirty="0" smtClean="0">
@@ -6236,6 +5964,56 @@
                 <a:latin typeface="Verdana" panose="020B0604030504040204" pitchFamily="34" charset="0"/>
                 <a:ea typeface="굴림" charset="-127"/>
               </a:rPr>
+              <a:t>R</a:t>
+            </a:r>
+            <a:r>
+              <a:rPr lang="en-US" altLang="en-US" sz="1800" baseline="30000" dirty="0" smtClean="0">
+                <a:solidFill>
+                  <a:schemeClr val="tx2"/>
+                </a:solidFill>
+                <a:latin typeface="Verdana" panose="020B0604030504040204" pitchFamily="34" charset="0"/>
+                <a:ea typeface="굴림" charset="-127"/>
+              </a:rPr>
+              <a:t>2</a:t>
+            </a:r>
+            <a:r>
+              <a:rPr lang="en-US" altLang="en-US" sz="1800" dirty="0" smtClean="0">
+                <a:solidFill>
+                  <a:schemeClr val="tx2"/>
+                </a:solidFill>
+                <a:latin typeface="Verdana" panose="020B0604030504040204" pitchFamily="34" charset="0"/>
+                <a:ea typeface="굴림" charset="-127"/>
+              </a:rPr>
+              <a:t> </a:t>
+            </a:r>
+            <a:r>
+              <a:rPr lang="en-US" altLang="en-US" sz="1800" dirty="0">
+                <a:solidFill>
+                  <a:schemeClr val="tx2"/>
+                </a:solidFill>
+                <a:latin typeface="Verdana" panose="020B0604030504040204" pitchFamily="34" charset="0"/>
+                <a:ea typeface="굴림" charset="-127"/>
+              </a:rPr>
+              <a:t>for the test set is considerably lower with wider 95% confidence interval, suggesting that this model is </a:t>
+            </a:r>
+            <a:r>
+              <a:rPr lang="en-US" altLang="en-US" sz="1800" dirty="0" err="1">
+                <a:solidFill>
+                  <a:schemeClr val="tx2"/>
+                </a:solidFill>
+                <a:latin typeface="Verdana" panose="020B0604030504040204" pitchFamily="34" charset="0"/>
+                <a:ea typeface="굴림" charset="-127"/>
+              </a:rPr>
+              <a:t>overfit</a:t>
+            </a:r>
+            <a:r>
+              <a:rPr lang="en-US" altLang="en-US" sz="1800" dirty="0" smtClean="0">
+                <a:solidFill>
+                  <a:schemeClr val="tx2"/>
+                </a:solidFill>
+                <a:latin typeface="Verdana" panose="020B0604030504040204" pitchFamily="34" charset="0"/>
+                <a:ea typeface="굴림" charset="-127"/>
+              </a:rPr>
               <a:t>.</a:t>
             </a:r>
           </a:p>
@@ -6245,6 +6023,30 @@
                 <a:spcPct val="80000"/>
               </a:lnSpc>
             </a:pPr>
+            <a:endParaRPr lang="en-US" altLang="en-US" sz="1800" dirty="0">
+              <a:solidFill>
+                <a:schemeClr val="tx2"/>
+              </a:solidFill>
+              <a:latin typeface="Verdana" panose="020B0604030504040204" pitchFamily="34" charset="0"/>
+              <a:ea typeface="굴림" charset="-127"/>
+            </a:endParaRPr>
+          </a:p>
+          <a:p>
+            <a:pPr>
+              <a:lnSpc>
+                <a:spcPct val="80000"/>
+              </a:lnSpc>
+            </a:pPr>
+            <a:r>
+              <a:rPr lang="en-US" altLang="en-US" sz="1800" dirty="0">
+                <a:solidFill>
+                  <a:schemeClr val="tx2"/>
+                </a:solidFill>
+                <a:latin typeface="Verdana" panose="020B0604030504040204" pitchFamily="34" charset="0"/>
+                <a:ea typeface="굴림" charset="-127"/>
+              </a:rPr>
+              <a:t>Residuals appear normal around </a:t>
+            </a:r>
             <a:r>
               <a:rPr lang="en-US" altLang="en-US" sz="1800" dirty="0" smtClean="0">
                 <a:solidFill>
@@ -6253,39 +6055,52 @@
                 <a:latin typeface="Verdana" panose="020B0604030504040204" pitchFamily="34" charset="0"/>
                 <a:ea typeface="굴림" charset="-127"/>
               </a:rPr>
-              <a:t>R</a:t>
-            </a:r>
-            <a:r>
-              <a:rPr lang="en-US" altLang="en-US" sz="1800" baseline="30000" dirty="0" smtClean="0">
-                <a:solidFill>
-                  <a:schemeClr val="tx2"/>
-                </a:solidFill>
-                <a:latin typeface="Verdana" panose="020B0604030504040204" pitchFamily="34" charset="0"/>
-                <a:ea typeface="굴림" charset="-127"/>
-              </a:rPr>
-              <a:t>2</a:t>
-            </a:r>
-            <a:r>
-              <a:rPr lang="en-US" altLang="en-US" sz="1800" dirty="0" smtClean="0">
-                <a:solidFill>
-                  <a:schemeClr val="tx2"/>
-                </a:solidFill>
-                <a:latin typeface="Verdana" panose="020B0604030504040204" pitchFamily="34" charset="0"/>
-                <a:ea typeface="굴림" charset="-127"/>
-              </a:rPr>
-              <a:t> scores were high with relatively tight 95% confidence </a:t>
-            </a:r>
-            <a:r>
-              <a:rPr lang="en-US" altLang="en-US" sz="1800" smtClean="0">
-                <a:solidFill>
-                  <a:schemeClr val="tx2"/>
-                </a:solidFill>
-                <a:latin typeface="Verdana" panose="020B0604030504040204" pitchFamily="34" charset="0"/>
-                <a:ea typeface="굴림" charset="-127"/>
-              </a:rPr>
-              <a:t>intervals.</a:t>
-            </a:r>
+              <a:t>0 and appear more evenly distributed.</a:t>
+            </a:r>
+            <a:endParaRPr lang="en-US" altLang="en-US" sz="1800" dirty="0">
+              <a:solidFill>
+                <a:schemeClr val="tx2"/>
+              </a:solidFill>
+              <a:latin typeface="Verdana" panose="020B0604030504040204" pitchFamily="34" charset="0"/>
+              <a:ea typeface="굴림" charset="-127"/>
+            </a:endParaRPr>
+          </a:p>
+          <a:p>
+            <a:pPr marL="0" indent="0">
+              <a:lnSpc>
+                <a:spcPct val="80000"/>
+              </a:lnSpc>
+              <a:buNone/>
+            </a:pPr>
             <a:endParaRPr lang="en-US" altLang="en-US" sz="1800" dirty="0" smtClean="0">
+              <a:solidFill>
+                <a:schemeClr val="tx2"/>
+              </a:solidFill>
+              <a:latin typeface="Verdana" panose="020B0604030504040204" pitchFamily="34" charset="0"/>
+              <a:ea typeface="굴림" charset="-127"/>
+            </a:endParaRPr>
+          </a:p>
+          <a:p>
+            <a:pPr>
+              <a:lnSpc>
+                <a:spcPct val="80000"/>
+              </a:lnSpc>
+            </a:pPr>
+            <a:endParaRPr lang="en-US" altLang="en-US" sz="1800" dirty="0">
+              <a:solidFill>
+                <a:schemeClr val="tx2"/>
+              </a:solidFill>
+              <a:latin typeface="Verdana" panose="020B0604030504040204" pitchFamily="34" charset="0"/>
+              <a:ea typeface="굴림" charset="-127"/>
+            </a:endParaRPr>
+          </a:p>
+          <a:p>
+            <a:pPr>
+              <a:lnSpc>
+                <a:spcPct val="80000"/>
+              </a:lnSpc>
+            </a:pPr>
+            <a:endParaRPr lang="en-US" altLang="en-US" sz="1800" dirty="0">
               <a:solidFill>
                 <a:schemeClr val="tx2"/>
               </a:solidFill>
@@ -6370,7 +6185,7 @@
     </p:spTree>
     <p:extLst>
       <p:ext uri="{BB962C8B-B14F-4D97-AF65-F5344CB8AC3E}">
-        <p14:creationId xmlns:p14="http://schemas.microsoft.com/office/powerpoint/2010/main" val="2619449899"/>
+        <p14:creationId xmlns:p14="http://schemas.microsoft.com/office/powerpoint/2010/main" val="3846560116"/>
       </p:ext>
     </p:extLst>
   </p:cSld>
@@ -6409,8 +6224,8 @@
         </p:nvSpPr>
         <p:spPr>
           <a:xfrm>
-            <a:off x="1547813" y="1700213"/>
-            <a:ext cx="4536355" cy="649287"/>
+            <a:off x="838002" y="1700213"/>
+            <a:ext cx="5040411" cy="649287"/>
           </a:xfrm>
         </p:spPr>
         <p:txBody>
@@ -6421,7 +6236,7 @@
               <a:rPr lang="en-US" altLang="en-US" sz="3200" b="1" dirty="0" smtClean="0">
                 <a:latin typeface="Tahoma" panose="020B0604030504040204" pitchFamily="34" charset="0"/>
               </a:rPr>
-              <a:t>Model Comparison</a:t>
+              <a:t>Gradient Boosting Regression</a:t>
             </a:r>
             <a:endParaRPr lang="uk-UA" altLang="en-US" sz="3200" b="1" dirty="0">
               <a:latin typeface="Tahoma" panose="020B0604030504040204" pitchFamily="34" charset="0"/>
@@ -6441,8 +6256,8 @@
         </p:nvSpPr>
         <p:spPr>
           <a:xfrm>
-            <a:off x="1249363" y="2492375"/>
-            <a:ext cx="7499350" cy="3959225"/>
+            <a:off x="539552" y="2492375"/>
+            <a:ext cx="5472608" cy="3959225"/>
           </a:xfrm>
         </p:spPr>
         <p:txBody>
@@ -6454,23 +6269,30 @@
                 <a:spcPct val="80000"/>
               </a:lnSpc>
             </a:pPr>
-            <a:r>
-              <a:rPr lang="en-US" altLang="ko-KR" sz="1800" dirty="0" smtClean="0">
-                <a:solidFill>
-                  <a:schemeClr val="tx2"/>
-                </a:solidFill>
-                <a:latin typeface="Verdana" panose="020B0604030504040204" pitchFamily="34" charset="0"/>
-                <a:ea typeface="굴림" charset="-127"/>
-              </a:rPr>
-              <a:t>The K-Nearest Neighbors model and the Gradient Boosting regression performed best.</a:t>
-            </a:r>
-          </a:p>
-          <a:p>
-            <a:pPr>
-              <a:lnSpc>
-                <a:spcPct val="80000"/>
-              </a:lnSpc>
-            </a:pPr>
+            <a:endParaRPr lang="en-US" altLang="en-US" sz="1800" dirty="0" smtClean="0">
+              <a:solidFill>
+                <a:schemeClr val="tx2"/>
+              </a:solidFill>
+              <a:latin typeface="Verdana" panose="020B0604030504040204" pitchFamily="34" charset="0"/>
+              <a:ea typeface="굴림" charset="-127"/>
+            </a:endParaRPr>
+          </a:p>
+          <a:p>
+            <a:pPr>
+              <a:lnSpc>
+                <a:spcPct val="80000"/>
+              </a:lnSpc>
+            </a:pPr>
+            <a:r>
+              <a:rPr lang="en-US" altLang="en-US" sz="1800" dirty="0">
+                <a:solidFill>
+                  <a:schemeClr val="tx2"/>
+                </a:solidFill>
+                <a:latin typeface="Verdana" panose="020B0604030504040204" pitchFamily="34" charset="0"/>
+                <a:ea typeface="굴림" charset="-127"/>
+              </a:rPr>
+              <a:t>The Gradient Boosting regression performed well, in line with K-Nearest Neighbors for the best model</a:t>
+            </a:r>
             <a:r>
               <a:rPr lang="en-US" altLang="en-US" sz="1800" dirty="0" smtClean="0">
                 <a:solidFill>
@@ -6479,7 +6301,7 @@
                 <a:latin typeface="Verdana" panose="020B0604030504040204" pitchFamily="34" charset="0"/>
                 <a:ea typeface="굴림" charset="-127"/>
               </a:rPr>
-              <a:t>Random forest performed worst.</a:t>
+              <a:t>.</a:t>
             </a:r>
           </a:p>
           <a:p>
@@ -6496,7 +6318,7 @@
                 <a:latin typeface="Verdana" panose="020B0604030504040204" pitchFamily="34" charset="0"/>
                 <a:ea typeface="굴림" charset="-127"/>
               </a:rPr>
-              <a:t>The majority of models had R</a:t>
+              <a:t>R</a:t>
             </a:r>
             <a:r>
               <a:rPr lang="en-US" altLang="en-US" sz="1800" baseline="30000" dirty="0" smtClean="0">
@@ -6516,20 +6338,104 @@
                 <a:latin typeface="Verdana" panose="020B0604030504040204" pitchFamily="34" charset="0"/>
                 <a:ea typeface="굴림" charset="-127"/>
               </a:rPr>
-              <a:t> scores around 0.75.</a:t>
-            </a:r>
-            <a:endParaRPr lang="uk-UA" altLang="en-US" sz="1800" dirty="0">
-              <a:solidFill>
-                <a:schemeClr val="tx2"/>
-              </a:solidFill>
+              <a:t> scores were high with relatively tight 95% confidence </a:t>
+            </a:r>
+            <a:r>
+              <a:rPr lang="en-US" altLang="en-US" sz="1800" smtClean="0">
+                <a:solidFill>
+                  <a:schemeClr val="tx2"/>
+                </a:solidFill>
+                <a:latin typeface="Verdana" panose="020B0604030504040204" pitchFamily="34" charset="0"/>
+                <a:ea typeface="굴림" charset="-127"/>
+              </a:rPr>
+              <a:t>intervals.</a:t>
+            </a:r>
+            <a:endParaRPr lang="en-US" altLang="en-US" sz="1800" dirty="0" smtClean="0">
+              <a:solidFill>
+                <a:schemeClr val="tx2"/>
+              </a:solidFill>
+              <a:latin typeface="Verdana" panose="020B0604030504040204" pitchFamily="34" charset="0"/>
+              <a:ea typeface="굴림" charset="-127"/>
             </a:endParaRPr>
           </a:p>
         </p:txBody>
       </p:sp>
+      <p:pic>
+        <p:nvPicPr>
+          <p:cNvPr id="5" name="Picture 4"/>
+          <p:cNvPicPr>
+            <a:picLocks noChangeAspect="1"/>
+          </p:cNvPicPr>
+          <p:nvPr/>
+        </p:nvPicPr>
+        <p:blipFill>
+          <a:blip r:embed="rId2"/>
+          <a:stretch>
+            <a:fillRect/>
+          </a:stretch>
+        </p:blipFill>
+        <p:spPr>
+          <a:xfrm>
+            <a:off x="6422395" y="1982504"/>
+            <a:ext cx="2352675" cy="695325"/>
+          </a:xfrm>
+          <a:prstGeom prst="rect">
+            <a:avLst/>
+          </a:prstGeom>
+        </p:spPr>
+      </p:pic>
+      <p:pic>
+        <p:nvPicPr>
+          <p:cNvPr id="6" name="Picture 5"/>
+          <p:cNvPicPr>
+            <a:picLocks noChangeAspect="1"/>
+          </p:cNvPicPr>
+          <p:nvPr/>
+        </p:nvPicPr>
+        <p:blipFill>
+          <a:blip r:embed="rId3"/>
+          <a:stretch>
+            <a:fillRect/>
+          </a:stretch>
+        </p:blipFill>
+        <p:spPr>
+          <a:xfrm>
+            <a:off x="6736719" y="2891351"/>
+            <a:ext cx="1724025" cy="1047750"/>
+          </a:xfrm>
+          <a:prstGeom prst="rect">
+            <a:avLst/>
+          </a:prstGeom>
+        </p:spPr>
+      </p:pic>
+      <p:pic>
+        <p:nvPicPr>
+          <p:cNvPr id="8" name="Picture 7"/>
+          <p:cNvPicPr>
+            <a:picLocks noChangeAspect="1"/>
+          </p:cNvPicPr>
+          <p:nvPr/>
+        </p:nvPicPr>
+        <p:blipFill>
+          <a:blip r:embed="rId4"/>
+          <a:stretch>
+            <a:fillRect/>
+          </a:stretch>
+        </p:blipFill>
+        <p:spPr>
+          <a:xfrm>
+            <a:off x="6422395" y="4152623"/>
+            <a:ext cx="2352675" cy="2347279"/>
+          </a:xfrm>
+          <a:prstGeom prst="rect">
+            <a:avLst/>
+          </a:prstGeom>
+        </p:spPr>
+      </p:pic>
     </p:spTree>
     <p:extLst>
       <p:ext uri="{BB962C8B-B14F-4D97-AF65-F5344CB8AC3E}">
-        <p14:creationId xmlns:p14="http://schemas.microsoft.com/office/powerpoint/2010/main" val="3288549322"/>
+        <p14:creationId xmlns:p14="http://schemas.microsoft.com/office/powerpoint/2010/main" val="2619449899"/>
       </p:ext>
     </p:extLst>
   </p:cSld>
@@ -6580,7 +6486,7 @@
               <a:rPr lang="en-US" altLang="en-US" sz="3200" b="1" dirty="0" smtClean="0">
                 <a:latin typeface="Tahoma" panose="020B0604030504040204" pitchFamily="34" charset="0"/>
               </a:rPr>
-              <a:t>Sedan-Only Results</a:t>
+              <a:t>Model Comparison</a:t>
             </a:r>
             <a:endParaRPr lang="uk-UA" altLang="en-US" sz="3200" b="1" dirty="0">
               <a:latin typeface="Tahoma" panose="020B0604030504040204" pitchFamily="34" charset="0"/>
@@ -6621,9 +6527,63 @@
                 <a:latin typeface="Verdana" panose="020B0604030504040204" pitchFamily="34" charset="0"/>
                 <a:ea typeface="굴림" charset="-127"/>
               </a:rPr>
-              <a:t>The relative model performances were consistent across sedans to the results seen across the entire data set.</a:t>
-            </a:r>
-            <a:endParaRPr lang="ru-RU" altLang="ko-KR" sz="1800" dirty="0">
+              <a:t>The K-Nearest Neighbors model and the Gradient Boosting regression performed best.</a:t>
+            </a:r>
+          </a:p>
+          <a:p>
+            <a:pPr>
+              <a:lnSpc>
+                <a:spcPct val="80000"/>
+              </a:lnSpc>
+            </a:pPr>
+            <a:r>
+              <a:rPr lang="en-US" altLang="en-US" sz="1800" dirty="0" smtClean="0">
+                <a:solidFill>
+                  <a:schemeClr val="tx2"/>
+                </a:solidFill>
+                <a:latin typeface="Verdana" panose="020B0604030504040204" pitchFamily="34" charset="0"/>
+                <a:ea typeface="굴림" charset="-127"/>
+              </a:rPr>
+              <a:t>Random </a:t>
+            </a:r>
+            <a:r>
+              <a:rPr lang="en-US" altLang="en-US" sz="1800" dirty="0" smtClean="0">
+                <a:solidFill>
+                  <a:schemeClr val="tx2"/>
+                </a:solidFill>
+                <a:latin typeface="Verdana" panose="020B0604030504040204" pitchFamily="34" charset="0"/>
+                <a:ea typeface="굴림" charset="-127"/>
+              </a:rPr>
+              <a:t>Forest </a:t>
+            </a:r>
+            <a:r>
+              <a:rPr lang="en-US" altLang="en-US" sz="1800" dirty="0" smtClean="0">
+                <a:solidFill>
+                  <a:schemeClr val="tx2"/>
+                </a:solidFill>
+                <a:latin typeface="Verdana" panose="020B0604030504040204" pitchFamily="34" charset="0"/>
+                <a:ea typeface="굴림" charset="-127"/>
+              </a:rPr>
+              <a:t>performed worst</a:t>
+            </a:r>
+            <a:r>
+              <a:rPr lang="en-US" altLang="en-US" sz="1800" dirty="0" smtClean="0">
+                <a:solidFill>
+                  <a:schemeClr val="tx2"/>
+                </a:solidFill>
+                <a:latin typeface="Verdana" panose="020B0604030504040204" pitchFamily="34" charset="0"/>
+                <a:ea typeface="굴림" charset="-127"/>
+              </a:rPr>
+              <a:t>.</a:t>
+            </a:r>
+          </a:p>
+          <a:p>
+            <a:pPr>
+              <a:lnSpc>
+                <a:spcPct val="80000"/>
+              </a:lnSpc>
+            </a:pPr>
+            <a:endParaRPr lang="en-US" altLang="en-US" sz="1800" dirty="0">
               <a:solidFill>
                 <a:schemeClr val="tx2"/>
               </a:solidFill>
@@ -6637,7 +6597,7 @@
                 <a:spcPct val="80000"/>
               </a:lnSpc>
             </a:pPr>
-            <a:endParaRPr lang="en-US" altLang="ko-KR" sz="1800" dirty="0">
+            <a:endParaRPr lang="en-US" altLang="en-US" sz="1800" dirty="0" smtClean="0">
               <a:solidFill>
                 <a:schemeClr val="tx2"/>
               </a:solidFill>
@@ -6651,6 +6611,162 @@
                 <a:spcPct val="80000"/>
               </a:lnSpc>
             </a:pPr>
+            <a:endParaRPr lang="en-US" altLang="en-US" sz="1800" dirty="0">
+              <a:solidFill>
+                <a:schemeClr val="tx2"/>
+              </a:solidFill>
+              <a:latin typeface="Verdana" panose="020B0604030504040204" pitchFamily="34" charset="0"/>
+              <a:ea typeface="굴림" charset="-127"/>
+            </a:endParaRPr>
+          </a:p>
+          <a:p>
+            <a:pPr>
+              <a:lnSpc>
+                <a:spcPct val="80000"/>
+              </a:lnSpc>
+            </a:pPr>
+            <a:endParaRPr lang="en-US" altLang="en-US" sz="1800" dirty="0" smtClean="0">
+              <a:solidFill>
+                <a:schemeClr val="tx2"/>
+              </a:solidFill>
+              <a:latin typeface="Verdana" panose="020B0604030504040204" pitchFamily="34" charset="0"/>
+              <a:ea typeface="굴림" charset="-127"/>
+            </a:endParaRPr>
+          </a:p>
+          <a:p>
+            <a:pPr>
+              <a:lnSpc>
+                <a:spcPct val="80000"/>
+              </a:lnSpc>
+            </a:pPr>
+            <a:endParaRPr lang="en-US" altLang="en-US" sz="1800" dirty="0">
+              <a:solidFill>
+                <a:schemeClr val="tx2"/>
+              </a:solidFill>
+              <a:latin typeface="Verdana" panose="020B0604030504040204" pitchFamily="34" charset="0"/>
+              <a:ea typeface="굴림" charset="-127"/>
+            </a:endParaRPr>
+          </a:p>
+          <a:p>
+            <a:pPr>
+              <a:lnSpc>
+                <a:spcPct val="80000"/>
+              </a:lnSpc>
+            </a:pPr>
+            <a:endParaRPr lang="en-US" altLang="en-US" sz="1800" dirty="0" smtClean="0">
+              <a:solidFill>
+                <a:schemeClr val="tx2"/>
+              </a:solidFill>
+              <a:latin typeface="Verdana" panose="020B0604030504040204" pitchFamily="34" charset="0"/>
+              <a:ea typeface="굴림" charset="-127"/>
+            </a:endParaRPr>
+          </a:p>
+          <a:p>
+            <a:pPr>
+              <a:lnSpc>
+                <a:spcPct val="80000"/>
+              </a:lnSpc>
+            </a:pPr>
+            <a:endParaRPr lang="en-US" altLang="en-US" sz="1800" dirty="0">
+              <a:solidFill>
+                <a:schemeClr val="tx2"/>
+              </a:solidFill>
+              <a:latin typeface="Verdana" panose="020B0604030504040204" pitchFamily="34" charset="0"/>
+              <a:ea typeface="굴림" charset="-127"/>
+            </a:endParaRPr>
+          </a:p>
+          <a:p>
+            <a:pPr>
+              <a:lnSpc>
+                <a:spcPct val="80000"/>
+              </a:lnSpc>
+            </a:pPr>
+            <a:endParaRPr lang="en-US" altLang="en-US" sz="1800" dirty="0" smtClean="0">
+              <a:solidFill>
+                <a:schemeClr val="tx2"/>
+              </a:solidFill>
+              <a:latin typeface="Verdana" panose="020B0604030504040204" pitchFamily="34" charset="0"/>
+              <a:ea typeface="굴림" charset="-127"/>
+            </a:endParaRPr>
+          </a:p>
+          <a:p>
+            <a:pPr>
+              <a:lnSpc>
+                <a:spcPct val="80000"/>
+              </a:lnSpc>
+            </a:pPr>
+            <a:endParaRPr lang="en-US" altLang="en-US" sz="1800" dirty="0">
+              <a:solidFill>
+                <a:schemeClr val="tx2"/>
+              </a:solidFill>
+              <a:latin typeface="Verdana" panose="020B0604030504040204" pitchFamily="34" charset="0"/>
+              <a:ea typeface="굴림" charset="-127"/>
+            </a:endParaRPr>
+          </a:p>
+          <a:p>
+            <a:pPr>
+              <a:lnSpc>
+                <a:spcPct val="80000"/>
+              </a:lnSpc>
+            </a:pPr>
+            <a:endParaRPr lang="en-US" altLang="en-US" sz="1800" dirty="0" smtClean="0">
+              <a:solidFill>
+                <a:schemeClr val="tx2"/>
+              </a:solidFill>
+              <a:latin typeface="Verdana" panose="020B0604030504040204" pitchFamily="34" charset="0"/>
+              <a:ea typeface="굴림" charset="-127"/>
+            </a:endParaRPr>
+          </a:p>
+          <a:p>
+            <a:pPr>
+              <a:lnSpc>
+                <a:spcPct val="80000"/>
+              </a:lnSpc>
+            </a:pPr>
+            <a:endParaRPr lang="en-US" altLang="en-US" sz="1800" dirty="0" smtClean="0">
+              <a:solidFill>
+                <a:schemeClr val="tx2"/>
+              </a:solidFill>
+              <a:latin typeface="Verdana" panose="020B0604030504040204" pitchFamily="34" charset="0"/>
+              <a:ea typeface="굴림" charset="-127"/>
+            </a:endParaRPr>
+          </a:p>
+          <a:p>
+            <a:pPr>
+              <a:lnSpc>
+                <a:spcPct val="80000"/>
+              </a:lnSpc>
+            </a:pPr>
+            <a:r>
+              <a:rPr lang="en-US" altLang="en-US" sz="1800" dirty="0" smtClean="0">
+                <a:solidFill>
+                  <a:schemeClr val="tx2"/>
+                </a:solidFill>
+                <a:latin typeface="Verdana" panose="020B0604030504040204" pitchFamily="34" charset="0"/>
+                <a:ea typeface="굴림" charset="-127"/>
+              </a:rPr>
+              <a:t>The majority of models had R</a:t>
+            </a:r>
+            <a:r>
+              <a:rPr lang="en-US" altLang="en-US" sz="1800" baseline="30000" dirty="0" smtClean="0">
+                <a:solidFill>
+                  <a:schemeClr val="tx2"/>
+                </a:solidFill>
+                <a:latin typeface="Verdana" panose="020B0604030504040204" pitchFamily="34" charset="0"/>
+                <a:ea typeface="굴림" charset="-127"/>
+              </a:rPr>
+              <a:t>2</a:t>
+            </a:r>
+            <a:r>
+              <a:rPr lang="en-US" altLang="en-US" sz="1800" dirty="0" smtClean="0">
+                <a:solidFill>
+                  <a:schemeClr val="tx2"/>
+                </a:solidFill>
+                <a:latin typeface="Verdana" panose="020B0604030504040204" pitchFamily="34" charset="0"/>
+                <a:ea typeface="굴림" charset="-127"/>
+              </a:rPr>
+              <a:t> scores around 0.75.</a:t>
+            </a:r>
             <a:endParaRPr lang="uk-UA" altLang="en-US" sz="1800" dirty="0">
               <a:solidFill>
                 <a:schemeClr val="tx2"/>
@@ -6659,10 +6775,34 @@
           </a:p>
         </p:txBody>
       </p:sp>
+      <p:pic>
+        <p:nvPicPr>
+          <p:cNvPr id="3" name="Picture 2"/>
+          <p:cNvPicPr>
+            <a:picLocks noChangeAspect="1"/>
+          </p:cNvPicPr>
+          <p:nvPr/>
+        </p:nvPicPr>
+        <p:blipFill>
+          <a:blip r:embed="rId2"/>
+          <a:stretch>
+            <a:fillRect/>
+          </a:stretch>
+        </p:blipFill>
+        <p:spPr>
+          <a:xfrm>
+            <a:off x="1249363" y="3284984"/>
+            <a:ext cx="6840760" cy="2928085"/>
+          </a:xfrm>
+          <a:prstGeom prst="rect">
+            <a:avLst/>
+          </a:prstGeom>
+        </p:spPr>
+      </p:pic>
     </p:spTree>
     <p:extLst>
       <p:ext uri="{BB962C8B-B14F-4D97-AF65-F5344CB8AC3E}">
-        <p14:creationId xmlns:p14="http://schemas.microsoft.com/office/powerpoint/2010/main" val="241131964"/>
+        <p14:creationId xmlns:p14="http://schemas.microsoft.com/office/powerpoint/2010/main" val="3288549322"/>
       </p:ext>
     </p:extLst>
   </p:cSld>
@@ -6702,7 +6842,7 @@
         <p:spPr>
           <a:xfrm>
             <a:off x="1547813" y="1700213"/>
-            <a:ext cx="4824387" cy="649287"/>
+            <a:ext cx="4536355" cy="649287"/>
           </a:xfrm>
         </p:spPr>
         <p:txBody>
@@ -6713,7 +6853,7 @@
               <a:rPr lang="en-US" altLang="en-US" sz="3200" b="1" dirty="0" smtClean="0">
                 <a:latin typeface="Tahoma" panose="020B0604030504040204" pitchFamily="34" charset="0"/>
               </a:rPr>
-              <a:t>K-Nearest Neighbors by Body Style</a:t>
+              <a:t>Sedan-Only Results</a:t>
             </a:r>
             <a:endParaRPr lang="uk-UA" altLang="en-US" sz="3200" b="1" dirty="0">
               <a:latin typeface="Tahoma" panose="020B0604030504040204" pitchFamily="34" charset="0"/>
@@ -6760,6 +6900,133 @@
                 <a:spcPct val="80000"/>
               </a:lnSpc>
             </a:pPr>
+            <a:endParaRPr lang="en-US" altLang="ko-KR" sz="1800" dirty="0">
+              <a:solidFill>
+                <a:schemeClr val="tx2"/>
+              </a:solidFill>
+              <a:latin typeface="Verdana" panose="020B0604030504040204" pitchFamily="34" charset="0"/>
+              <a:ea typeface="굴림" charset="-127"/>
+            </a:endParaRPr>
+          </a:p>
+          <a:p>
+            <a:pPr>
+              <a:lnSpc>
+                <a:spcPct val="80000"/>
+              </a:lnSpc>
+            </a:pPr>
+            <a:endParaRPr lang="en-US" altLang="ko-KR" sz="1800" dirty="0" smtClean="0">
+              <a:solidFill>
+                <a:schemeClr val="tx2"/>
+              </a:solidFill>
+              <a:latin typeface="Verdana" panose="020B0604030504040204" pitchFamily="34" charset="0"/>
+              <a:ea typeface="굴림" charset="-127"/>
+            </a:endParaRPr>
+          </a:p>
+          <a:p>
+            <a:pPr>
+              <a:lnSpc>
+                <a:spcPct val="80000"/>
+              </a:lnSpc>
+            </a:pPr>
+            <a:endParaRPr lang="en-US" altLang="ko-KR" sz="1800" dirty="0">
+              <a:solidFill>
+                <a:schemeClr val="tx2"/>
+              </a:solidFill>
+              <a:latin typeface="Verdana" panose="020B0604030504040204" pitchFamily="34" charset="0"/>
+              <a:ea typeface="굴림" charset="-127"/>
+            </a:endParaRPr>
+          </a:p>
+          <a:p>
+            <a:pPr>
+              <a:lnSpc>
+                <a:spcPct val="80000"/>
+              </a:lnSpc>
+            </a:pPr>
+            <a:endParaRPr lang="en-US" altLang="ko-KR" sz="1800" dirty="0" smtClean="0">
+              <a:solidFill>
+                <a:schemeClr val="tx2"/>
+              </a:solidFill>
+              <a:latin typeface="Verdana" panose="020B0604030504040204" pitchFamily="34" charset="0"/>
+              <a:ea typeface="굴림" charset="-127"/>
+            </a:endParaRPr>
+          </a:p>
+          <a:p>
+            <a:pPr>
+              <a:lnSpc>
+                <a:spcPct val="80000"/>
+              </a:lnSpc>
+            </a:pPr>
+            <a:endParaRPr lang="en-US" altLang="ko-KR" sz="1800" dirty="0">
+              <a:solidFill>
+                <a:schemeClr val="tx2"/>
+              </a:solidFill>
+              <a:latin typeface="Verdana" panose="020B0604030504040204" pitchFamily="34" charset="0"/>
+              <a:ea typeface="굴림" charset="-127"/>
+            </a:endParaRPr>
+          </a:p>
+          <a:p>
+            <a:pPr>
+              <a:lnSpc>
+                <a:spcPct val="80000"/>
+              </a:lnSpc>
+            </a:pPr>
+            <a:endParaRPr lang="en-US" altLang="ko-KR" sz="1800" dirty="0" smtClean="0">
+              <a:solidFill>
+                <a:schemeClr val="tx2"/>
+              </a:solidFill>
+              <a:latin typeface="Verdana" panose="020B0604030504040204" pitchFamily="34" charset="0"/>
+              <a:ea typeface="굴림" charset="-127"/>
+            </a:endParaRPr>
+          </a:p>
+          <a:p>
+            <a:pPr>
+              <a:lnSpc>
+                <a:spcPct val="80000"/>
+              </a:lnSpc>
+            </a:pPr>
+            <a:endParaRPr lang="en-US" altLang="ko-KR" sz="1800" dirty="0">
+              <a:solidFill>
+                <a:schemeClr val="tx2"/>
+              </a:solidFill>
+              <a:latin typeface="Verdana" panose="020B0604030504040204" pitchFamily="34" charset="0"/>
+              <a:ea typeface="굴림" charset="-127"/>
+            </a:endParaRPr>
+          </a:p>
+          <a:p>
+            <a:pPr>
+              <a:lnSpc>
+                <a:spcPct val="80000"/>
+              </a:lnSpc>
+            </a:pPr>
+            <a:endParaRPr lang="en-US" altLang="ko-KR" sz="1800" dirty="0" smtClean="0">
+              <a:solidFill>
+                <a:schemeClr val="tx2"/>
+              </a:solidFill>
+              <a:latin typeface="Verdana" panose="020B0604030504040204" pitchFamily="34" charset="0"/>
+              <a:ea typeface="굴림" charset="-127"/>
+            </a:endParaRPr>
+          </a:p>
+          <a:p>
+            <a:pPr>
+              <a:lnSpc>
+                <a:spcPct val="80000"/>
+              </a:lnSpc>
+            </a:pPr>
+            <a:endParaRPr lang="en-US" altLang="ko-KR" sz="1800" dirty="0" smtClean="0">
+              <a:solidFill>
+                <a:schemeClr val="tx2"/>
+              </a:solidFill>
+              <a:latin typeface="Verdana" panose="020B0604030504040204" pitchFamily="34" charset="0"/>
+              <a:ea typeface="굴림" charset="-127"/>
+            </a:endParaRPr>
+          </a:p>
+          <a:p>
+            <a:pPr marL="0" indent="0">
+              <a:lnSpc>
+                <a:spcPct val="80000"/>
+              </a:lnSpc>
+              <a:buNone/>
+            </a:pPr>
             <a:r>
               <a:rPr lang="en-US" altLang="ko-KR" sz="1800" dirty="0" smtClean="0">
                 <a:solidFill>
@@ -6768,9 +7035,143 @@
                 <a:latin typeface="Verdana" panose="020B0604030504040204" pitchFamily="34" charset="0"/>
                 <a:ea typeface="굴림" charset="-127"/>
               </a:rPr>
-              <a:t>Body style did not seem to have a significant impact on the K-Nearest Neighbors model.  The performance of the model was fairly consistent across body styles.</a:t>
-            </a:r>
-            <a:endParaRPr lang="uk-UA" altLang="en-US" sz="1800" dirty="0">
+              <a:t>The R</a:t>
+            </a:r>
+            <a:r>
+              <a:rPr lang="en-US" altLang="ko-KR" sz="1800" baseline="30000" dirty="0" smtClean="0">
+                <a:solidFill>
+                  <a:schemeClr val="tx2"/>
+                </a:solidFill>
+                <a:latin typeface="Verdana" panose="020B0604030504040204" pitchFamily="34" charset="0"/>
+                <a:ea typeface="굴림" charset="-127"/>
+              </a:rPr>
+              <a:t>2</a:t>
+            </a:r>
+            <a:r>
+              <a:rPr lang="en-US" altLang="ko-KR" sz="1800" dirty="0" smtClean="0">
+                <a:solidFill>
+                  <a:schemeClr val="tx2"/>
+                </a:solidFill>
+                <a:latin typeface="Verdana" panose="020B0604030504040204" pitchFamily="34" charset="0"/>
+                <a:ea typeface="굴림" charset="-127"/>
+              </a:rPr>
+              <a:t> </a:t>
+            </a:r>
+            <a:r>
+              <a:rPr lang="en-US" altLang="ko-KR" sz="1800" dirty="0">
+                <a:solidFill>
+                  <a:schemeClr val="tx2"/>
+                </a:solidFill>
+                <a:latin typeface="Verdana" panose="020B0604030504040204" pitchFamily="34" charset="0"/>
+                <a:ea typeface="굴림" charset="-127"/>
+              </a:rPr>
+              <a:t>scores for the models using the sedan-only data set perform similarly to the full data set with a couple of </a:t>
+            </a:r>
+            <a:r>
+              <a:rPr lang="en-US" altLang="ko-KR" sz="1800" dirty="0" smtClean="0">
+                <a:solidFill>
+                  <a:schemeClr val="tx2"/>
+                </a:solidFill>
+                <a:latin typeface="Verdana" panose="020B0604030504040204" pitchFamily="34" charset="0"/>
+                <a:ea typeface="굴림" charset="-127"/>
+              </a:rPr>
+              <a:t>exceptions.</a:t>
+            </a:r>
+          </a:p>
+          <a:p>
+            <a:pPr>
+              <a:lnSpc>
+                <a:spcPct val="80000"/>
+              </a:lnSpc>
+            </a:pPr>
+            <a:r>
+              <a:rPr lang="en-US" altLang="ko-KR" sz="1400" b="0" dirty="0" smtClean="0">
+                <a:solidFill>
+                  <a:schemeClr val="tx2"/>
+                </a:solidFill>
+                <a:latin typeface="Verdana" panose="020B0604030504040204" pitchFamily="34" charset="0"/>
+                <a:ea typeface="굴림" charset="-127"/>
+              </a:rPr>
+              <a:t>Random </a:t>
+            </a:r>
+            <a:r>
+              <a:rPr lang="en-US" altLang="ko-KR" sz="1400" b="0" dirty="0">
+                <a:solidFill>
+                  <a:schemeClr val="tx2"/>
+                </a:solidFill>
+                <a:latin typeface="Verdana" panose="020B0604030504040204" pitchFamily="34" charset="0"/>
+                <a:ea typeface="굴림" charset="-127"/>
+              </a:rPr>
+              <a:t>Forest went from the worst model in the full data set to the third best in the sedan-only data set</a:t>
+            </a:r>
+            <a:r>
+              <a:rPr lang="en-US" altLang="ko-KR" sz="1400" b="0" dirty="0" smtClean="0">
+                <a:solidFill>
+                  <a:schemeClr val="tx2"/>
+                </a:solidFill>
+                <a:latin typeface="Verdana" panose="020B0604030504040204" pitchFamily="34" charset="0"/>
+                <a:ea typeface="굴림" charset="-127"/>
+              </a:rPr>
+              <a:t>.</a:t>
+            </a:r>
+          </a:p>
+          <a:p>
+            <a:pPr>
+              <a:lnSpc>
+                <a:spcPct val="80000"/>
+              </a:lnSpc>
+            </a:pPr>
+            <a:r>
+              <a:rPr lang="en-US" altLang="ko-KR" sz="1400" b="0" dirty="0" smtClean="0">
+                <a:solidFill>
+                  <a:schemeClr val="tx2"/>
+                </a:solidFill>
+                <a:latin typeface="Verdana" panose="020B0604030504040204" pitchFamily="34" charset="0"/>
+                <a:ea typeface="굴림" charset="-127"/>
+              </a:rPr>
+              <a:t>Conversely</a:t>
+            </a:r>
+            <a:r>
+              <a:rPr lang="en-US" altLang="ko-KR" sz="1400" b="0" dirty="0">
+                <a:solidFill>
+                  <a:schemeClr val="tx2"/>
+                </a:solidFill>
+                <a:latin typeface="Verdana" panose="020B0604030504040204" pitchFamily="34" charset="0"/>
+                <a:ea typeface="굴림" charset="-127"/>
+              </a:rPr>
+              <a:t>, Radial Basis </a:t>
+            </a:r>
+            <a:r>
+              <a:rPr lang="en-US" altLang="ko-KR" sz="1400" b="0" dirty="0" smtClean="0">
+                <a:solidFill>
+                  <a:schemeClr val="tx2"/>
+                </a:solidFill>
+                <a:latin typeface="Verdana" panose="020B0604030504040204" pitchFamily="34" charset="0"/>
+                <a:ea typeface="굴림" charset="-127"/>
+              </a:rPr>
+              <a:t>Function </a:t>
+            </a:r>
+            <a:r>
+              <a:rPr lang="en-US" altLang="ko-KR" sz="1400" b="0" dirty="0">
+                <a:solidFill>
+                  <a:schemeClr val="tx2"/>
+                </a:solidFill>
+                <a:latin typeface="Verdana" panose="020B0604030504040204" pitchFamily="34" charset="0"/>
+                <a:ea typeface="굴림" charset="-127"/>
+              </a:rPr>
+              <a:t>Kernel SVR went from the third best model in the full data set to the worst in the sedan-only data </a:t>
+            </a:r>
+            <a:r>
+              <a:rPr lang="en-US" altLang="ko-KR" sz="1400" b="0" dirty="0" smtClean="0">
+                <a:solidFill>
+                  <a:schemeClr val="tx2"/>
+                </a:solidFill>
+                <a:latin typeface="Verdana" panose="020B0604030504040204" pitchFamily="34" charset="0"/>
+                <a:ea typeface="굴림" charset="-127"/>
+              </a:rPr>
+              <a:t>set.</a:t>
+            </a:r>
+            <a:endParaRPr lang="uk-UA" altLang="en-US" sz="1400" b="0" dirty="0">
               <a:solidFill>
                 <a:schemeClr val="tx2"/>
               </a:solidFill>
@@ -6778,10 +7179,34 @@
           </a:p>
         </p:txBody>
       </p:sp>
+      <p:pic>
+        <p:nvPicPr>
+          <p:cNvPr id="2" name="Picture 1"/>
+          <p:cNvPicPr>
+            <a:picLocks noChangeAspect="1"/>
+          </p:cNvPicPr>
+          <p:nvPr/>
+        </p:nvPicPr>
+        <p:blipFill>
+          <a:blip r:embed="rId2"/>
+          <a:stretch>
+            <a:fillRect/>
+          </a:stretch>
+        </p:blipFill>
+        <p:spPr>
+          <a:xfrm>
+            <a:off x="1249363" y="2490918"/>
+            <a:ext cx="6954480" cy="2640844"/>
+          </a:xfrm>
+          <a:prstGeom prst="rect">
+            <a:avLst/>
+          </a:prstGeom>
+        </p:spPr>
+      </p:pic>
     </p:spTree>
     <p:extLst>
       <p:ext uri="{BB962C8B-B14F-4D97-AF65-F5344CB8AC3E}">
-        <p14:creationId xmlns:p14="http://schemas.microsoft.com/office/powerpoint/2010/main" val="2842853077"/>
+        <p14:creationId xmlns:p14="http://schemas.microsoft.com/office/powerpoint/2010/main" val="241131964"/>
       </p:ext>
     </p:extLst>
   </p:cSld>
@@ -6821,7 +7246,7 @@
         <p:spPr>
           <a:xfrm>
             <a:off x="1547813" y="1700213"/>
-            <a:ext cx="2808287" cy="649287"/>
+            <a:ext cx="4824387" cy="649287"/>
           </a:xfrm>
         </p:spPr>
         <p:txBody>
@@ -6832,7 +7257,7 @@
               <a:rPr lang="en-US" altLang="en-US" sz="3200" b="1" dirty="0" smtClean="0">
                 <a:latin typeface="Tahoma" panose="020B0604030504040204" pitchFamily="34" charset="0"/>
               </a:rPr>
-              <a:t>Conclusions</a:t>
+              <a:t>K-Nearest Neighbors by Body Style</a:t>
             </a:r>
             <a:endParaRPr lang="uk-UA" altLang="en-US" sz="3200" b="1" dirty="0">
               <a:latin typeface="Tahoma" panose="020B0604030504040204" pitchFamily="34" charset="0"/>
@@ -6866,183 +7291,301 @@
               </a:lnSpc>
             </a:pPr>
             <a:r>
-              <a:rPr lang="en-US" altLang="ko-KR" sz="1800" dirty="0" smtClean="0">
-                <a:solidFill>
-                  <a:schemeClr val="tx2"/>
-                </a:solidFill>
-                <a:latin typeface="Verdana" panose="020B0604030504040204" pitchFamily="34" charset="0"/>
-                <a:ea typeface="굴림" charset="-127"/>
-              </a:rPr>
-              <a:t>The K-Nearest Neighbors model and the gradient boosting regression performed best in predicting MSRP.  Both had R</a:t>
-            </a:r>
-            <a:r>
-              <a:rPr lang="en-US" altLang="ko-KR" sz="1800" baseline="30000" dirty="0" smtClean="0">
-                <a:solidFill>
-                  <a:schemeClr val="tx2"/>
-                </a:solidFill>
-                <a:latin typeface="Verdana" panose="020B0604030504040204" pitchFamily="34" charset="0"/>
-                <a:ea typeface="굴림" charset="-127"/>
-              </a:rPr>
-              <a:t>2</a:t>
-            </a:r>
-            <a:r>
-              <a:rPr lang="en-US" altLang="ko-KR" sz="1800" dirty="0" smtClean="0">
-                <a:solidFill>
-                  <a:schemeClr val="tx2"/>
-                </a:solidFill>
-                <a:latin typeface="Verdana" panose="020B0604030504040204" pitchFamily="34" charset="0"/>
-                <a:ea typeface="굴림" charset="-127"/>
-              </a:rPr>
-              <a:t> scores around 0.90.</a:t>
-            </a:r>
-          </a:p>
-          <a:p>
-            <a:pPr>
-              <a:lnSpc>
-                <a:spcPct val="80000"/>
-              </a:lnSpc>
-            </a:pPr>
-            <a:r>
-              <a:rPr lang="en-US" altLang="en-US" sz="1800" dirty="0" smtClean="0">
-                <a:solidFill>
-                  <a:schemeClr val="tx2"/>
-                </a:solidFill>
-                <a:latin typeface="Verdana" panose="020B0604030504040204" pitchFamily="34" charset="0"/>
-                <a:ea typeface="굴림" charset="-127"/>
-              </a:rPr>
-              <a:t>Most of the other models had R</a:t>
-            </a:r>
-            <a:r>
-              <a:rPr lang="en-US" altLang="en-US" sz="1800" baseline="30000" dirty="0" smtClean="0">
-                <a:solidFill>
-                  <a:schemeClr val="tx2"/>
-                </a:solidFill>
-                <a:latin typeface="Verdana" panose="020B0604030504040204" pitchFamily="34" charset="0"/>
-                <a:ea typeface="굴림" charset="-127"/>
-              </a:rPr>
-              <a:t>2</a:t>
-            </a:r>
-            <a:r>
-              <a:rPr lang="en-US" altLang="en-US" sz="1800" dirty="0" smtClean="0">
-                <a:solidFill>
-                  <a:schemeClr val="tx2"/>
-                </a:solidFill>
-                <a:latin typeface="Verdana" panose="020B0604030504040204" pitchFamily="34" charset="0"/>
-                <a:ea typeface="굴림" charset="-127"/>
-              </a:rPr>
-              <a:t> values around 0.75.</a:t>
-            </a:r>
-          </a:p>
-          <a:p>
-            <a:pPr>
-              <a:lnSpc>
-                <a:spcPct val="80000"/>
-              </a:lnSpc>
-            </a:pPr>
-            <a:r>
-              <a:rPr lang="en-US" altLang="en-US" sz="1800" dirty="0" smtClean="0">
-                <a:solidFill>
-                  <a:schemeClr val="tx2"/>
-                </a:solidFill>
-                <a:latin typeface="Verdana" panose="020B0604030504040204" pitchFamily="34" charset="0"/>
-                <a:ea typeface="굴림" charset="-127"/>
-              </a:rPr>
-              <a:t>Residuals were consistently normal around 0.</a:t>
-            </a:r>
-          </a:p>
-          <a:p>
-            <a:pPr>
-              <a:lnSpc>
-                <a:spcPct val="80000"/>
-              </a:lnSpc>
-            </a:pPr>
-            <a:endParaRPr lang="en-US" altLang="en-US" sz="1800" dirty="0" smtClean="0">
+              <a:rPr lang="en-US" altLang="ko-KR" sz="1600" dirty="0" smtClean="0">
+                <a:solidFill>
+                  <a:schemeClr val="tx2"/>
+                </a:solidFill>
+                <a:latin typeface="Verdana" panose="020B0604030504040204" pitchFamily="34" charset="0"/>
+                <a:ea typeface="Verdana" panose="020B0604030504040204" pitchFamily="34" charset="0"/>
+              </a:rPr>
+              <a:t>Body </a:t>
+            </a:r>
+            <a:r>
+              <a:rPr lang="en-US" altLang="ko-KR" sz="1600" dirty="0" smtClean="0">
+                <a:solidFill>
+                  <a:schemeClr val="tx2"/>
+                </a:solidFill>
+                <a:latin typeface="Verdana" panose="020B0604030504040204" pitchFamily="34" charset="0"/>
+                <a:ea typeface="Verdana" panose="020B0604030504040204" pitchFamily="34" charset="0"/>
+              </a:rPr>
+              <a:t>style did not seem to have a significant impact on the K-Nearest Neighbors model</a:t>
+            </a:r>
+            <a:r>
+              <a:rPr lang="en-US" altLang="ko-KR" sz="1600" dirty="0" smtClean="0">
+                <a:solidFill>
+                  <a:schemeClr val="tx2"/>
+                </a:solidFill>
+                <a:latin typeface="Verdana" panose="020B0604030504040204" pitchFamily="34" charset="0"/>
+                <a:ea typeface="Verdana" panose="020B0604030504040204" pitchFamily="34" charset="0"/>
+              </a:rPr>
+              <a:t>.</a:t>
+            </a:r>
+          </a:p>
+          <a:p>
+            <a:pPr>
+              <a:lnSpc>
+                <a:spcPct val="80000"/>
+              </a:lnSpc>
+            </a:pPr>
+            <a:r>
+              <a:rPr lang="en-US" altLang="en-US" sz="1600" dirty="0">
+                <a:solidFill>
+                  <a:schemeClr val="tx2"/>
+                </a:solidFill>
+                <a:latin typeface="Verdana" panose="020B0604030504040204" pitchFamily="34" charset="0"/>
+                <a:ea typeface="Verdana" panose="020B0604030504040204" pitchFamily="34" charset="0"/>
+              </a:rPr>
+              <a:t>Although the 95% confidence intervals for the individual body styles significantly increased, the means all remained over 0.82</a:t>
+            </a:r>
+            <a:r>
+              <a:rPr lang="en-US" altLang="en-US" sz="1600" dirty="0" smtClean="0">
+                <a:solidFill>
+                  <a:schemeClr val="tx2"/>
+                </a:solidFill>
+                <a:latin typeface="Verdana" panose="020B0604030504040204" pitchFamily="34" charset="0"/>
+                <a:ea typeface="Verdana" panose="020B0604030504040204" pitchFamily="34" charset="0"/>
+              </a:rPr>
+              <a:t>.</a:t>
+            </a:r>
+          </a:p>
+          <a:p>
+            <a:pPr>
+              <a:lnSpc>
+                <a:spcPct val="80000"/>
+              </a:lnSpc>
+            </a:pPr>
+            <a:endParaRPr lang="en-US" altLang="en-US" sz="1600" dirty="0" smtClean="0">
               <a:solidFill>
                 <a:schemeClr val="tx2"/>
               </a:solidFill>
               <a:latin typeface="Verdana" panose="020B0604030504040204" pitchFamily="34" charset="0"/>
-              <a:ea typeface="굴림" charset="-127"/>
-            </a:endParaRPr>
-          </a:p>
-          <a:p>
-            <a:pPr>
-              <a:lnSpc>
-                <a:spcPct val="80000"/>
-              </a:lnSpc>
-            </a:pPr>
-            <a:r>
-              <a:rPr lang="en-US" altLang="en-US" sz="1800" dirty="0" smtClean="0">
-                <a:solidFill>
-                  <a:schemeClr val="tx2"/>
-                </a:solidFill>
-                <a:latin typeface="Verdana" panose="020B0604030504040204" pitchFamily="34" charset="0"/>
-                <a:ea typeface="굴림" charset="-127"/>
-              </a:rPr>
-              <a:t>Body style was tested in two ways to determine whether it was significant:</a:t>
-            </a:r>
-          </a:p>
-          <a:p>
-            <a:pPr lvl="1">
-              <a:lnSpc>
-                <a:spcPct val="80000"/>
-              </a:lnSpc>
-            </a:pPr>
-            <a:r>
-              <a:rPr lang="en-US" altLang="en-US" sz="1400" dirty="0" smtClean="0">
-                <a:solidFill>
-                  <a:schemeClr val="tx2"/>
-                </a:solidFill>
-                <a:latin typeface="Verdana" panose="020B0604030504040204" pitchFamily="34" charset="0"/>
-                <a:ea typeface="굴림" charset="-127"/>
-              </a:rPr>
-              <a:t>A subset of only sedans was used to run each of the individual models.</a:t>
-            </a:r>
-          </a:p>
-          <a:p>
-            <a:pPr lvl="1">
-              <a:lnSpc>
-                <a:spcPct val="80000"/>
-              </a:lnSpc>
-            </a:pPr>
-            <a:r>
-              <a:rPr lang="en-US" altLang="en-US" sz="1400" dirty="0" smtClean="0">
-                <a:solidFill>
-                  <a:schemeClr val="tx2"/>
-                </a:solidFill>
-                <a:latin typeface="Verdana" panose="020B0604030504040204" pitchFamily="34" charset="0"/>
-                <a:ea typeface="굴림" charset="-127"/>
-              </a:rPr>
-              <a:t>The K-Nearest Neighbors model was applied on subsets of each individual body style.</a:t>
-            </a:r>
-          </a:p>
-          <a:p>
-            <a:pPr>
-              <a:lnSpc>
-                <a:spcPct val="80000"/>
-              </a:lnSpc>
-            </a:pPr>
-            <a:r>
-              <a:rPr lang="en-US" altLang="en-US" sz="1800" dirty="0" smtClean="0">
-                <a:solidFill>
-                  <a:schemeClr val="tx2"/>
-                </a:solidFill>
-                <a:latin typeface="Verdana" panose="020B0604030504040204" pitchFamily="34" charset="0"/>
-                <a:ea typeface="굴림" charset="-127"/>
-              </a:rPr>
-              <a:t>There was no evidence that body style affected MSRP.</a:t>
-            </a:r>
-            <a:endParaRPr lang="uk-UA" altLang="en-US" sz="1800" dirty="0">
-              <a:solidFill>
-                <a:schemeClr val="tx2"/>
-              </a:solidFill>
+              <a:ea typeface="Verdana" panose="020B0604030504040204" pitchFamily="34" charset="0"/>
+            </a:endParaRPr>
+          </a:p>
+          <a:p>
+            <a:pPr>
+              <a:lnSpc>
+                <a:spcPct val="80000"/>
+              </a:lnSpc>
+            </a:pPr>
+            <a:endParaRPr lang="en-US" altLang="en-US" sz="1600" dirty="0">
+              <a:solidFill>
+                <a:schemeClr val="tx2"/>
+              </a:solidFill>
+              <a:latin typeface="Verdana" panose="020B0604030504040204" pitchFamily="34" charset="0"/>
+              <a:ea typeface="Verdana" panose="020B0604030504040204" pitchFamily="34" charset="0"/>
+            </a:endParaRPr>
+          </a:p>
+          <a:p>
+            <a:pPr>
+              <a:lnSpc>
+                <a:spcPct val="80000"/>
+              </a:lnSpc>
+            </a:pPr>
+            <a:endParaRPr lang="en-US" altLang="en-US" sz="1600" dirty="0" smtClean="0">
+              <a:solidFill>
+                <a:schemeClr val="tx2"/>
+              </a:solidFill>
+              <a:latin typeface="Verdana" panose="020B0604030504040204" pitchFamily="34" charset="0"/>
+              <a:ea typeface="Verdana" panose="020B0604030504040204" pitchFamily="34" charset="0"/>
+            </a:endParaRPr>
+          </a:p>
+          <a:p>
+            <a:pPr>
+              <a:lnSpc>
+                <a:spcPct val="80000"/>
+              </a:lnSpc>
+            </a:pPr>
+            <a:endParaRPr lang="en-US" altLang="en-US" sz="1600" dirty="0">
+              <a:solidFill>
+                <a:schemeClr val="tx2"/>
+              </a:solidFill>
+              <a:latin typeface="Verdana" panose="020B0604030504040204" pitchFamily="34" charset="0"/>
+              <a:ea typeface="Verdana" panose="020B0604030504040204" pitchFamily="34" charset="0"/>
+            </a:endParaRPr>
+          </a:p>
+          <a:p>
+            <a:pPr>
+              <a:lnSpc>
+                <a:spcPct val="80000"/>
+              </a:lnSpc>
+            </a:pPr>
+            <a:endParaRPr lang="en-US" altLang="en-US" sz="1600" dirty="0" smtClean="0">
+              <a:solidFill>
+                <a:schemeClr val="tx2"/>
+              </a:solidFill>
+              <a:latin typeface="Verdana" panose="020B0604030504040204" pitchFamily="34" charset="0"/>
+              <a:ea typeface="Verdana" panose="020B0604030504040204" pitchFamily="34" charset="0"/>
+            </a:endParaRPr>
+          </a:p>
+          <a:p>
+            <a:pPr>
+              <a:lnSpc>
+                <a:spcPct val="80000"/>
+              </a:lnSpc>
+            </a:pPr>
+            <a:endParaRPr lang="en-US" altLang="en-US" sz="1600" dirty="0">
+              <a:solidFill>
+                <a:schemeClr val="tx2"/>
+              </a:solidFill>
+              <a:latin typeface="Verdana" panose="020B0604030504040204" pitchFamily="34" charset="0"/>
+              <a:ea typeface="Verdana" panose="020B0604030504040204" pitchFamily="34" charset="0"/>
+            </a:endParaRPr>
+          </a:p>
+          <a:p>
+            <a:pPr>
+              <a:lnSpc>
+                <a:spcPct val="80000"/>
+              </a:lnSpc>
+            </a:pPr>
+            <a:endParaRPr lang="en-US" altLang="en-US" sz="1600" dirty="0" smtClean="0">
+              <a:solidFill>
+                <a:schemeClr val="tx2"/>
+              </a:solidFill>
+              <a:latin typeface="Verdana" panose="020B0604030504040204" pitchFamily="34" charset="0"/>
+              <a:ea typeface="Verdana" panose="020B0604030504040204" pitchFamily="34" charset="0"/>
+            </a:endParaRPr>
+          </a:p>
+          <a:p>
+            <a:pPr>
+              <a:lnSpc>
+                <a:spcPct val="80000"/>
+              </a:lnSpc>
+            </a:pPr>
+            <a:endParaRPr lang="en-US" altLang="en-US" sz="1600" dirty="0">
+              <a:solidFill>
+                <a:schemeClr val="tx2"/>
+              </a:solidFill>
+              <a:latin typeface="Verdana" panose="020B0604030504040204" pitchFamily="34" charset="0"/>
+              <a:ea typeface="Verdana" panose="020B0604030504040204" pitchFamily="34" charset="0"/>
+            </a:endParaRPr>
+          </a:p>
+          <a:p>
+            <a:pPr>
+              <a:lnSpc>
+                <a:spcPct val="80000"/>
+              </a:lnSpc>
+            </a:pPr>
+            <a:endParaRPr lang="en-US" altLang="en-US" sz="1600" dirty="0" smtClean="0">
+              <a:solidFill>
+                <a:schemeClr val="tx2"/>
+              </a:solidFill>
+              <a:latin typeface="Verdana" panose="020B0604030504040204" pitchFamily="34" charset="0"/>
+              <a:ea typeface="Verdana" panose="020B0604030504040204" pitchFamily="34" charset="0"/>
+            </a:endParaRPr>
+          </a:p>
+          <a:p>
+            <a:pPr>
+              <a:lnSpc>
+                <a:spcPct val="80000"/>
+              </a:lnSpc>
+            </a:pPr>
+            <a:endParaRPr lang="en-US" altLang="en-US" sz="1600" dirty="0" smtClean="0">
+              <a:solidFill>
+                <a:schemeClr val="tx2"/>
+              </a:solidFill>
+              <a:latin typeface="Verdana" panose="020B0604030504040204" pitchFamily="34" charset="0"/>
+              <a:ea typeface="Verdana" panose="020B0604030504040204" pitchFamily="34" charset="0"/>
+            </a:endParaRPr>
+          </a:p>
+          <a:p>
+            <a:pPr>
+              <a:lnSpc>
+                <a:spcPct val="80000"/>
+              </a:lnSpc>
+            </a:pPr>
+            <a:endParaRPr lang="en-US" altLang="en-US" sz="1600" dirty="0">
+              <a:solidFill>
+                <a:schemeClr val="tx2"/>
+              </a:solidFill>
+              <a:latin typeface="Verdana" panose="020B0604030504040204" pitchFamily="34" charset="0"/>
+              <a:ea typeface="Verdana" panose="020B0604030504040204" pitchFamily="34" charset="0"/>
+            </a:endParaRPr>
+          </a:p>
+          <a:p>
+            <a:pPr>
+              <a:lnSpc>
+                <a:spcPct val="80000"/>
+              </a:lnSpc>
+            </a:pPr>
+            <a:r>
+              <a:rPr lang="en-US" altLang="en-US" sz="1600" dirty="0" smtClean="0">
+                <a:solidFill>
+                  <a:schemeClr val="tx2"/>
+                </a:solidFill>
+                <a:latin typeface="Verdana" panose="020B0604030504040204" pitchFamily="34" charset="0"/>
+                <a:ea typeface="Verdana" panose="020B0604030504040204" pitchFamily="34" charset="0"/>
+              </a:rPr>
+              <a:t>Coupes </a:t>
+            </a:r>
+            <a:r>
+              <a:rPr lang="en-US" altLang="en-US" sz="1600" dirty="0">
+                <a:solidFill>
+                  <a:schemeClr val="tx2"/>
+                </a:solidFill>
+                <a:latin typeface="Verdana" panose="020B0604030504040204" pitchFamily="34" charset="0"/>
+                <a:ea typeface="Verdana" panose="020B0604030504040204" pitchFamily="34" charset="0"/>
+              </a:rPr>
+              <a:t>and station wagons have the widest </a:t>
+            </a:r>
+            <a:r>
+              <a:rPr lang="en-US" altLang="en-US" sz="1600" dirty="0" smtClean="0">
+                <a:solidFill>
+                  <a:schemeClr val="tx2"/>
+                </a:solidFill>
+                <a:latin typeface="Verdana" panose="020B0604030504040204" pitchFamily="34" charset="0"/>
+                <a:ea typeface="Verdana" panose="020B0604030504040204" pitchFamily="34" charset="0"/>
+              </a:rPr>
+              <a:t>IQRs with some extreme outliers but account </a:t>
+            </a:r>
+            <a:r>
+              <a:rPr lang="en-US" altLang="en-US" sz="1600" dirty="0">
+                <a:solidFill>
+                  <a:schemeClr val="tx2"/>
+                </a:solidFill>
+                <a:latin typeface="Verdana" panose="020B0604030504040204" pitchFamily="34" charset="0"/>
+                <a:ea typeface="Verdana" panose="020B0604030504040204" pitchFamily="34" charset="0"/>
+              </a:rPr>
+              <a:t>for the smallest number of vehicles at 3.9% and 2.9% of total vehicles, respectively.</a:t>
+            </a:r>
+            <a:endParaRPr lang="uk-UA" altLang="en-US" sz="1600" dirty="0">
+              <a:solidFill>
+                <a:schemeClr val="tx2"/>
+              </a:solidFill>
+              <a:latin typeface="Verdana" panose="020B0604030504040204" pitchFamily="34" charset="0"/>
+              <a:ea typeface="Verdana" panose="020B0604030504040204" pitchFamily="34" charset="0"/>
             </a:endParaRPr>
           </a:p>
         </p:txBody>
       </p:sp>
+      <p:pic>
+        <p:nvPicPr>
+          <p:cNvPr id="2" name="Picture 1"/>
+          <p:cNvPicPr>
+            <a:picLocks noChangeAspect="1"/>
+          </p:cNvPicPr>
+          <p:nvPr/>
+        </p:nvPicPr>
+        <p:blipFill>
+          <a:blip r:embed="rId2"/>
+          <a:stretch>
+            <a:fillRect/>
+          </a:stretch>
+        </p:blipFill>
+        <p:spPr>
+          <a:xfrm>
+            <a:off x="2411760" y="3429000"/>
+            <a:ext cx="4703200" cy="2585252"/>
+          </a:xfrm>
+          <a:prstGeom prst="rect">
+            <a:avLst/>
+          </a:prstGeom>
+        </p:spPr>
+      </p:pic>
     </p:spTree>
     <p:extLst>
       <p:ext uri="{BB962C8B-B14F-4D97-AF65-F5344CB8AC3E}">
-        <p14:creationId xmlns:p14="http://schemas.microsoft.com/office/powerpoint/2010/main" val="2078271869"/>
+        <p14:creationId xmlns:p14="http://schemas.microsoft.com/office/powerpoint/2010/main" val="2842853077"/>
       </p:ext>
     </p:extLst>
   </p:cSld>
@@ -7082,6 +7625,287 @@
         <p:spPr>
           <a:xfrm>
             <a:off x="1547813" y="1700213"/>
+            <a:ext cx="2808287" cy="649287"/>
+          </a:xfrm>
+        </p:spPr>
+        <p:txBody>
+          <a:bodyPr/>
+          <a:lstStyle/>
+          <a:p>
+            <a:r>
+              <a:rPr lang="en-US" altLang="en-US" sz="3200" b="1" dirty="0" smtClean="0">
+                <a:latin typeface="Tahoma" panose="020B0604030504040204" pitchFamily="34" charset="0"/>
+              </a:rPr>
+              <a:t>Conclusions</a:t>
+            </a:r>
+            <a:endParaRPr lang="uk-UA" altLang="en-US" sz="3200" b="1" dirty="0">
+              <a:latin typeface="Tahoma" panose="020B0604030504040204" pitchFamily="34" charset="0"/>
+            </a:endParaRPr>
+          </a:p>
+        </p:txBody>
+      </p:sp>
+      <p:sp>
+        <p:nvSpPr>
+          <p:cNvPr id="36867" name="Rectangle 3"/>
+          <p:cNvSpPr>
+            <a:spLocks noGrp="1" noChangeArrowheads="1"/>
+          </p:cNvSpPr>
+          <p:nvPr>
+            <p:ph type="body" idx="1"/>
+          </p:nvPr>
+        </p:nvSpPr>
+        <p:spPr>
+          <a:xfrm>
+            <a:off x="1249363" y="2492375"/>
+            <a:ext cx="7499350" cy="3959225"/>
+          </a:xfrm>
+        </p:spPr>
+        <p:txBody>
+          <a:bodyPr/>
+          <a:lstStyle/>
+          <a:p>
+            <a:pPr>
+              <a:lnSpc>
+                <a:spcPct val="80000"/>
+              </a:lnSpc>
+            </a:pPr>
+            <a:r>
+              <a:rPr lang="en-US" altLang="ko-KR" sz="1800" dirty="0" smtClean="0">
+                <a:solidFill>
+                  <a:schemeClr val="tx2"/>
+                </a:solidFill>
+                <a:latin typeface="Verdana" panose="020B0604030504040204" pitchFamily="34" charset="0"/>
+                <a:ea typeface="굴림" charset="-127"/>
+              </a:rPr>
+              <a:t>The K-Nearest Neighbors model and the </a:t>
+            </a:r>
+            <a:r>
+              <a:rPr lang="en-US" altLang="ko-KR" sz="1800" dirty="0" smtClean="0">
+                <a:solidFill>
+                  <a:schemeClr val="tx2"/>
+                </a:solidFill>
+                <a:latin typeface="Verdana" panose="020B0604030504040204" pitchFamily="34" charset="0"/>
+                <a:ea typeface="굴림" charset="-127"/>
+              </a:rPr>
+              <a:t>Gradient Boosting </a:t>
+            </a:r>
+            <a:r>
+              <a:rPr lang="en-US" altLang="ko-KR" sz="1800" dirty="0" smtClean="0">
+                <a:solidFill>
+                  <a:schemeClr val="tx2"/>
+                </a:solidFill>
+                <a:latin typeface="Verdana" panose="020B0604030504040204" pitchFamily="34" charset="0"/>
+                <a:ea typeface="굴림" charset="-127"/>
+              </a:rPr>
+              <a:t>regression performed best in predicting MSRP.  Both had R</a:t>
+            </a:r>
+            <a:r>
+              <a:rPr lang="en-US" altLang="ko-KR" sz="1800" baseline="30000" dirty="0" smtClean="0">
+                <a:solidFill>
+                  <a:schemeClr val="tx2"/>
+                </a:solidFill>
+                <a:latin typeface="Verdana" panose="020B0604030504040204" pitchFamily="34" charset="0"/>
+                <a:ea typeface="굴림" charset="-127"/>
+              </a:rPr>
+              <a:t>2</a:t>
+            </a:r>
+            <a:r>
+              <a:rPr lang="en-US" altLang="ko-KR" sz="1800" dirty="0" smtClean="0">
+                <a:solidFill>
+                  <a:schemeClr val="tx2"/>
+                </a:solidFill>
+                <a:latin typeface="Verdana" panose="020B0604030504040204" pitchFamily="34" charset="0"/>
+                <a:ea typeface="굴림" charset="-127"/>
+              </a:rPr>
+              <a:t> scores around 0.90.</a:t>
+            </a:r>
+          </a:p>
+          <a:p>
+            <a:pPr>
+              <a:lnSpc>
+                <a:spcPct val="80000"/>
+              </a:lnSpc>
+            </a:pPr>
+            <a:r>
+              <a:rPr lang="en-US" altLang="en-US" sz="1800" dirty="0" smtClean="0">
+                <a:solidFill>
+                  <a:schemeClr val="tx2"/>
+                </a:solidFill>
+                <a:latin typeface="Verdana" panose="020B0604030504040204" pitchFamily="34" charset="0"/>
+                <a:ea typeface="굴림" charset="-127"/>
+              </a:rPr>
+              <a:t>Most of the other models had R</a:t>
+            </a:r>
+            <a:r>
+              <a:rPr lang="en-US" altLang="en-US" sz="1800" baseline="30000" dirty="0" smtClean="0">
+                <a:solidFill>
+                  <a:schemeClr val="tx2"/>
+                </a:solidFill>
+                <a:latin typeface="Verdana" panose="020B0604030504040204" pitchFamily="34" charset="0"/>
+                <a:ea typeface="굴림" charset="-127"/>
+              </a:rPr>
+              <a:t>2</a:t>
+            </a:r>
+            <a:r>
+              <a:rPr lang="en-US" altLang="en-US" sz="1800" dirty="0" smtClean="0">
+                <a:solidFill>
+                  <a:schemeClr val="tx2"/>
+                </a:solidFill>
+                <a:latin typeface="Verdana" panose="020B0604030504040204" pitchFamily="34" charset="0"/>
+                <a:ea typeface="굴림" charset="-127"/>
+              </a:rPr>
+              <a:t> values around 0.75.</a:t>
+            </a:r>
+          </a:p>
+          <a:p>
+            <a:pPr>
+              <a:lnSpc>
+                <a:spcPct val="80000"/>
+              </a:lnSpc>
+            </a:pPr>
+            <a:r>
+              <a:rPr lang="en-US" altLang="en-US" sz="1800" dirty="0" smtClean="0">
+                <a:solidFill>
+                  <a:schemeClr val="tx2"/>
+                </a:solidFill>
+                <a:latin typeface="Verdana" panose="020B0604030504040204" pitchFamily="34" charset="0"/>
+                <a:ea typeface="굴림" charset="-127"/>
+              </a:rPr>
+              <a:t>Residuals were consistently normal around 0.</a:t>
+            </a:r>
+          </a:p>
+          <a:p>
+            <a:pPr>
+              <a:lnSpc>
+                <a:spcPct val="80000"/>
+              </a:lnSpc>
+            </a:pPr>
+            <a:endParaRPr lang="en-US" altLang="en-US" sz="1800" dirty="0" smtClean="0">
+              <a:solidFill>
+                <a:schemeClr val="tx2"/>
+              </a:solidFill>
+              <a:latin typeface="Verdana" panose="020B0604030504040204" pitchFamily="34" charset="0"/>
+              <a:ea typeface="굴림" charset="-127"/>
+            </a:endParaRPr>
+          </a:p>
+          <a:p>
+            <a:pPr>
+              <a:lnSpc>
+                <a:spcPct val="80000"/>
+              </a:lnSpc>
+            </a:pPr>
+            <a:r>
+              <a:rPr lang="en-US" altLang="en-US" sz="1800" dirty="0" smtClean="0">
+                <a:solidFill>
+                  <a:schemeClr val="tx2"/>
+                </a:solidFill>
+                <a:latin typeface="Verdana" panose="020B0604030504040204" pitchFamily="34" charset="0"/>
+                <a:ea typeface="굴림" charset="-127"/>
+              </a:rPr>
+              <a:t>Body style was tested in two ways to determine whether it was significant:</a:t>
+            </a:r>
+          </a:p>
+          <a:p>
+            <a:pPr lvl="1">
+              <a:lnSpc>
+                <a:spcPct val="80000"/>
+              </a:lnSpc>
+            </a:pPr>
+            <a:r>
+              <a:rPr lang="en-US" altLang="en-US" sz="1400" b="0" dirty="0" smtClean="0">
+                <a:solidFill>
+                  <a:schemeClr val="tx2"/>
+                </a:solidFill>
+                <a:latin typeface="Verdana" panose="020B0604030504040204" pitchFamily="34" charset="0"/>
+                <a:ea typeface="굴림" charset="-127"/>
+              </a:rPr>
+              <a:t>A subset of only sedans was used to run each of the individual models.</a:t>
+            </a:r>
+          </a:p>
+          <a:p>
+            <a:pPr lvl="1">
+              <a:lnSpc>
+                <a:spcPct val="80000"/>
+              </a:lnSpc>
+            </a:pPr>
+            <a:r>
+              <a:rPr lang="en-US" altLang="en-US" sz="1400" b="0" dirty="0" smtClean="0">
+                <a:solidFill>
+                  <a:schemeClr val="tx2"/>
+                </a:solidFill>
+                <a:latin typeface="Verdana" panose="020B0604030504040204" pitchFamily="34" charset="0"/>
+                <a:ea typeface="굴림" charset="-127"/>
+              </a:rPr>
+              <a:t>The K-Nearest Neighbors model was applied on subsets of each individual body style.</a:t>
+            </a:r>
+          </a:p>
+          <a:p>
+            <a:pPr>
+              <a:lnSpc>
+                <a:spcPct val="80000"/>
+              </a:lnSpc>
+            </a:pPr>
+            <a:r>
+              <a:rPr lang="en-US" altLang="en-US" sz="1800" dirty="0" smtClean="0">
+                <a:solidFill>
+                  <a:schemeClr val="tx2"/>
+                </a:solidFill>
+                <a:latin typeface="Verdana" panose="020B0604030504040204" pitchFamily="34" charset="0"/>
+                <a:ea typeface="굴림" charset="-127"/>
+              </a:rPr>
+              <a:t>There was no evidence that body style affected MSRP.</a:t>
+            </a:r>
+            <a:endParaRPr lang="uk-UA" altLang="en-US" sz="1800" dirty="0">
+              <a:solidFill>
+                <a:schemeClr val="tx2"/>
+              </a:solidFill>
+            </a:endParaRPr>
+          </a:p>
+        </p:txBody>
+      </p:sp>
+    </p:spTree>
+    <p:extLst>
+      <p:ext uri="{BB962C8B-B14F-4D97-AF65-F5344CB8AC3E}">
+        <p14:creationId xmlns:p14="http://schemas.microsoft.com/office/powerpoint/2010/main" val="2078271869"/>
+      </p:ext>
+    </p:extLst>
+  </p:cSld>
+  <p:clrMapOvr>
+    <a:masterClrMapping/>
+  </p:clrMapOvr>
+</p:sld>
+</file>
+
+<file path=ppt/slides/slide28.xml><?xml version="1.0" encoding="utf-8"?>
+<p:sld xmlns:a="http://schemas.openxmlformats.org/drawingml/2006/main" xmlns:r="http://schemas.openxmlformats.org/officeDocument/2006/relationships" xmlns:p="http://schemas.openxmlformats.org/presentationml/2006/main">
+  <p:cSld>
+    <p:spTree>
+      <p:nvGrpSpPr>
+        <p:cNvPr id="1" name=""/>
+        <p:cNvGrpSpPr/>
+        <p:nvPr/>
+      </p:nvGrpSpPr>
+      <p:grpSpPr>
+        <a:xfrm>
+          <a:off x="0" y="0"/>
+          <a:ext cx="0" cy="0"/>
+          <a:chOff x="0" y="0"/>
+          <a:chExt cx="0" cy="0"/>
+        </a:xfrm>
+      </p:grpSpPr>
+      <p:sp>
+        <p:nvSpPr>
+          <p:cNvPr id="36866" name="Rectangle 2"/>
+          <p:cNvSpPr>
+            <a:spLocks noGrp="1" noChangeArrowheads="1"/>
+          </p:cNvSpPr>
+          <p:nvPr>
+            <p:ph type="title"/>
+          </p:nvPr>
+        </p:nvSpPr>
+        <p:spPr>
+          <a:xfrm>
+            <a:off x="1547813" y="1700213"/>
             <a:ext cx="3672259" cy="649287"/>
           </a:xfrm>
         </p:spPr>
@@ -7190,7 +8014,7 @@
 </p:sld>
 </file>
 
-<file path=ppt/slides/slide28.xml><?xml version="1.0" encoding="utf-8"?>
+<file path=ppt/slides/slide29.xml><?xml version="1.0" encoding="utf-8"?>
 <p:sld xmlns:a="http://schemas.openxmlformats.org/drawingml/2006/main" xmlns:r="http://schemas.openxmlformats.org/officeDocument/2006/relationships" xmlns:p="http://schemas.openxmlformats.org/presentationml/2006/main">
   <p:cSld>
     <p:spTree>
@@ -7593,27 +8417,7 @@
                 <a:latin typeface="Verdana" panose="020B0604030504040204" pitchFamily="34" charset="0"/>
                 <a:ea typeface="굴림" charset="-127"/>
               </a:rPr>
-              <a:t>-learn toolbox were used to determine optimal </a:t>
-            </a:r>
-            <a:r>
-              <a:rPr lang="en-US" altLang="ko-KR" sz="1700" dirty="0" smtClean="0">
-                <a:solidFill>
-                  <a:schemeClr val="tx2"/>
-                </a:solidFill>
-                <a:latin typeface="Verdana" panose="020B0604030504040204" pitchFamily="34" charset="0"/>
-                <a:ea typeface="굴림" charset="-127"/>
-              </a:rPr>
-              <a:t>hyper-parameter </a:t>
-            </a:r>
-            <a:r>
-              <a:rPr lang="en-US" altLang="ko-KR" sz="1700" dirty="0" smtClean="0">
-                <a:solidFill>
-                  <a:schemeClr val="tx2"/>
-                </a:solidFill>
-                <a:latin typeface="Verdana" panose="020B0604030504040204" pitchFamily="34" charset="0"/>
-                <a:ea typeface="굴림" charset="-127"/>
-              </a:rPr>
-              <a:t>sets.</a:t>
+              <a:t>-learn toolbox were used to determine optimal hyper-parameter sets.</a:t>
             </a:r>
           </a:p>
           <a:p>
@@ -7644,27 +8448,7 @@
                 <a:latin typeface="Verdana" panose="020B0604030504040204" pitchFamily="34" charset="0"/>
                 <a:ea typeface="굴림" charset="-127"/>
               </a:rPr>
-              <a:t>Once optimal </a:t>
-            </a:r>
-            <a:r>
-              <a:rPr lang="en-US" altLang="ko-KR" sz="1700" dirty="0" smtClean="0">
-                <a:solidFill>
-                  <a:schemeClr val="tx2"/>
-                </a:solidFill>
-                <a:latin typeface="Verdana" panose="020B0604030504040204" pitchFamily="34" charset="0"/>
-                <a:ea typeface="굴림" charset="-127"/>
-              </a:rPr>
-              <a:t>hyper-parameter </a:t>
-            </a:r>
-            <a:r>
-              <a:rPr lang="en-US" altLang="ko-KR" sz="1700" dirty="0" smtClean="0">
-                <a:solidFill>
-                  <a:schemeClr val="tx2"/>
-                </a:solidFill>
-                <a:latin typeface="Verdana" panose="020B0604030504040204" pitchFamily="34" charset="0"/>
-                <a:ea typeface="굴림" charset="-127"/>
-              </a:rPr>
-              <a:t>sets were found, cross validation was performed on the best estimators for each model comparing the training set, test set and full set of data to compare R</a:t>
+              <a:t>Once optimal hyper-parameter sets were found, cross validation was performed on the best estimators for each model comparing the training set, test set and full set of data to compare R</a:t>
             </a:r>
             <a:r>
               <a:rPr lang="en-US" altLang="ko-KR" sz="1700" baseline="30000" dirty="0" smtClean="0">
@@ -7746,17 +8530,7 @@
                 <a:latin typeface="Verdana" panose="020B0604030504040204" pitchFamily="34" charset="0"/>
                 <a:ea typeface="굴림" charset="-127"/>
               </a:rPr>
-              <a:t>The K-Nearest Neighbors model was run on individual body styles</a:t>
-            </a:r>
-            <a:r>
-              <a:rPr lang="en-US" altLang="en-US" sz="1700" dirty="0" smtClean="0">
-                <a:solidFill>
-                  <a:schemeClr val="tx2"/>
-                </a:solidFill>
-                <a:latin typeface="Verdana" panose="020B0604030504040204" pitchFamily="34" charset="0"/>
-                <a:ea typeface="굴림" charset="-127"/>
-              </a:rPr>
-              <a:t>.  It was chosen as the best performing model.</a:t>
+              <a:t>The K-Nearest Neighbors model was run on individual body styles.  It was chosen as the best performing model.</a:t>
             </a:r>
             <a:endParaRPr lang="uk-UA" altLang="en-US" sz="1700" dirty="0">
               <a:solidFill>
@@ -7921,27 +8695,7 @@
                 <a:latin typeface="Verdana" panose="020B0604030504040204" pitchFamily="34" charset="0"/>
                 <a:ea typeface="굴림" charset="-127"/>
               </a:rPr>
-              <a:t> </a:t>
-            </a:r>
-            <a:r>
-              <a:rPr lang="en-US" altLang="ko-KR" sz="1800" dirty="0" smtClean="0">
-                <a:solidFill>
-                  <a:schemeClr val="tx2"/>
-                </a:solidFill>
-                <a:latin typeface="Verdana" panose="020B0604030504040204" pitchFamily="34" charset="0"/>
-                <a:ea typeface="굴림" charset="-127"/>
-              </a:rPr>
-              <a:t>available </a:t>
-            </a:r>
-            <a:r>
-              <a:rPr lang="en-US" altLang="ko-KR" sz="1800" dirty="0" smtClean="0">
-                <a:solidFill>
-                  <a:schemeClr val="tx2"/>
-                </a:solidFill>
-                <a:latin typeface="Verdana" panose="020B0604030504040204" pitchFamily="34" charset="0"/>
-                <a:ea typeface="굴림" charset="-127"/>
-              </a:rPr>
-              <a:t>here: </a:t>
+              <a:t> available here: </a:t>
             </a:r>
             <a:r>
               <a:rPr lang="en-US" altLang="ko-KR" sz="1800" dirty="0" smtClean="0">
@@ -8024,7 +8778,17 @@
                 <a:latin typeface="Verdana" panose="020B0604030504040204" pitchFamily="34" charset="0"/>
                 <a:ea typeface="굴림" charset="-127"/>
               </a:rPr>
-              <a:t>The data set used for these models included </a:t>
+              <a:t>The data set used for these models included 14,300 rows and 42 features</a:t>
+            </a:r>
+            <a:r>
+              <a:rPr lang="en-US" altLang="en-US" sz="1800" dirty="0">
+                <a:solidFill>
+                  <a:schemeClr val="tx2"/>
+                </a:solidFill>
+                <a:latin typeface="Verdana" panose="020B0604030504040204" pitchFamily="34" charset="0"/>
+                <a:ea typeface="굴림" charset="-127"/>
+              </a:rPr>
+              <a:t> </a:t>
             </a:r>
             <a:r>
               <a:rPr lang="en-US" altLang="en-US" sz="1800" dirty="0" smtClean="0">
@@ -8034,7 +8798,17 @@
                 <a:latin typeface="Verdana" panose="020B0604030504040204" pitchFamily="34" charset="0"/>
                 <a:ea typeface="굴림" charset="-127"/>
               </a:rPr>
-              <a:t>14,300 rows </a:t>
+              <a:t>(3 categorical, 11 </a:t>
+            </a:r>
+            <a:r>
+              <a:rPr lang="en-US" altLang="en-US" sz="1800" dirty="0" err="1" smtClean="0">
+                <a:solidFill>
+                  <a:schemeClr val="tx2"/>
+                </a:solidFill>
+                <a:latin typeface="Verdana" panose="020B0604030504040204" pitchFamily="34" charset="0"/>
+                <a:ea typeface="굴림" charset="-127"/>
+              </a:rPr>
+              <a:t>boolean</a:t>
             </a:r>
             <a:r>
               <a:rPr lang="en-US" altLang="en-US" sz="1800" dirty="0" smtClean="0">
@@ -8044,7 +8818,7 @@
                 <a:latin typeface="Verdana" panose="020B0604030504040204" pitchFamily="34" charset="0"/>
                 <a:ea typeface="굴림" charset="-127"/>
               </a:rPr>
-              <a:t>and </a:t>
+              <a:t>, </a:t>
             </a:r>
             <a:r>
               <a:rPr lang="en-US" altLang="en-US" sz="1800" dirty="0" smtClean="0">
@@ -8054,27 +8828,7 @@
                 <a:latin typeface="Verdana" panose="020B0604030504040204" pitchFamily="34" charset="0"/>
                 <a:ea typeface="굴림" charset="-127"/>
               </a:rPr>
-              <a:t>42 features</a:t>
-            </a:r>
-            <a:r>
-              <a:rPr lang="en-US" altLang="en-US" sz="1800" dirty="0">
-                <a:solidFill>
-                  <a:schemeClr val="tx2"/>
-                </a:solidFill>
-                <a:latin typeface="Verdana" panose="020B0604030504040204" pitchFamily="34" charset="0"/>
-                <a:ea typeface="굴림" charset="-127"/>
-              </a:rPr>
-              <a:t> </a:t>
-            </a:r>
-            <a:r>
-              <a:rPr lang="en-US" altLang="en-US" sz="1800" dirty="0" smtClean="0">
-                <a:solidFill>
-                  <a:schemeClr val="tx2"/>
-                </a:solidFill>
-                <a:latin typeface="Verdana" panose="020B0604030504040204" pitchFamily="34" charset="0"/>
-                <a:ea typeface="굴림" charset="-127"/>
-              </a:rPr>
-              <a:t>(3 categorical, 11 binary, 28 continuous).</a:t>
+              <a:t>28 continuous).</a:t>
             </a:r>
             <a:endParaRPr lang="uk-UA" altLang="en-US" sz="1800" dirty="0">
               <a:solidFill>
@@ -8860,7 +9614,7 @@
               <a:rPr lang="en-US" altLang="en-US" sz="3200" b="1" dirty="0" smtClean="0">
                 <a:latin typeface="Tahoma" panose="020B0604030504040204" pitchFamily="34" charset="0"/>
               </a:rPr>
-              <a:t>Binary </a:t>
+              <a:t>Boolean </a:t>
             </a:r>
             <a:r>
               <a:rPr lang="en-US" altLang="en-US" sz="3200" b="1" dirty="0" smtClean="0">
@@ -9324,13 +10078,6 @@
               </a:rPr>
               <a:t>Wheelbase</a:t>
             </a:r>
-            <a:endParaRPr lang="en-US" altLang="en-US" sz="1400" dirty="0" smtClean="0">
-              <a:solidFill>
-                <a:schemeClr val="tx2"/>
-              </a:solidFill>
-              <a:latin typeface="Verdana" panose="020B0604030504040204" pitchFamily="34" charset="0"/>
-              <a:ea typeface="굴림" charset="-127"/>
-            </a:endParaRPr>
           </a:p>
           <a:p>
             <a:pPr lvl="1">
@@ -9399,13 +10146,6 @@
               </a:rPr>
               <a:t>Head room</a:t>
             </a:r>
-            <a:endParaRPr lang="en-US" altLang="en-US" sz="1400" dirty="0" smtClean="0">
-              <a:solidFill>
-                <a:schemeClr val="tx2"/>
-              </a:solidFill>
-              <a:latin typeface="Verdana" panose="020B0604030504040204" pitchFamily="34" charset="0"/>
-              <a:ea typeface="굴림" charset="-127"/>
-            </a:endParaRPr>
           </a:p>
           <a:p>
             <a:pPr lvl="1">
@@ -9525,13 +10265,6 @@
               </a:rPr>
               <a:t>Drivetrain</a:t>
             </a:r>
-            <a:endParaRPr lang="en-US" altLang="en-US" sz="1400" dirty="0" smtClean="0">
-              <a:solidFill>
-                <a:schemeClr val="tx2"/>
-              </a:solidFill>
-              <a:latin typeface="Verdana" panose="020B0604030504040204" pitchFamily="34" charset="0"/>
-              <a:ea typeface="굴림" charset="-127"/>
-            </a:endParaRPr>
           </a:p>
         </p:txBody>
       </p:sp>
@@ -9545,6 +10278,13 @@
   <p:clrMapOvr>
     <a:masterClrMapping/>
   </p:clrMapOvr>
+  <p:timing>
+    <p:tnLst>
+      <p:par>
+        <p:cTn id="1" dur="indefinite" restart="never" nodeType="tmRoot"/>
+      </p:par>
+    </p:tnLst>
+  </p:timing>
 </p:sld>
 </file>
 
